--- a/paper/assets/asesets.pptx
+++ b/paper/assets/asesets.pptx
@@ -266,7 +266,7 @@
           <a:p>
             <a:fld id="{676AD226-D507-40AF-BEC8-ACCD8967D050}" type="datetimeFigureOut">
               <a:rPr kumimoji="1" lang="ja-JP" altLang="en-US" smtClean="0"/>
-              <a:t>2025/2/22</a:t>
+              <a:t>2025/2/25</a:t>
             </a:fld>
             <a:endParaRPr kumimoji="1" lang="ja-JP" altLang="en-US"/>
           </a:p>
@@ -496,7 +496,7 @@
           <a:p>
             <a:fld id="{676AD226-D507-40AF-BEC8-ACCD8967D050}" type="datetimeFigureOut">
               <a:rPr kumimoji="1" lang="ja-JP" altLang="en-US" smtClean="0"/>
-              <a:t>2025/2/22</a:t>
+              <a:t>2025/2/25</a:t>
             </a:fld>
             <a:endParaRPr kumimoji="1" lang="ja-JP" altLang="en-US"/>
           </a:p>
@@ -736,7 +736,7 @@
           <a:p>
             <a:fld id="{676AD226-D507-40AF-BEC8-ACCD8967D050}" type="datetimeFigureOut">
               <a:rPr kumimoji="1" lang="ja-JP" altLang="en-US" smtClean="0"/>
-              <a:t>2025/2/22</a:t>
+              <a:t>2025/2/25</a:t>
             </a:fld>
             <a:endParaRPr kumimoji="1" lang="ja-JP" altLang="en-US"/>
           </a:p>
@@ -966,7 +966,7 @@
           <a:p>
             <a:fld id="{676AD226-D507-40AF-BEC8-ACCD8967D050}" type="datetimeFigureOut">
               <a:rPr kumimoji="1" lang="ja-JP" altLang="en-US" smtClean="0"/>
-              <a:t>2025/2/22</a:t>
+              <a:t>2025/2/25</a:t>
             </a:fld>
             <a:endParaRPr kumimoji="1" lang="ja-JP" altLang="en-US"/>
           </a:p>
@@ -1241,7 +1241,7 @@
           <a:p>
             <a:fld id="{676AD226-D507-40AF-BEC8-ACCD8967D050}" type="datetimeFigureOut">
               <a:rPr kumimoji="1" lang="ja-JP" altLang="en-US" smtClean="0"/>
-              <a:t>2025/2/22</a:t>
+              <a:t>2025/2/25</a:t>
             </a:fld>
             <a:endParaRPr kumimoji="1" lang="ja-JP" altLang="en-US"/>
           </a:p>
@@ -1570,7 +1570,7 @@
           <a:p>
             <a:fld id="{676AD226-D507-40AF-BEC8-ACCD8967D050}" type="datetimeFigureOut">
               <a:rPr kumimoji="1" lang="ja-JP" altLang="en-US" smtClean="0"/>
-              <a:t>2025/2/22</a:t>
+              <a:t>2025/2/25</a:t>
             </a:fld>
             <a:endParaRPr kumimoji="1" lang="ja-JP" altLang="en-US"/>
           </a:p>
@@ -2046,7 +2046,7 @@
           <a:p>
             <a:fld id="{676AD226-D507-40AF-BEC8-ACCD8967D050}" type="datetimeFigureOut">
               <a:rPr kumimoji="1" lang="ja-JP" altLang="en-US" smtClean="0"/>
-              <a:t>2025/2/22</a:t>
+              <a:t>2025/2/25</a:t>
             </a:fld>
             <a:endParaRPr kumimoji="1" lang="ja-JP" altLang="en-US"/>
           </a:p>
@@ -2187,7 +2187,7 @@
           <a:p>
             <a:fld id="{676AD226-D507-40AF-BEC8-ACCD8967D050}" type="datetimeFigureOut">
               <a:rPr kumimoji="1" lang="ja-JP" altLang="en-US" smtClean="0"/>
-              <a:t>2025/2/22</a:t>
+              <a:t>2025/2/25</a:t>
             </a:fld>
             <a:endParaRPr kumimoji="1" lang="ja-JP" altLang="en-US"/>
           </a:p>
@@ -2300,7 +2300,7 @@
           <a:p>
             <a:fld id="{676AD226-D507-40AF-BEC8-ACCD8967D050}" type="datetimeFigureOut">
               <a:rPr kumimoji="1" lang="ja-JP" altLang="en-US" smtClean="0"/>
-              <a:t>2025/2/22</a:t>
+              <a:t>2025/2/25</a:t>
             </a:fld>
             <a:endParaRPr kumimoji="1" lang="ja-JP" altLang="en-US"/>
           </a:p>
@@ -2643,7 +2643,7 @@
           <a:p>
             <a:fld id="{676AD226-D507-40AF-BEC8-ACCD8967D050}" type="datetimeFigureOut">
               <a:rPr kumimoji="1" lang="ja-JP" altLang="en-US" smtClean="0"/>
-              <a:t>2025/2/22</a:t>
+              <a:t>2025/2/25</a:t>
             </a:fld>
             <a:endParaRPr kumimoji="1" lang="ja-JP" altLang="en-US"/>
           </a:p>
@@ -2931,7 +2931,7 @@
           <a:p>
             <a:fld id="{676AD226-D507-40AF-BEC8-ACCD8967D050}" type="datetimeFigureOut">
               <a:rPr kumimoji="1" lang="ja-JP" altLang="en-US" smtClean="0"/>
-              <a:t>2025/2/22</a:t>
+              <a:t>2025/2/25</a:t>
             </a:fld>
             <a:endParaRPr kumimoji="1" lang="ja-JP" altLang="en-US"/>
           </a:p>
@@ -3204,7 +3204,7 @@
           <a:p>
             <a:fld id="{676AD226-D507-40AF-BEC8-ACCD8967D050}" type="datetimeFigureOut">
               <a:rPr kumimoji="1" lang="ja-JP" altLang="en-US" smtClean="0"/>
-              <a:t>2025/2/22</a:t>
+              <a:t>2025/2/25</a:t>
             </a:fld>
             <a:endParaRPr kumimoji="1" lang="ja-JP" altLang="en-US"/>
           </a:p>
@@ -12134,349 +12134,413 @@
           <a:chExt cx="0" cy="0"/>
         </a:xfrm>
       </p:grpSpPr>
-      <p:pic>
-        <p:nvPicPr>
-          <p:cNvPr id="3" name="グラフィックス 2">
+      <p:grpSp>
+        <p:nvGrpSpPr>
+          <p:cNvPr id="16" name="グループ化 15">
             <a:extLst>
               <a:ext uri="{FF2B5EF4-FFF2-40B4-BE49-F238E27FC236}">
-                <a16:creationId xmlns:a16="http://schemas.microsoft.com/office/drawing/2014/main" id="{56CCBE4F-9E4B-BDE0-571E-FB7CFEB3D40F}"/>
+                <a16:creationId xmlns:a16="http://schemas.microsoft.com/office/drawing/2014/main" id="{D6A70C38-4162-8FF3-9FE1-8266E0C2642C}"/>
               </a:ext>
             </a:extLst>
           </p:cNvPr>
-          <p:cNvPicPr>
-            <a:picLocks noChangeAspect="1"/>
-          </p:cNvPicPr>
+          <p:cNvGrpSpPr/>
           <p:nvPr/>
-        </p:nvPicPr>
-        <p:blipFill>
-          <a:blip r:embed="rId2">
-            <a:extLst>
-              <a:ext uri="{96DAC541-7B7A-43D3-8B79-37D633B846F1}">
-                <asvg:svgBlip xmlns:asvg="http://schemas.microsoft.com/office/drawing/2016/SVG/main" r:embed="rId3"/>
-              </a:ext>
-            </a:extLst>
-          </a:blip>
-          <a:srcRect/>
-          <a:stretch/>
-        </p:blipFill>
-        <p:spPr>
+        </p:nvGrpSpPr>
+        <p:grpSpPr>
           <a:xfrm>
-            <a:off x="495300" y="2085975"/>
-            <a:ext cx="11201400" cy="2686050"/>
+            <a:off x="495300" y="1952625"/>
+            <a:ext cx="11391901" cy="2933700"/>
+            <a:chOff x="495300" y="1952625"/>
+            <a:chExt cx="11391901" cy="2933700"/>
           </a:xfrm>
-          <a:prstGeom prst="rect">
-            <a:avLst/>
-          </a:prstGeom>
-        </p:spPr>
-      </p:pic>
-      <p:sp>
-        <p:nvSpPr>
-          <p:cNvPr id="4" name="テキスト ボックス 3">
-            <a:extLst>
-              <a:ext uri="{FF2B5EF4-FFF2-40B4-BE49-F238E27FC236}">
-                <a16:creationId xmlns:a16="http://schemas.microsoft.com/office/drawing/2014/main" id="{603C2AB1-C520-FA80-697B-90E3C9F57B75}"/>
-              </a:ext>
-            </a:extLst>
-          </p:cNvPr>
-          <p:cNvSpPr txBox="1"/>
-          <p:nvPr/>
-        </p:nvSpPr>
-        <p:spPr>
-          <a:xfrm>
-            <a:off x="1704975" y="3590925"/>
-            <a:ext cx="1524000" cy="461665"/>
-          </a:xfrm>
-          <a:prstGeom prst="rect">
-            <a:avLst/>
-          </a:prstGeom>
-          <a:noFill/>
-        </p:spPr>
-        <p:txBody>
-          <a:bodyPr wrap="square" rtlCol="0">
-            <a:spAutoFit/>
-          </a:bodyPr>
-          <a:lstStyle/>
-          <a:p>
-            <a:pPr algn="ctr"/>
-            <a:r>
-              <a:rPr kumimoji="1" lang="en-US" altLang="ja-JP" sz="2400" dirty="0">
+        </p:grpSpPr>
+        <p:pic>
+          <p:nvPicPr>
+            <p:cNvPr id="3" name="グラフィックス 2">
+              <a:extLst>
+                <a:ext uri="{FF2B5EF4-FFF2-40B4-BE49-F238E27FC236}">
+                  <a16:creationId xmlns:a16="http://schemas.microsoft.com/office/drawing/2014/main" id="{56CCBE4F-9E4B-BDE0-571E-FB7CFEB3D40F}"/>
+                </a:ext>
+              </a:extLst>
+            </p:cNvPr>
+            <p:cNvPicPr>
+              <a:picLocks noChangeAspect="1"/>
+            </p:cNvPicPr>
+            <p:nvPr/>
+          </p:nvPicPr>
+          <p:blipFill>
+            <a:blip r:embed="rId2">
+              <a:extLst>
+                <a:ext uri="{96DAC541-7B7A-43D3-8B79-37D633B846F1}">
+                  <asvg:svgBlip xmlns:asvg="http://schemas.microsoft.com/office/drawing/2016/SVG/main" r:embed="rId3"/>
+                </a:ext>
+              </a:extLst>
+            </a:blip>
+            <a:srcRect/>
+            <a:stretch/>
+          </p:blipFill>
+          <p:spPr>
+            <a:xfrm>
+              <a:off x="495300" y="2085975"/>
+              <a:ext cx="11201400" cy="2686050"/>
+            </a:xfrm>
+            <a:prstGeom prst="rect">
+              <a:avLst/>
+            </a:prstGeom>
+          </p:spPr>
+        </p:pic>
+        <p:sp>
+          <p:nvSpPr>
+            <p:cNvPr id="4" name="テキスト ボックス 3">
+              <a:extLst>
+                <a:ext uri="{FF2B5EF4-FFF2-40B4-BE49-F238E27FC236}">
+                  <a16:creationId xmlns:a16="http://schemas.microsoft.com/office/drawing/2014/main" id="{603C2AB1-C520-FA80-697B-90E3C9F57B75}"/>
+                </a:ext>
+              </a:extLst>
+            </p:cNvPr>
+            <p:cNvSpPr txBox="1"/>
+            <p:nvPr/>
+          </p:nvSpPr>
+          <p:spPr>
+            <a:xfrm>
+              <a:off x="1704975" y="3590925"/>
+              <a:ext cx="1524000" cy="461665"/>
+            </a:xfrm>
+            <a:prstGeom prst="rect">
+              <a:avLst/>
+            </a:prstGeom>
+            <a:noFill/>
+          </p:spPr>
+          <p:txBody>
+            <a:bodyPr wrap="square" rtlCol="0">
+              <a:spAutoFit/>
+            </a:bodyPr>
+            <a:lstStyle/>
+            <a:p>
+              <a:pPr algn="ctr"/>
+              <a:r>
+                <a:rPr kumimoji="1" lang="en-US" altLang="ja-JP" sz="2400" dirty="0">
+                  <a:latin typeface="BIZ UDPゴシック" panose="020B0400000000000000" pitchFamily="50" charset="-128"/>
+                  <a:ea typeface="BIZ UDPゴシック" panose="020B0400000000000000" pitchFamily="50" charset="-128"/>
+                </a:rPr>
+                <a:t>Busy</a:t>
+              </a:r>
+              <a:endParaRPr kumimoji="1" lang="ja-JP" altLang="en-US" sz="2400" dirty="0">
                 <a:latin typeface="BIZ UDPゴシック" panose="020B0400000000000000" pitchFamily="50" charset="-128"/>
                 <a:ea typeface="BIZ UDPゴシック" panose="020B0400000000000000" pitchFamily="50" charset="-128"/>
-              </a:rPr>
-              <a:t>Busy</a:t>
-            </a:r>
-            <a:endParaRPr kumimoji="1" lang="ja-JP" altLang="en-US" sz="2400" dirty="0">
-              <a:latin typeface="BIZ UDPゴシック" panose="020B0400000000000000" pitchFamily="50" charset="-128"/>
-              <a:ea typeface="BIZ UDPゴシック" panose="020B0400000000000000" pitchFamily="50" charset="-128"/>
-            </a:endParaRPr>
-          </a:p>
-        </p:txBody>
-      </p:sp>
-      <p:sp>
-        <p:nvSpPr>
-          <p:cNvPr id="7" name="テキスト ボックス 6">
-            <a:extLst>
-              <a:ext uri="{FF2B5EF4-FFF2-40B4-BE49-F238E27FC236}">
-                <a16:creationId xmlns:a16="http://schemas.microsoft.com/office/drawing/2014/main" id="{7476D0A4-5989-0A9E-60B1-97D0DD7DEAB9}"/>
-              </a:ext>
-            </a:extLst>
-          </p:cNvPr>
-          <p:cNvSpPr txBox="1"/>
-          <p:nvPr/>
-        </p:nvSpPr>
-        <p:spPr>
-          <a:xfrm>
-            <a:off x="5953125" y="1952625"/>
-            <a:ext cx="1524000" cy="461665"/>
-          </a:xfrm>
-          <a:prstGeom prst="rect">
-            <a:avLst/>
-          </a:prstGeom>
-          <a:noFill/>
-        </p:spPr>
-        <p:txBody>
-          <a:bodyPr wrap="square" rtlCol="0">
-            <a:spAutoFit/>
-          </a:bodyPr>
-          <a:lstStyle/>
-          <a:p>
-            <a:pPr algn="ctr"/>
-            <a:r>
-              <a:rPr kumimoji="1" lang="en-US" altLang="ja-JP" sz="2400" dirty="0">
+              </a:endParaRPr>
+            </a:p>
+          </p:txBody>
+        </p:sp>
+        <p:sp>
+          <p:nvSpPr>
+            <p:cNvPr id="7" name="テキスト ボックス 6">
+              <a:extLst>
+                <a:ext uri="{FF2B5EF4-FFF2-40B4-BE49-F238E27FC236}">
+                  <a16:creationId xmlns:a16="http://schemas.microsoft.com/office/drawing/2014/main" id="{7476D0A4-5989-0A9E-60B1-97D0DD7DEAB9}"/>
+                </a:ext>
+              </a:extLst>
+            </p:cNvPr>
+            <p:cNvSpPr txBox="1"/>
+            <p:nvPr/>
+          </p:nvSpPr>
+          <p:spPr>
+            <a:xfrm>
+              <a:off x="5953125" y="1952625"/>
+              <a:ext cx="1524000" cy="461665"/>
+            </a:xfrm>
+            <a:prstGeom prst="rect">
+              <a:avLst/>
+            </a:prstGeom>
+            <a:noFill/>
+          </p:spPr>
+          <p:txBody>
+            <a:bodyPr wrap="square" rtlCol="0">
+              <a:spAutoFit/>
+            </a:bodyPr>
+            <a:lstStyle/>
+            <a:p>
+              <a:pPr algn="ctr"/>
+              <a:r>
+                <a:rPr kumimoji="1" lang="en-US" altLang="ja-JP" sz="2400" dirty="0">
+                  <a:latin typeface="BIZ UDPゴシック" panose="020B0400000000000000" pitchFamily="50" charset="-128"/>
+                  <a:ea typeface="BIZ UDPゴシック" panose="020B0400000000000000" pitchFamily="50" charset="-128"/>
+                </a:rPr>
+                <a:t>EIFS</a:t>
+              </a:r>
+              <a:endParaRPr kumimoji="1" lang="ja-JP" altLang="en-US" sz="2400" dirty="0">
                 <a:latin typeface="BIZ UDPゴシック" panose="020B0400000000000000" pitchFamily="50" charset="-128"/>
                 <a:ea typeface="BIZ UDPゴシック" panose="020B0400000000000000" pitchFamily="50" charset="-128"/>
-              </a:rPr>
-              <a:t>EIFS</a:t>
-            </a:r>
-            <a:endParaRPr kumimoji="1" lang="ja-JP" altLang="en-US" sz="2400" dirty="0">
-              <a:latin typeface="BIZ UDPゴシック" panose="020B0400000000000000" pitchFamily="50" charset="-128"/>
-              <a:ea typeface="BIZ UDPゴシック" panose="020B0400000000000000" pitchFamily="50" charset="-128"/>
-            </a:endParaRPr>
-          </a:p>
-        </p:txBody>
-      </p:sp>
-      <p:sp>
-        <p:nvSpPr>
-          <p:cNvPr id="10" name="テキスト ボックス 9">
-            <a:extLst>
-              <a:ext uri="{FF2B5EF4-FFF2-40B4-BE49-F238E27FC236}">
-                <a16:creationId xmlns:a16="http://schemas.microsoft.com/office/drawing/2014/main" id="{EEE9E2B2-C785-8A1C-916F-CA749F379580}"/>
-              </a:ext>
-            </a:extLst>
-          </p:cNvPr>
-          <p:cNvSpPr txBox="1"/>
-          <p:nvPr/>
-        </p:nvSpPr>
-        <p:spPr>
-          <a:xfrm>
-            <a:off x="3819525" y="3495675"/>
-            <a:ext cx="1524000" cy="461665"/>
-          </a:xfrm>
-          <a:prstGeom prst="rect">
-            <a:avLst/>
-          </a:prstGeom>
-          <a:noFill/>
-        </p:spPr>
-        <p:txBody>
-          <a:bodyPr wrap="square" rtlCol="0">
-            <a:spAutoFit/>
-          </a:bodyPr>
-          <a:lstStyle/>
-          <a:p>
-            <a:pPr algn="ctr"/>
-            <a:r>
-              <a:rPr lang="en-US" altLang="ja-JP" sz="2400" dirty="0">
+              </a:endParaRPr>
+            </a:p>
+          </p:txBody>
+        </p:sp>
+        <p:sp>
+          <p:nvSpPr>
+            <p:cNvPr id="10" name="テキスト ボックス 9">
+              <a:extLst>
+                <a:ext uri="{FF2B5EF4-FFF2-40B4-BE49-F238E27FC236}">
+                  <a16:creationId xmlns:a16="http://schemas.microsoft.com/office/drawing/2014/main" id="{EEE9E2B2-C785-8A1C-916F-CA749F379580}"/>
+                </a:ext>
+              </a:extLst>
+            </p:cNvPr>
+            <p:cNvSpPr txBox="1"/>
+            <p:nvPr/>
+          </p:nvSpPr>
+          <p:spPr>
+            <a:xfrm>
+              <a:off x="3819525" y="3495675"/>
+              <a:ext cx="1524000" cy="461665"/>
+            </a:xfrm>
+            <a:prstGeom prst="rect">
+              <a:avLst/>
+            </a:prstGeom>
+            <a:noFill/>
+          </p:spPr>
+          <p:txBody>
+            <a:bodyPr wrap="square" rtlCol="0">
+              <a:spAutoFit/>
+            </a:bodyPr>
+            <a:lstStyle/>
+            <a:p>
+              <a:pPr algn="ctr"/>
+              <a:r>
+                <a:rPr lang="en-US" altLang="ja-JP" sz="2400" dirty="0">
+                  <a:latin typeface="BIZ UDPゴシック" panose="020B0400000000000000" pitchFamily="50" charset="-128"/>
+                  <a:ea typeface="BIZ UDPゴシック" panose="020B0400000000000000" pitchFamily="50" charset="-128"/>
+                </a:rPr>
+                <a:t>S</a:t>
+              </a:r>
+              <a:r>
+                <a:rPr kumimoji="1" lang="en-US" altLang="ja-JP" sz="2400" dirty="0">
+                  <a:latin typeface="BIZ UDPゴシック" panose="020B0400000000000000" pitchFamily="50" charset="-128"/>
+                  <a:ea typeface="BIZ UDPゴシック" panose="020B0400000000000000" pitchFamily="50" charset="-128"/>
+                </a:rPr>
+                <a:t>IFS</a:t>
+              </a:r>
+              <a:endParaRPr kumimoji="1" lang="ja-JP" altLang="en-US" sz="2400" dirty="0">
                 <a:latin typeface="BIZ UDPゴシック" panose="020B0400000000000000" pitchFamily="50" charset="-128"/>
                 <a:ea typeface="BIZ UDPゴシック" panose="020B0400000000000000" pitchFamily="50" charset="-128"/>
-              </a:rPr>
-              <a:t>S</a:t>
-            </a:r>
-            <a:r>
-              <a:rPr kumimoji="1" lang="en-US" altLang="ja-JP" sz="2400" dirty="0">
+              </a:endParaRPr>
+            </a:p>
+          </p:txBody>
+        </p:sp>
+        <p:sp>
+          <p:nvSpPr>
+            <p:cNvPr id="11" name="テキスト ボックス 10">
+              <a:extLst>
+                <a:ext uri="{FF2B5EF4-FFF2-40B4-BE49-F238E27FC236}">
+                  <a16:creationId xmlns:a16="http://schemas.microsoft.com/office/drawing/2014/main" id="{7485BA8D-345C-2322-1B0A-604A189DE830}"/>
+                </a:ext>
+              </a:extLst>
+            </p:cNvPr>
+            <p:cNvSpPr txBox="1"/>
+            <p:nvPr/>
+          </p:nvSpPr>
+          <p:spPr>
+            <a:xfrm>
+              <a:off x="5324477" y="3129260"/>
+              <a:ext cx="1524000" cy="461665"/>
+            </a:xfrm>
+            <a:prstGeom prst="rect">
+              <a:avLst/>
+            </a:prstGeom>
+            <a:noFill/>
+          </p:spPr>
+          <p:txBody>
+            <a:bodyPr wrap="square" rtlCol="0">
+              <a:spAutoFit/>
+            </a:bodyPr>
+            <a:lstStyle/>
+            <a:p>
+              <a:pPr algn="ctr"/>
+              <a:r>
+                <a:rPr lang="en-US" altLang="ja-JP" sz="2400" dirty="0">
+                  <a:latin typeface="BIZ UDPゴシック" panose="020B0400000000000000" pitchFamily="50" charset="-128"/>
+                  <a:ea typeface="BIZ UDPゴシック" panose="020B0400000000000000" pitchFamily="50" charset="-128"/>
+                </a:rPr>
+                <a:t>ACK</a:t>
+              </a:r>
+              <a:endParaRPr kumimoji="1" lang="ja-JP" altLang="en-US" sz="2400" dirty="0">
                 <a:latin typeface="BIZ UDPゴシック" panose="020B0400000000000000" pitchFamily="50" charset="-128"/>
                 <a:ea typeface="BIZ UDPゴシック" panose="020B0400000000000000" pitchFamily="50" charset="-128"/>
-              </a:rPr>
-              <a:t>IFS</a:t>
-            </a:r>
-            <a:endParaRPr kumimoji="1" lang="ja-JP" altLang="en-US" sz="2400" dirty="0">
-              <a:latin typeface="BIZ UDPゴシック" panose="020B0400000000000000" pitchFamily="50" charset="-128"/>
-              <a:ea typeface="BIZ UDPゴシック" panose="020B0400000000000000" pitchFamily="50" charset="-128"/>
-            </a:endParaRPr>
-          </a:p>
-        </p:txBody>
-      </p:sp>
-      <p:sp>
-        <p:nvSpPr>
-          <p:cNvPr id="11" name="テキスト ボックス 10">
-            <a:extLst>
-              <a:ext uri="{FF2B5EF4-FFF2-40B4-BE49-F238E27FC236}">
-                <a16:creationId xmlns:a16="http://schemas.microsoft.com/office/drawing/2014/main" id="{7485BA8D-345C-2322-1B0A-604A189DE830}"/>
-              </a:ext>
-            </a:extLst>
-          </p:cNvPr>
-          <p:cNvSpPr txBox="1"/>
-          <p:nvPr/>
-        </p:nvSpPr>
-        <p:spPr>
-          <a:xfrm>
-            <a:off x="5324477" y="3129260"/>
-            <a:ext cx="1524000" cy="461665"/>
-          </a:xfrm>
-          <a:prstGeom prst="rect">
-            <a:avLst/>
-          </a:prstGeom>
-          <a:noFill/>
-        </p:spPr>
-        <p:txBody>
-          <a:bodyPr wrap="square" rtlCol="0">
-            <a:spAutoFit/>
-          </a:bodyPr>
-          <a:lstStyle/>
-          <a:p>
-            <a:pPr algn="ctr"/>
-            <a:r>
-              <a:rPr lang="en-US" altLang="ja-JP" sz="2400" dirty="0">
+              </a:endParaRPr>
+            </a:p>
+          </p:txBody>
+        </p:sp>
+        <p:sp>
+          <p:nvSpPr>
+            <p:cNvPr id="12" name="テキスト ボックス 11">
+              <a:extLst>
+                <a:ext uri="{FF2B5EF4-FFF2-40B4-BE49-F238E27FC236}">
+                  <a16:creationId xmlns:a16="http://schemas.microsoft.com/office/drawing/2014/main" id="{9D6C2B14-9C02-729B-F8DA-3DF172DD7BCD}"/>
+                </a:ext>
+              </a:extLst>
+            </p:cNvPr>
+            <p:cNvSpPr txBox="1"/>
+            <p:nvPr/>
+          </p:nvSpPr>
+          <p:spPr>
+            <a:xfrm>
+              <a:off x="5238753" y="3638550"/>
+              <a:ext cx="1695448" cy="461665"/>
+            </a:xfrm>
+            <a:prstGeom prst="rect">
+              <a:avLst/>
+            </a:prstGeom>
+            <a:noFill/>
+          </p:spPr>
+          <p:txBody>
+            <a:bodyPr wrap="square" rtlCol="0">
+              <a:spAutoFit/>
+            </a:bodyPr>
+            <a:lstStyle/>
+            <a:p>
+              <a:pPr algn="ctr"/>
+              <a:r>
+                <a:rPr lang="ja-JP" altLang="en-US" sz="2400" dirty="0">
+                  <a:latin typeface="BIZ UDPゴシック" panose="020B0400000000000000" pitchFamily="50" charset="-128"/>
+                  <a:ea typeface="BIZ UDPゴシック" panose="020B0400000000000000" pitchFamily="50" charset="-128"/>
+                </a:rPr>
+                <a:t>フレーム長</a:t>
+              </a:r>
+              <a:endParaRPr kumimoji="1" lang="ja-JP" altLang="en-US" sz="2400" dirty="0">
                 <a:latin typeface="BIZ UDPゴシック" panose="020B0400000000000000" pitchFamily="50" charset="-128"/>
                 <a:ea typeface="BIZ UDPゴシック" panose="020B0400000000000000" pitchFamily="50" charset="-128"/>
-              </a:rPr>
-              <a:t>ACK</a:t>
-            </a:r>
-            <a:endParaRPr kumimoji="1" lang="ja-JP" altLang="en-US" sz="2400" dirty="0">
-              <a:latin typeface="BIZ UDPゴシック" panose="020B0400000000000000" pitchFamily="50" charset="-128"/>
-              <a:ea typeface="BIZ UDPゴシック" panose="020B0400000000000000" pitchFamily="50" charset="-128"/>
-            </a:endParaRPr>
-          </a:p>
-        </p:txBody>
-      </p:sp>
-      <p:sp>
-        <p:nvSpPr>
-          <p:cNvPr id="12" name="テキスト ボックス 11">
-            <a:extLst>
-              <a:ext uri="{FF2B5EF4-FFF2-40B4-BE49-F238E27FC236}">
-                <a16:creationId xmlns:a16="http://schemas.microsoft.com/office/drawing/2014/main" id="{9D6C2B14-9C02-729B-F8DA-3DF172DD7BCD}"/>
-              </a:ext>
-            </a:extLst>
-          </p:cNvPr>
-          <p:cNvSpPr txBox="1"/>
-          <p:nvPr/>
-        </p:nvSpPr>
-        <p:spPr>
-          <a:xfrm>
-            <a:off x="5238753" y="3638550"/>
-            <a:ext cx="1695448" cy="461665"/>
-          </a:xfrm>
-          <a:prstGeom prst="rect">
-            <a:avLst/>
-          </a:prstGeom>
-          <a:noFill/>
-        </p:spPr>
-        <p:txBody>
-          <a:bodyPr wrap="square" rtlCol="0">
-            <a:spAutoFit/>
-          </a:bodyPr>
-          <a:lstStyle/>
-          <a:p>
-            <a:pPr algn="ctr"/>
-            <a:r>
-              <a:rPr lang="ja-JP" altLang="en-US" sz="2400" dirty="0">
+              </a:endParaRPr>
+            </a:p>
+          </p:txBody>
+        </p:sp>
+        <p:sp>
+          <p:nvSpPr>
+            <p:cNvPr id="13" name="テキスト ボックス 12">
+              <a:extLst>
+                <a:ext uri="{FF2B5EF4-FFF2-40B4-BE49-F238E27FC236}">
+                  <a16:creationId xmlns:a16="http://schemas.microsoft.com/office/drawing/2014/main" id="{38C2B686-9E5E-B5FD-9A39-D951CE3B71ED}"/>
+                </a:ext>
+              </a:extLst>
+            </p:cNvPr>
+            <p:cNvSpPr txBox="1"/>
+            <p:nvPr/>
+          </p:nvSpPr>
+          <p:spPr>
+            <a:xfrm>
+              <a:off x="7477125" y="2795587"/>
+              <a:ext cx="1524000" cy="461665"/>
+            </a:xfrm>
+            <a:prstGeom prst="rect">
+              <a:avLst/>
+            </a:prstGeom>
+            <a:noFill/>
+          </p:spPr>
+          <p:txBody>
+            <a:bodyPr wrap="square" rtlCol="0">
+              <a:spAutoFit/>
+            </a:bodyPr>
+            <a:lstStyle/>
+            <a:p>
+              <a:pPr algn="ctr"/>
+              <a:r>
+                <a:rPr lang="en-US" altLang="ja-JP" sz="2400" dirty="0">
+                  <a:latin typeface="BIZ UDPゴシック" panose="020B0400000000000000" pitchFamily="50" charset="-128"/>
+                  <a:ea typeface="BIZ UDPゴシック" panose="020B0400000000000000" pitchFamily="50" charset="-128"/>
+                </a:rPr>
+                <a:t>DIFS</a:t>
+              </a:r>
+              <a:endParaRPr kumimoji="1" lang="ja-JP" altLang="en-US" sz="2400" dirty="0">
                 <a:latin typeface="BIZ UDPゴシック" panose="020B0400000000000000" pitchFamily="50" charset="-128"/>
                 <a:ea typeface="BIZ UDPゴシック" panose="020B0400000000000000" pitchFamily="50" charset="-128"/>
-              </a:rPr>
-              <a:t>フレーム長</a:t>
-            </a:r>
-            <a:endParaRPr kumimoji="1" lang="ja-JP" altLang="en-US" sz="2400" dirty="0">
-              <a:latin typeface="BIZ UDPゴシック" panose="020B0400000000000000" pitchFamily="50" charset="-128"/>
-              <a:ea typeface="BIZ UDPゴシック" panose="020B0400000000000000" pitchFamily="50" charset="-128"/>
-            </a:endParaRPr>
-          </a:p>
-        </p:txBody>
-      </p:sp>
-      <p:sp>
-        <p:nvSpPr>
-          <p:cNvPr id="13" name="テキスト ボックス 12">
-            <a:extLst>
-              <a:ext uri="{FF2B5EF4-FFF2-40B4-BE49-F238E27FC236}">
-                <a16:creationId xmlns:a16="http://schemas.microsoft.com/office/drawing/2014/main" id="{38C2B686-9E5E-B5FD-9A39-D951CE3B71ED}"/>
-              </a:ext>
-            </a:extLst>
-          </p:cNvPr>
-          <p:cNvSpPr txBox="1"/>
-          <p:nvPr/>
-        </p:nvSpPr>
-        <p:spPr>
-          <a:xfrm>
-            <a:off x="7477125" y="2795587"/>
-            <a:ext cx="1524000" cy="461665"/>
-          </a:xfrm>
-          <a:prstGeom prst="rect">
-            <a:avLst/>
-          </a:prstGeom>
-          <a:noFill/>
-        </p:spPr>
-        <p:txBody>
-          <a:bodyPr wrap="square" rtlCol="0">
-            <a:spAutoFit/>
-          </a:bodyPr>
-          <a:lstStyle/>
-          <a:p>
-            <a:pPr algn="ctr"/>
-            <a:r>
-              <a:rPr lang="en-US" altLang="ja-JP" sz="2400" dirty="0">
+              </a:endParaRPr>
+            </a:p>
+          </p:txBody>
+        </p:sp>
+        <p:sp>
+          <p:nvSpPr>
+            <p:cNvPr id="14" name="テキスト ボックス 13">
+              <a:extLst>
+                <a:ext uri="{FF2B5EF4-FFF2-40B4-BE49-F238E27FC236}">
+                  <a16:creationId xmlns:a16="http://schemas.microsoft.com/office/drawing/2014/main" id="{2429505F-E3D3-2EF6-5613-CBBA57114311}"/>
+                </a:ext>
+              </a:extLst>
+            </p:cNvPr>
+            <p:cNvSpPr txBox="1"/>
+            <p:nvPr/>
+          </p:nvSpPr>
+          <p:spPr>
+            <a:xfrm>
+              <a:off x="9536906" y="2795586"/>
+              <a:ext cx="1624013" cy="461665"/>
+            </a:xfrm>
+            <a:prstGeom prst="rect">
+              <a:avLst/>
+            </a:prstGeom>
+            <a:noFill/>
+          </p:spPr>
+          <p:txBody>
+            <a:bodyPr wrap="square" rtlCol="0">
+              <a:spAutoFit/>
+            </a:bodyPr>
+            <a:lstStyle/>
+            <a:p>
+              <a:pPr algn="ctr"/>
+              <a:r>
+                <a:rPr lang="ja-JP" altLang="en-US" sz="2400" dirty="0">
+                  <a:latin typeface="BIZ UDPゴシック" panose="020B0400000000000000" pitchFamily="50" charset="-128"/>
+                  <a:ea typeface="BIZ UDPゴシック" panose="020B0400000000000000" pitchFamily="50" charset="-128"/>
+                </a:rPr>
+                <a:t>バックオフ</a:t>
+              </a:r>
+              <a:endParaRPr kumimoji="1" lang="ja-JP" altLang="en-US" sz="2400" dirty="0">
                 <a:latin typeface="BIZ UDPゴシック" panose="020B0400000000000000" pitchFamily="50" charset="-128"/>
                 <a:ea typeface="BIZ UDPゴシック" panose="020B0400000000000000" pitchFamily="50" charset="-128"/>
-              </a:rPr>
-              <a:t>DIFS</a:t>
-            </a:r>
-            <a:endParaRPr kumimoji="1" lang="ja-JP" altLang="en-US" sz="2400" dirty="0">
-              <a:latin typeface="BIZ UDPゴシック" panose="020B0400000000000000" pitchFamily="50" charset="-128"/>
-              <a:ea typeface="BIZ UDPゴシック" panose="020B0400000000000000" pitchFamily="50" charset="-128"/>
-            </a:endParaRPr>
-          </a:p>
-        </p:txBody>
-      </p:sp>
-      <p:sp>
-        <p:nvSpPr>
-          <p:cNvPr id="14" name="テキスト ボックス 13">
-            <a:extLst>
-              <a:ext uri="{FF2B5EF4-FFF2-40B4-BE49-F238E27FC236}">
-                <a16:creationId xmlns:a16="http://schemas.microsoft.com/office/drawing/2014/main" id="{2429505F-E3D3-2EF6-5613-CBBA57114311}"/>
-              </a:ext>
-            </a:extLst>
-          </p:cNvPr>
-          <p:cNvSpPr txBox="1"/>
-          <p:nvPr/>
-        </p:nvSpPr>
-        <p:spPr>
-          <a:xfrm>
-            <a:off x="9536906" y="2795586"/>
-            <a:ext cx="1624013" cy="461665"/>
-          </a:xfrm>
-          <a:prstGeom prst="rect">
-            <a:avLst/>
-          </a:prstGeom>
-          <a:noFill/>
-        </p:spPr>
-        <p:txBody>
-          <a:bodyPr wrap="square" rtlCol="0">
-            <a:spAutoFit/>
-          </a:bodyPr>
-          <a:lstStyle/>
-          <a:p>
-            <a:pPr algn="ctr"/>
-            <a:r>
-              <a:rPr lang="ja-JP" altLang="en-US" sz="2400" dirty="0">
+              </a:endParaRPr>
+            </a:p>
+          </p:txBody>
+        </p:sp>
+        <p:sp>
+          <p:nvSpPr>
+            <p:cNvPr id="15" name="テキスト ボックス 14">
+              <a:extLst>
+                <a:ext uri="{FF2B5EF4-FFF2-40B4-BE49-F238E27FC236}">
+                  <a16:creationId xmlns:a16="http://schemas.microsoft.com/office/drawing/2014/main" id="{A31A9DA5-0793-1B17-FAE1-BB74B2BC856E}"/>
+                </a:ext>
+              </a:extLst>
+            </p:cNvPr>
+            <p:cNvSpPr txBox="1"/>
+            <p:nvPr/>
+          </p:nvSpPr>
+          <p:spPr>
+            <a:xfrm>
+              <a:off x="10825163" y="4424660"/>
+              <a:ext cx="1062038" cy="461665"/>
+            </a:xfrm>
+            <a:prstGeom prst="rect">
+              <a:avLst/>
+            </a:prstGeom>
+            <a:noFill/>
+          </p:spPr>
+          <p:txBody>
+            <a:bodyPr wrap="square" rtlCol="0">
+              <a:spAutoFit/>
+            </a:bodyPr>
+            <a:lstStyle/>
+            <a:p>
+              <a:pPr algn="ctr"/>
+              <a:r>
+                <a:rPr lang="ja-JP" altLang="en-US" sz="2400" dirty="0">
+                  <a:latin typeface="BIZ UDPゴシック" panose="020B0400000000000000" pitchFamily="50" charset="-128"/>
+                  <a:ea typeface="BIZ UDPゴシック" panose="020B0400000000000000" pitchFamily="50" charset="-128"/>
+                </a:rPr>
+                <a:t>時間</a:t>
+              </a:r>
+              <a:endParaRPr kumimoji="1" lang="ja-JP" altLang="en-US" sz="2400" dirty="0">
                 <a:latin typeface="BIZ UDPゴシック" panose="020B0400000000000000" pitchFamily="50" charset="-128"/>
                 <a:ea typeface="BIZ UDPゴシック" panose="020B0400000000000000" pitchFamily="50" charset="-128"/>
-              </a:rPr>
-              <a:t>バックオフ</a:t>
-            </a:r>
-            <a:endParaRPr kumimoji="1" lang="ja-JP" altLang="en-US" sz="2400" dirty="0">
-              <a:latin typeface="BIZ UDPゴシック" panose="020B0400000000000000" pitchFamily="50" charset="-128"/>
-              <a:ea typeface="BIZ UDPゴシック" panose="020B0400000000000000" pitchFamily="50" charset="-128"/>
-            </a:endParaRPr>
-          </a:p>
-        </p:txBody>
-      </p:sp>
+              </a:endParaRPr>
+            </a:p>
+          </p:txBody>
+        </p:sp>
+      </p:grpSp>
     </p:spTree>
     <p:extLst>
       <p:ext uri="{BB962C8B-B14F-4D97-AF65-F5344CB8AC3E}">

--- a/paper/assets/asesets.pptx
+++ b/paper/assets/asesets.pptx
@@ -267,7 +267,7 @@
           <a:p>
             <a:fld id="{676AD226-D507-40AF-BEC8-ACCD8967D050}" type="datetimeFigureOut">
               <a:rPr kumimoji="1" lang="ja-JP" altLang="en-US" smtClean="0"/>
-              <a:t>2025/2/25</a:t>
+              <a:t>2025/2/28</a:t>
             </a:fld>
             <a:endParaRPr kumimoji="1" lang="ja-JP" altLang="en-US"/>
           </a:p>
@@ -497,7 +497,7 @@
           <a:p>
             <a:fld id="{676AD226-D507-40AF-BEC8-ACCD8967D050}" type="datetimeFigureOut">
               <a:rPr kumimoji="1" lang="ja-JP" altLang="en-US" smtClean="0"/>
-              <a:t>2025/2/25</a:t>
+              <a:t>2025/2/28</a:t>
             </a:fld>
             <a:endParaRPr kumimoji="1" lang="ja-JP" altLang="en-US"/>
           </a:p>
@@ -737,7 +737,7 @@
           <a:p>
             <a:fld id="{676AD226-D507-40AF-BEC8-ACCD8967D050}" type="datetimeFigureOut">
               <a:rPr kumimoji="1" lang="ja-JP" altLang="en-US" smtClean="0"/>
-              <a:t>2025/2/25</a:t>
+              <a:t>2025/2/28</a:t>
             </a:fld>
             <a:endParaRPr kumimoji="1" lang="ja-JP" altLang="en-US"/>
           </a:p>
@@ -967,7 +967,7 @@
           <a:p>
             <a:fld id="{676AD226-D507-40AF-BEC8-ACCD8967D050}" type="datetimeFigureOut">
               <a:rPr kumimoji="1" lang="ja-JP" altLang="en-US" smtClean="0"/>
-              <a:t>2025/2/25</a:t>
+              <a:t>2025/2/28</a:t>
             </a:fld>
             <a:endParaRPr kumimoji="1" lang="ja-JP" altLang="en-US"/>
           </a:p>
@@ -1242,7 +1242,7 @@
           <a:p>
             <a:fld id="{676AD226-D507-40AF-BEC8-ACCD8967D050}" type="datetimeFigureOut">
               <a:rPr kumimoji="1" lang="ja-JP" altLang="en-US" smtClean="0"/>
-              <a:t>2025/2/25</a:t>
+              <a:t>2025/2/28</a:t>
             </a:fld>
             <a:endParaRPr kumimoji="1" lang="ja-JP" altLang="en-US"/>
           </a:p>
@@ -1571,7 +1571,7 @@
           <a:p>
             <a:fld id="{676AD226-D507-40AF-BEC8-ACCD8967D050}" type="datetimeFigureOut">
               <a:rPr kumimoji="1" lang="ja-JP" altLang="en-US" smtClean="0"/>
-              <a:t>2025/2/25</a:t>
+              <a:t>2025/2/28</a:t>
             </a:fld>
             <a:endParaRPr kumimoji="1" lang="ja-JP" altLang="en-US"/>
           </a:p>
@@ -2047,7 +2047,7 @@
           <a:p>
             <a:fld id="{676AD226-D507-40AF-BEC8-ACCD8967D050}" type="datetimeFigureOut">
               <a:rPr kumimoji="1" lang="ja-JP" altLang="en-US" smtClean="0"/>
-              <a:t>2025/2/25</a:t>
+              <a:t>2025/2/28</a:t>
             </a:fld>
             <a:endParaRPr kumimoji="1" lang="ja-JP" altLang="en-US"/>
           </a:p>
@@ -2188,7 +2188,7 @@
           <a:p>
             <a:fld id="{676AD226-D507-40AF-BEC8-ACCD8967D050}" type="datetimeFigureOut">
               <a:rPr kumimoji="1" lang="ja-JP" altLang="en-US" smtClean="0"/>
-              <a:t>2025/2/25</a:t>
+              <a:t>2025/2/28</a:t>
             </a:fld>
             <a:endParaRPr kumimoji="1" lang="ja-JP" altLang="en-US"/>
           </a:p>
@@ -2301,7 +2301,7 @@
           <a:p>
             <a:fld id="{676AD226-D507-40AF-BEC8-ACCD8967D050}" type="datetimeFigureOut">
               <a:rPr kumimoji="1" lang="ja-JP" altLang="en-US" smtClean="0"/>
-              <a:t>2025/2/25</a:t>
+              <a:t>2025/2/28</a:t>
             </a:fld>
             <a:endParaRPr kumimoji="1" lang="ja-JP" altLang="en-US"/>
           </a:p>
@@ -2644,7 +2644,7 @@
           <a:p>
             <a:fld id="{676AD226-D507-40AF-BEC8-ACCD8967D050}" type="datetimeFigureOut">
               <a:rPr kumimoji="1" lang="ja-JP" altLang="en-US" smtClean="0"/>
-              <a:t>2025/2/25</a:t>
+              <a:t>2025/2/28</a:t>
             </a:fld>
             <a:endParaRPr kumimoji="1" lang="ja-JP" altLang="en-US"/>
           </a:p>
@@ -2932,7 +2932,7 @@
           <a:p>
             <a:fld id="{676AD226-D507-40AF-BEC8-ACCD8967D050}" type="datetimeFigureOut">
               <a:rPr kumimoji="1" lang="ja-JP" altLang="en-US" smtClean="0"/>
-              <a:t>2025/2/25</a:t>
+              <a:t>2025/2/28</a:t>
             </a:fld>
             <a:endParaRPr kumimoji="1" lang="ja-JP" altLang="en-US"/>
           </a:p>
@@ -3205,7 +3205,7 @@
           <a:p>
             <a:fld id="{676AD226-D507-40AF-BEC8-ACCD8967D050}" type="datetimeFigureOut">
               <a:rPr kumimoji="1" lang="ja-JP" altLang="en-US" smtClean="0"/>
-              <a:t>2025/2/25</a:t>
+              <a:t>2025/2/28</a:t>
             </a:fld>
             <a:endParaRPr kumimoji="1" lang="ja-JP" altLang="en-US"/>
           </a:p>
@@ -22929,2125 +22929,2146 @@
           <a:chExt cx="0" cy="0"/>
         </a:xfrm>
       </p:grpSpPr>
-      <p:sp>
-        <p:nvSpPr>
-          <p:cNvPr id="10" name="テキスト ボックス 9">
+      <p:grpSp>
+        <p:nvGrpSpPr>
+          <p:cNvPr id="3" name="グループ化 2">
             <a:extLst>
               <a:ext uri="{FF2B5EF4-FFF2-40B4-BE49-F238E27FC236}">
-                <a16:creationId xmlns:a16="http://schemas.microsoft.com/office/drawing/2014/main" id="{91737E11-01DA-4A9B-5A5F-A9E31F294E7F}"/>
+                <a16:creationId xmlns:a16="http://schemas.microsoft.com/office/drawing/2014/main" id="{6A483B0E-1276-D1D2-1A8B-52F69AF0E989}"/>
               </a:ext>
             </a:extLst>
           </p:cNvPr>
-          <p:cNvSpPr txBox="1"/>
+          <p:cNvGrpSpPr/>
           <p:nvPr/>
-        </p:nvSpPr>
-        <p:spPr>
+        </p:nvGrpSpPr>
+        <p:grpSpPr>
           <a:xfrm>
-            <a:off x="-50800" y="1892300"/>
-            <a:ext cx="1447800" cy="261610"/>
+            <a:off x="-50800" y="1026894"/>
+            <a:ext cx="12093572" cy="5177977"/>
+            <a:chOff x="-50800" y="1026894"/>
+            <a:chExt cx="12093572" cy="5177977"/>
           </a:xfrm>
-          <a:prstGeom prst="rect">
-            <a:avLst/>
-          </a:prstGeom>
-          <a:noFill/>
-        </p:spPr>
-        <p:txBody>
-          <a:bodyPr wrap="square" rtlCol="0">
-            <a:spAutoFit/>
-          </a:bodyPr>
-          <a:lstStyle/>
-          <a:p>
-            <a:pPr algn="ctr"/>
-            <a:r>
-              <a:rPr kumimoji="1" lang="ja-JP" altLang="en-US" sz="1100" dirty="0">
+        </p:grpSpPr>
+        <p:sp>
+          <p:nvSpPr>
+            <p:cNvPr id="10" name="テキスト ボックス 9">
+              <a:extLst>
+                <a:ext uri="{FF2B5EF4-FFF2-40B4-BE49-F238E27FC236}">
+                  <a16:creationId xmlns:a16="http://schemas.microsoft.com/office/drawing/2014/main" id="{91737E11-01DA-4A9B-5A5F-A9E31F294E7F}"/>
+                </a:ext>
+              </a:extLst>
+            </p:cNvPr>
+            <p:cNvSpPr txBox="1"/>
+            <p:nvPr/>
+          </p:nvSpPr>
+          <p:spPr>
+            <a:xfrm>
+              <a:off x="-50800" y="1892300"/>
+              <a:ext cx="1447800" cy="261610"/>
+            </a:xfrm>
+            <a:prstGeom prst="rect">
+              <a:avLst/>
+            </a:prstGeom>
+            <a:noFill/>
+          </p:spPr>
+          <p:txBody>
+            <a:bodyPr wrap="square" rtlCol="0">
+              <a:spAutoFit/>
+            </a:bodyPr>
+            <a:lstStyle/>
+            <a:p>
+              <a:pPr algn="ctr"/>
+              <a:r>
+                <a:rPr kumimoji="1" lang="ja-JP" altLang="en-US" sz="1100" dirty="0">
+                  <a:latin typeface="BIZ UDPゴシック" panose="020B0400000000000000" pitchFamily="50" charset="-128"/>
+                  <a:ea typeface="BIZ UDPゴシック" panose="020B0400000000000000" pitchFamily="50" charset="-128"/>
+                </a:rPr>
+                <a:t>無線基地局</a:t>
+              </a:r>
+            </a:p>
+          </p:txBody>
+        </p:sp>
+        <p:sp>
+          <p:nvSpPr>
+            <p:cNvPr id="11" name="テキスト ボックス 10">
+              <a:extLst>
+                <a:ext uri="{FF2B5EF4-FFF2-40B4-BE49-F238E27FC236}">
+                  <a16:creationId xmlns:a16="http://schemas.microsoft.com/office/drawing/2014/main" id="{34DB7FA2-F5ED-2937-F128-2E9D14796424}"/>
+                </a:ext>
+              </a:extLst>
+            </p:cNvPr>
+            <p:cNvSpPr txBox="1"/>
+            <p:nvPr/>
+          </p:nvSpPr>
+          <p:spPr>
+            <a:xfrm>
+              <a:off x="-50800" y="3167390"/>
+              <a:ext cx="1447800" cy="261610"/>
+            </a:xfrm>
+            <a:prstGeom prst="rect">
+              <a:avLst/>
+            </a:prstGeom>
+            <a:noFill/>
+          </p:spPr>
+          <p:txBody>
+            <a:bodyPr wrap="square" rtlCol="0">
+              <a:spAutoFit/>
+            </a:bodyPr>
+            <a:lstStyle/>
+            <a:p>
+              <a:pPr algn="ctr"/>
+              <a:r>
+                <a:rPr kumimoji="1" lang="ja-JP" altLang="en-US" sz="1100" dirty="0">
+                  <a:latin typeface="BIZ UDPゴシック" panose="020B0400000000000000" pitchFamily="50" charset="-128"/>
+                  <a:ea typeface="BIZ UDPゴシック" panose="020B0400000000000000" pitchFamily="50" charset="-128"/>
+                </a:rPr>
+                <a:t>端末 </a:t>
+              </a:r>
+              <a:r>
+                <a:rPr kumimoji="1" lang="en-US" altLang="ja-JP" sz="1100" dirty="0">
+                  <a:latin typeface="BIZ UDPゴシック" panose="020B0400000000000000" pitchFamily="50" charset="-128"/>
+                  <a:ea typeface="BIZ UDPゴシック" panose="020B0400000000000000" pitchFamily="50" charset="-128"/>
+                </a:rPr>
+                <a:t>1</a:t>
+              </a:r>
+              <a:endParaRPr kumimoji="1" lang="ja-JP" altLang="en-US" sz="1100" dirty="0">
                 <a:latin typeface="BIZ UDPゴシック" panose="020B0400000000000000" pitchFamily="50" charset="-128"/>
                 <a:ea typeface="BIZ UDPゴシック" panose="020B0400000000000000" pitchFamily="50" charset="-128"/>
-              </a:rPr>
-              <a:t>無線基地局</a:t>
-            </a:r>
-          </a:p>
-        </p:txBody>
-      </p:sp>
-      <p:sp>
-        <p:nvSpPr>
-          <p:cNvPr id="11" name="テキスト ボックス 10">
-            <a:extLst>
-              <a:ext uri="{FF2B5EF4-FFF2-40B4-BE49-F238E27FC236}">
-                <a16:creationId xmlns:a16="http://schemas.microsoft.com/office/drawing/2014/main" id="{34DB7FA2-F5ED-2937-F128-2E9D14796424}"/>
-              </a:ext>
-            </a:extLst>
-          </p:cNvPr>
-          <p:cNvSpPr txBox="1"/>
-          <p:nvPr/>
-        </p:nvSpPr>
-        <p:spPr>
-          <a:xfrm>
-            <a:off x="-50800" y="3167390"/>
-            <a:ext cx="1447800" cy="261610"/>
-          </a:xfrm>
-          <a:prstGeom prst="rect">
-            <a:avLst/>
-          </a:prstGeom>
-          <a:noFill/>
-        </p:spPr>
-        <p:txBody>
-          <a:bodyPr wrap="square" rtlCol="0">
-            <a:spAutoFit/>
-          </a:bodyPr>
-          <a:lstStyle/>
-          <a:p>
-            <a:pPr algn="ctr"/>
-            <a:r>
-              <a:rPr kumimoji="1" lang="ja-JP" altLang="en-US" sz="1100" dirty="0">
+              </a:endParaRPr>
+            </a:p>
+          </p:txBody>
+        </p:sp>
+        <p:sp>
+          <p:nvSpPr>
+            <p:cNvPr id="12" name="テキスト ボックス 11">
+              <a:extLst>
+                <a:ext uri="{FF2B5EF4-FFF2-40B4-BE49-F238E27FC236}">
+                  <a16:creationId xmlns:a16="http://schemas.microsoft.com/office/drawing/2014/main" id="{11967CC0-6B43-F179-A14F-C9839BFC091E}"/>
+                </a:ext>
+              </a:extLst>
+            </p:cNvPr>
+            <p:cNvSpPr txBox="1"/>
+            <p:nvPr/>
+          </p:nvSpPr>
+          <p:spPr>
+            <a:xfrm>
+              <a:off x="-50800" y="4452963"/>
+              <a:ext cx="1447800" cy="261610"/>
+            </a:xfrm>
+            <a:prstGeom prst="rect">
+              <a:avLst/>
+            </a:prstGeom>
+            <a:noFill/>
+          </p:spPr>
+          <p:txBody>
+            <a:bodyPr wrap="square" rtlCol="0">
+              <a:spAutoFit/>
+            </a:bodyPr>
+            <a:lstStyle/>
+            <a:p>
+              <a:pPr algn="ctr"/>
+              <a:r>
+                <a:rPr kumimoji="1" lang="ja-JP" altLang="en-US" sz="1100" dirty="0">
+                  <a:latin typeface="BIZ UDPゴシック" panose="020B0400000000000000" pitchFamily="50" charset="-128"/>
+                  <a:ea typeface="BIZ UDPゴシック" panose="020B0400000000000000" pitchFamily="50" charset="-128"/>
+                </a:rPr>
+                <a:t>端末 </a:t>
+              </a:r>
+              <a:r>
+                <a:rPr lang="en-US" altLang="ja-JP" sz="1100" dirty="0">
+                  <a:latin typeface="BIZ UDPゴシック" panose="020B0400000000000000" pitchFamily="50" charset="-128"/>
+                  <a:ea typeface="BIZ UDPゴシック" panose="020B0400000000000000" pitchFamily="50" charset="-128"/>
+                </a:rPr>
+                <a:t>2</a:t>
+              </a:r>
+              <a:endParaRPr kumimoji="1" lang="ja-JP" altLang="en-US" sz="1100" dirty="0">
                 <a:latin typeface="BIZ UDPゴシック" panose="020B0400000000000000" pitchFamily="50" charset="-128"/>
                 <a:ea typeface="BIZ UDPゴシック" panose="020B0400000000000000" pitchFamily="50" charset="-128"/>
-              </a:rPr>
-              <a:t>端末 </a:t>
-            </a:r>
-            <a:r>
-              <a:rPr kumimoji="1" lang="en-US" altLang="ja-JP" sz="1100" dirty="0">
+              </a:endParaRPr>
+            </a:p>
+          </p:txBody>
+        </p:sp>
+        <p:sp>
+          <p:nvSpPr>
+            <p:cNvPr id="13" name="テキスト ボックス 12">
+              <a:extLst>
+                <a:ext uri="{FF2B5EF4-FFF2-40B4-BE49-F238E27FC236}">
+                  <a16:creationId xmlns:a16="http://schemas.microsoft.com/office/drawing/2014/main" id="{0C553C04-E9BC-0CB7-7798-E19F68FE3DB1}"/>
+                </a:ext>
+              </a:extLst>
+            </p:cNvPr>
+            <p:cNvSpPr txBox="1"/>
+            <p:nvPr/>
+          </p:nvSpPr>
+          <p:spPr>
+            <a:xfrm>
+              <a:off x="-50800" y="5786463"/>
+              <a:ext cx="1447800" cy="261610"/>
+            </a:xfrm>
+            <a:prstGeom prst="rect">
+              <a:avLst/>
+            </a:prstGeom>
+            <a:noFill/>
+          </p:spPr>
+          <p:txBody>
+            <a:bodyPr wrap="square" rtlCol="0">
+              <a:spAutoFit/>
+            </a:bodyPr>
+            <a:lstStyle/>
+            <a:p>
+              <a:pPr algn="ctr"/>
+              <a:r>
+                <a:rPr kumimoji="1" lang="ja-JP" altLang="en-US" sz="1100" dirty="0">
+                  <a:latin typeface="BIZ UDPゴシック" panose="020B0400000000000000" pitchFamily="50" charset="-128"/>
+                  <a:ea typeface="BIZ UDPゴシック" panose="020B0400000000000000" pitchFamily="50" charset="-128"/>
+                </a:rPr>
+                <a:t>端末 </a:t>
+              </a:r>
+              <a:r>
+                <a:rPr kumimoji="1" lang="en-US" altLang="ja-JP" sz="1100" dirty="0">
+                  <a:latin typeface="BIZ UDPゴシック" panose="020B0400000000000000" pitchFamily="50" charset="-128"/>
+                  <a:ea typeface="BIZ UDPゴシック" panose="020B0400000000000000" pitchFamily="50" charset="-128"/>
+                </a:rPr>
+                <a:t>3</a:t>
+              </a:r>
+              <a:endParaRPr kumimoji="1" lang="ja-JP" altLang="en-US" sz="1100" dirty="0">
                 <a:latin typeface="BIZ UDPゴシック" panose="020B0400000000000000" pitchFamily="50" charset="-128"/>
                 <a:ea typeface="BIZ UDPゴシック" panose="020B0400000000000000" pitchFamily="50" charset="-128"/>
-              </a:rPr>
-              <a:t>1</a:t>
-            </a:r>
-            <a:endParaRPr kumimoji="1" lang="ja-JP" altLang="en-US" sz="1100" dirty="0">
-              <a:latin typeface="BIZ UDPゴシック" panose="020B0400000000000000" pitchFamily="50" charset="-128"/>
-              <a:ea typeface="BIZ UDPゴシック" panose="020B0400000000000000" pitchFamily="50" charset="-128"/>
-            </a:endParaRPr>
-          </a:p>
-        </p:txBody>
-      </p:sp>
-      <p:sp>
-        <p:nvSpPr>
-          <p:cNvPr id="12" name="テキスト ボックス 11">
-            <a:extLst>
-              <a:ext uri="{FF2B5EF4-FFF2-40B4-BE49-F238E27FC236}">
-                <a16:creationId xmlns:a16="http://schemas.microsoft.com/office/drawing/2014/main" id="{11967CC0-6B43-F179-A14F-C9839BFC091E}"/>
-              </a:ext>
-            </a:extLst>
-          </p:cNvPr>
-          <p:cNvSpPr txBox="1"/>
-          <p:nvPr/>
-        </p:nvSpPr>
-        <p:spPr>
-          <a:xfrm>
-            <a:off x="-50800" y="4452963"/>
-            <a:ext cx="1447800" cy="261610"/>
-          </a:xfrm>
-          <a:prstGeom prst="rect">
-            <a:avLst/>
-          </a:prstGeom>
-          <a:noFill/>
-        </p:spPr>
-        <p:txBody>
-          <a:bodyPr wrap="square" rtlCol="0">
-            <a:spAutoFit/>
-          </a:bodyPr>
-          <a:lstStyle/>
-          <a:p>
-            <a:pPr algn="ctr"/>
-            <a:r>
-              <a:rPr kumimoji="1" lang="ja-JP" altLang="en-US" sz="1100" dirty="0">
+              </a:endParaRPr>
+            </a:p>
+          </p:txBody>
+        </p:sp>
+        <p:pic>
+          <p:nvPicPr>
+            <p:cNvPr id="9" name="図 8">
+              <a:extLst>
+                <a:ext uri="{FF2B5EF4-FFF2-40B4-BE49-F238E27FC236}">
+                  <a16:creationId xmlns:a16="http://schemas.microsoft.com/office/drawing/2014/main" id="{729F2957-1A15-186A-34F3-55A70F119D12}"/>
+                </a:ext>
+              </a:extLst>
+            </p:cNvPr>
+            <p:cNvPicPr>
+              <a:picLocks noChangeAspect="1"/>
+            </p:cNvPicPr>
+            <p:nvPr/>
+          </p:nvPicPr>
+          <p:blipFill>
+            <a:blip r:embed="rId2">
+              <a:extLst>
+                <a:ext uri="{28A0092B-C50C-407E-A947-70E740481C1C}">
+                  <a14:useLocalDpi xmlns:a14="http://schemas.microsoft.com/office/drawing/2010/main" val="0"/>
+                </a:ext>
+              </a:extLst>
+            </a:blip>
+            <a:srcRect/>
+            <a:stretch/>
+          </p:blipFill>
+          <p:spPr>
+            <a:xfrm>
+              <a:off x="420915" y="1026894"/>
+              <a:ext cx="11350168" cy="5117276"/>
+            </a:xfrm>
+            <a:prstGeom prst="rect">
+              <a:avLst/>
+            </a:prstGeom>
+          </p:spPr>
+        </p:pic>
+        <p:sp>
+          <p:nvSpPr>
+            <p:cNvPr id="14" name="テキスト ボックス 13">
+              <a:extLst>
+                <a:ext uri="{FF2B5EF4-FFF2-40B4-BE49-F238E27FC236}">
+                  <a16:creationId xmlns:a16="http://schemas.microsoft.com/office/drawing/2014/main" id="{5B40989A-0C73-7C67-8BA5-53C7C57A244B}"/>
+                </a:ext>
+              </a:extLst>
+            </p:cNvPr>
+            <p:cNvSpPr txBox="1"/>
+            <p:nvPr/>
+          </p:nvSpPr>
+          <p:spPr>
+            <a:xfrm>
+              <a:off x="1092200" y="1556731"/>
+              <a:ext cx="1447800" cy="261610"/>
+            </a:xfrm>
+            <a:prstGeom prst="rect">
+              <a:avLst/>
+            </a:prstGeom>
+            <a:noFill/>
+          </p:spPr>
+          <p:txBody>
+            <a:bodyPr wrap="square" rtlCol="0">
+              <a:spAutoFit/>
+            </a:bodyPr>
+            <a:lstStyle/>
+            <a:p>
+              <a:pPr algn="ctr"/>
+              <a:r>
+                <a:rPr kumimoji="1" lang="en-US" altLang="ja-JP" sz="1100" dirty="0">
+                  <a:latin typeface="BIZ UDPゴシック" panose="020B0400000000000000" pitchFamily="50" charset="-128"/>
+                  <a:ea typeface="BIZ UDPゴシック" panose="020B0400000000000000" pitchFamily="50" charset="-128"/>
+                </a:rPr>
+                <a:t>Busy</a:t>
+              </a:r>
+              <a:endParaRPr kumimoji="1" lang="ja-JP" altLang="en-US" sz="1100" dirty="0">
                 <a:latin typeface="BIZ UDPゴシック" panose="020B0400000000000000" pitchFamily="50" charset="-128"/>
                 <a:ea typeface="BIZ UDPゴシック" panose="020B0400000000000000" pitchFamily="50" charset="-128"/>
-              </a:rPr>
-              <a:t>端末 </a:t>
-            </a:r>
-            <a:r>
-              <a:rPr lang="en-US" altLang="ja-JP" sz="1100" dirty="0">
+              </a:endParaRPr>
+            </a:p>
+          </p:txBody>
+        </p:sp>
+        <p:sp>
+          <p:nvSpPr>
+            <p:cNvPr id="15" name="テキスト ボックス 14">
+              <a:extLst>
+                <a:ext uri="{FF2B5EF4-FFF2-40B4-BE49-F238E27FC236}">
+                  <a16:creationId xmlns:a16="http://schemas.microsoft.com/office/drawing/2014/main" id="{3C315E43-E1C7-1205-952F-57007E8E1E9C}"/>
+                </a:ext>
+              </a:extLst>
+            </p:cNvPr>
+            <p:cNvSpPr txBox="1"/>
+            <p:nvPr/>
+          </p:nvSpPr>
+          <p:spPr>
+            <a:xfrm>
+              <a:off x="1092200" y="2842304"/>
+              <a:ext cx="1447800" cy="261610"/>
+            </a:xfrm>
+            <a:prstGeom prst="rect">
+              <a:avLst/>
+            </a:prstGeom>
+            <a:noFill/>
+          </p:spPr>
+          <p:txBody>
+            <a:bodyPr wrap="square" rtlCol="0">
+              <a:spAutoFit/>
+            </a:bodyPr>
+            <a:lstStyle/>
+            <a:p>
+              <a:pPr algn="ctr"/>
+              <a:r>
+                <a:rPr kumimoji="1" lang="en-US" altLang="ja-JP" sz="1100" dirty="0">
+                  <a:latin typeface="BIZ UDPゴシック" panose="020B0400000000000000" pitchFamily="50" charset="-128"/>
+                  <a:ea typeface="BIZ UDPゴシック" panose="020B0400000000000000" pitchFamily="50" charset="-128"/>
+                </a:rPr>
+                <a:t>Busy</a:t>
+              </a:r>
+              <a:endParaRPr kumimoji="1" lang="ja-JP" altLang="en-US" sz="1100" dirty="0">
                 <a:latin typeface="BIZ UDPゴシック" panose="020B0400000000000000" pitchFamily="50" charset="-128"/>
                 <a:ea typeface="BIZ UDPゴシック" panose="020B0400000000000000" pitchFamily="50" charset="-128"/>
-              </a:rPr>
-              <a:t>2</a:t>
-            </a:r>
-            <a:endParaRPr kumimoji="1" lang="ja-JP" altLang="en-US" sz="1100" dirty="0">
-              <a:latin typeface="BIZ UDPゴシック" panose="020B0400000000000000" pitchFamily="50" charset="-128"/>
-              <a:ea typeface="BIZ UDPゴシック" panose="020B0400000000000000" pitchFamily="50" charset="-128"/>
-            </a:endParaRPr>
-          </a:p>
-        </p:txBody>
-      </p:sp>
-      <p:sp>
-        <p:nvSpPr>
-          <p:cNvPr id="13" name="テキスト ボックス 12">
-            <a:extLst>
-              <a:ext uri="{FF2B5EF4-FFF2-40B4-BE49-F238E27FC236}">
-                <a16:creationId xmlns:a16="http://schemas.microsoft.com/office/drawing/2014/main" id="{0C553C04-E9BC-0CB7-7798-E19F68FE3DB1}"/>
-              </a:ext>
-            </a:extLst>
-          </p:cNvPr>
-          <p:cNvSpPr txBox="1"/>
-          <p:nvPr/>
-        </p:nvSpPr>
-        <p:spPr>
-          <a:xfrm>
-            <a:off x="-50800" y="5786463"/>
-            <a:ext cx="1447800" cy="261610"/>
-          </a:xfrm>
-          <a:prstGeom prst="rect">
-            <a:avLst/>
-          </a:prstGeom>
-          <a:noFill/>
-        </p:spPr>
-        <p:txBody>
-          <a:bodyPr wrap="square" rtlCol="0">
-            <a:spAutoFit/>
-          </a:bodyPr>
-          <a:lstStyle/>
-          <a:p>
-            <a:pPr algn="ctr"/>
-            <a:r>
-              <a:rPr kumimoji="1" lang="ja-JP" altLang="en-US" sz="1100" dirty="0">
+              </a:endParaRPr>
+            </a:p>
+          </p:txBody>
+        </p:sp>
+        <p:sp>
+          <p:nvSpPr>
+            <p:cNvPr id="16" name="テキスト ボックス 15">
+              <a:extLst>
+                <a:ext uri="{FF2B5EF4-FFF2-40B4-BE49-F238E27FC236}">
+                  <a16:creationId xmlns:a16="http://schemas.microsoft.com/office/drawing/2014/main" id="{B68E0F1D-05AE-5439-2B8A-8ACE007036D0}"/>
+                </a:ext>
+              </a:extLst>
+            </p:cNvPr>
+            <p:cNvSpPr txBox="1"/>
+            <p:nvPr/>
+          </p:nvSpPr>
+          <p:spPr>
+            <a:xfrm>
+              <a:off x="1092200" y="4138435"/>
+              <a:ext cx="1447800" cy="261610"/>
+            </a:xfrm>
+            <a:prstGeom prst="rect">
+              <a:avLst/>
+            </a:prstGeom>
+            <a:noFill/>
+          </p:spPr>
+          <p:txBody>
+            <a:bodyPr wrap="square" rtlCol="0">
+              <a:spAutoFit/>
+            </a:bodyPr>
+            <a:lstStyle/>
+            <a:p>
+              <a:pPr algn="ctr"/>
+              <a:r>
+                <a:rPr kumimoji="1" lang="en-US" altLang="ja-JP" sz="1100" dirty="0">
+                  <a:latin typeface="BIZ UDPゴシック" panose="020B0400000000000000" pitchFamily="50" charset="-128"/>
+                  <a:ea typeface="BIZ UDPゴシック" panose="020B0400000000000000" pitchFamily="50" charset="-128"/>
+                </a:rPr>
+                <a:t>Busy</a:t>
+              </a:r>
+              <a:endParaRPr kumimoji="1" lang="ja-JP" altLang="en-US" sz="1100" dirty="0">
                 <a:latin typeface="BIZ UDPゴシック" panose="020B0400000000000000" pitchFamily="50" charset="-128"/>
                 <a:ea typeface="BIZ UDPゴシック" panose="020B0400000000000000" pitchFamily="50" charset="-128"/>
-              </a:rPr>
-              <a:t>端末 </a:t>
-            </a:r>
-            <a:r>
-              <a:rPr kumimoji="1" lang="en-US" altLang="ja-JP" sz="1100" dirty="0">
+              </a:endParaRPr>
+            </a:p>
+          </p:txBody>
+        </p:sp>
+        <p:sp>
+          <p:nvSpPr>
+            <p:cNvPr id="17" name="テキスト ボックス 16">
+              <a:extLst>
+                <a:ext uri="{FF2B5EF4-FFF2-40B4-BE49-F238E27FC236}">
+                  <a16:creationId xmlns:a16="http://schemas.microsoft.com/office/drawing/2014/main" id="{42FD6A24-5D01-FAB8-BCCA-D034226A1441}"/>
+                </a:ext>
+              </a:extLst>
+            </p:cNvPr>
+            <p:cNvSpPr txBox="1"/>
+            <p:nvPr/>
+          </p:nvSpPr>
+          <p:spPr>
+            <a:xfrm>
+              <a:off x="1092200" y="5442705"/>
+              <a:ext cx="1447800" cy="261610"/>
+            </a:xfrm>
+            <a:prstGeom prst="rect">
+              <a:avLst/>
+            </a:prstGeom>
+            <a:noFill/>
+          </p:spPr>
+          <p:txBody>
+            <a:bodyPr wrap="square" rtlCol="0">
+              <a:spAutoFit/>
+            </a:bodyPr>
+            <a:lstStyle/>
+            <a:p>
+              <a:pPr algn="ctr"/>
+              <a:r>
+                <a:rPr kumimoji="1" lang="en-US" altLang="ja-JP" sz="1100" dirty="0">
+                  <a:latin typeface="BIZ UDPゴシック" panose="020B0400000000000000" pitchFamily="50" charset="-128"/>
+                  <a:ea typeface="BIZ UDPゴシック" panose="020B0400000000000000" pitchFamily="50" charset="-128"/>
+                </a:rPr>
+                <a:t>Busy</a:t>
+              </a:r>
+              <a:endParaRPr kumimoji="1" lang="ja-JP" altLang="en-US" sz="1100" dirty="0">
                 <a:latin typeface="BIZ UDPゴシック" panose="020B0400000000000000" pitchFamily="50" charset="-128"/>
                 <a:ea typeface="BIZ UDPゴシック" panose="020B0400000000000000" pitchFamily="50" charset="-128"/>
-              </a:rPr>
-              <a:t>3</a:t>
-            </a:r>
-            <a:endParaRPr kumimoji="1" lang="ja-JP" altLang="en-US" sz="1100" dirty="0">
-              <a:latin typeface="BIZ UDPゴシック" panose="020B0400000000000000" pitchFamily="50" charset="-128"/>
-              <a:ea typeface="BIZ UDPゴシック" panose="020B0400000000000000" pitchFamily="50" charset="-128"/>
-            </a:endParaRPr>
-          </a:p>
-        </p:txBody>
-      </p:sp>
-      <p:pic>
-        <p:nvPicPr>
-          <p:cNvPr id="9" name="図 8">
-            <a:extLst>
-              <a:ext uri="{FF2B5EF4-FFF2-40B4-BE49-F238E27FC236}">
-                <a16:creationId xmlns:a16="http://schemas.microsoft.com/office/drawing/2014/main" id="{729F2957-1A15-186A-34F3-55A70F119D12}"/>
-              </a:ext>
-            </a:extLst>
-          </p:cNvPr>
-          <p:cNvPicPr>
-            <a:picLocks noChangeAspect="1"/>
-          </p:cNvPicPr>
-          <p:nvPr/>
-        </p:nvPicPr>
-        <p:blipFill>
-          <a:blip r:embed="rId2">
-            <a:extLst>
-              <a:ext uri="{96DAC541-7B7A-43D3-8B79-37D633B846F1}">
-                <asvg:svgBlip xmlns:asvg="http://schemas.microsoft.com/office/drawing/2016/SVG/main" r:embed="rId3"/>
-              </a:ext>
-            </a:extLst>
-          </a:blip>
-          <a:srcRect/>
-          <a:stretch/>
-        </p:blipFill>
-        <p:spPr>
-          <a:xfrm>
-            <a:off x="420915" y="1025071"/>
-            <a:ext cx="11350168" cy="5120924"/>
-          </a:xfrm>
-          <a:prstGeom prst="rect">
-            <a:avLst/>
-          </a:prstGeom>
-        </p:spPr>
-      </p:pic>
-      <p:sp>
-        <p:nvSpPr>
-          <p:cNvPr id="14" name="テキスト ボックス 13">
-            <a:extLst>
-              <a:ext uri="{FF2B5EF4-FFF2-40B4-BE49-F238E27FC236}">
-                <a16:creationId xmlns:a16="http://schemas.microsoft.com/office/drawing/2014/main" id="{5B40989A-0C73-7C67-8BA5-53C7C57A244B}"/>
-              </a:ext>
-            </a:extLst>
-          </p:cNvPr>
-          <p:cNvSpPr txBox="1"/>
-          <p:nvPr/>
-        </p:nvSpPr>
-        <p:spPr>
-          <a:xfrm>
-            <a:off x="1092200" y="1556731"/>
-            <a:ext cx="1447800" cy="261610"/>
-          </a:xfrm>
-          <a:prstGeom prst="rect">
-            <a:avLst/>
-          </a:prstGeom>
-          <a:noFill/>
-        </p:spPr>
-        <p:txBody>
-          <a:bodyPr wrap="square" rtlCol="0">
-            <a:spAutoFit/>
-          </a:bodyPr>
-          <a:lstStyle/>
-          <a:p>
-            <a:pPr algn="ctr"/>
-            <a:r>
-              <a:rPr kumimoji="1" lang="en-US" altLang="ja-JP" sz="1100" dirty="0">
+              </a:endParaRPr>
+            </a:p>
+          </p:txBody>
+        </p:sp>
+        <p:sp>
+          <p:nvSpPr>
+            <p:cNvPr id="18" name="テキスト ボックス 17">
+              <a:extLst>
+                <a:ext uri="{FF2B5EF4-FFF2-40B4-BE49-F238E27FC236}">
+                  <a16:creationId xmlns:a16="http://schemas.microsoft.com/office/drawing/2014/main" id="{734558C9-FB05-4E30-AA01-9E693EEAF719}"/>
+                </a:ext>
+              </a:extLst>
+            </p:cNvPr>
+            <p:cNvSpPr txBox="1"/>
+            <p:nvPr/>
+          </p:nvSpPr>
+          <p:spPr>
+            <a:xfrm>
+              <a:off x="1879600" y="1438979"/>
+              <a:ext cx="1447800" cy="261610"/>
+            </a:xfrm>
+            <a:prstGeom prst="rect">
+              <a:avLst/>
+            </a:prstGeom>
+            <a:noFill/>
+          </p:spPr>
+          <p:txBody>
+            <a:bodyPr wrap="square" rtlCol="0">
+              <a:spAutoFit/>
+            </a:bodyPr>
+            <a:lstStyle/>
+            <a:p>
+              <a:pPr algn="ctr"/>
+              <a:r>
+                <a:rPr kumimoji="1" lang="en-US" altLang="ja-JP" sz="1100" dirty="0">
+                  <a:latin typeface="BIZ UDPゴシック" panose="020B0400000000000000" pitchFamily="50" charset="-128"/>
+                  <a:ea typeface="BIZ UDPゴシック" panose="020B0400000000000000" pitchFamily="50" charset="-128"/>
+                </a:rPr>
+                <a:t>DIFS</a:t>
+              </a:r>
+              <a:endParaRPr kumimoji="1" lang="ja-JP" altLang="en-US" sz="1100" dirty="0">
                 <a:latin typeface="BIZ UDPゴシック" panose="020B0400000000000000" pitchFamily="50" charset="-128"/>
                 <a:ea typeface="BIZ UDPゴシック" panose="020B0400000000000000" pitchFamily="50" charset="-128"/>
-              </a:rPr>
-              <a:t>Busy</a:t>
-            </a:r>
-            <a:endParaRPr kumimoji="1" lang="ja-JP" altLang="en-US" sz="1100" dirty="0">
-              <a:latin typeface="BIZ UDPゴシック" panose="020B0400000000000000" pitchFamily="50" charset="-128"/>
-              <a:ea typeface="BIZ UDPゴシック" panose="020B0400000000000000" pitchFamily="50" charset="-128"/>
-            </a:endParaRPr>
-          </a:p>
-        </p:txBody>
-      </p:sp>
-      <p:sp>
-        <p:nvSpPr>
-          <p:cNvPr id="15" name="テキスト ボックス 14">
-            <a:extLst>
-              <a:ext uri="{FF2B5EF4-FFF2-40B4-BE49-F238E27FC236}">
-                <a16:creationId xmlns:a16="http://schemas.microsoft.com/office/drawing/2014/main" id="{3C315E43-E1C7-1205-952F-57007E8E1E9C}"/>
-              </a:ext>
-            </a:extLst>
-          </p:cNvPr>
-          <p:cNvSpPr txBox="1"/>
-          <p:nvPr/>
-        </p:nvSpPr>
-        <p:spPr>
-          <a:xfrm>
-            <a:off x="1092200" y="2842304"/>
-            <a:ext cx="1447800" cy="261610"/>
-          </a:xfrm>
-          <a:prstGeom prst="rect">
-            <a:avLst/>
-          </a:prstGeom>
-          <a:noFill/>
-        </p:spPr>
-        <p:txBody>
-          <a:bodyPr wrap="square" rtlCol="0">
-            <a:spAutoFit/>
-          </a:bodyPr>
-          <a:lstStyle/>
-          <a:p>
-            <a:pPr algn="ctr"/>
-            <a:r>
-              <a:rPr kumimoji="1" lang="en-US" altLang="ja-JP" sz="1100" dirty="0">
+              </a:endParaRPr>
+            </a:p>
+          </p:txBody>
+        </p:sp>
+        <p:sp>
+          <p:nvSpPr>
+            <p:cNvPr id="19" name="テキスト ボックス 18">
+              <a:extLst>
+                <a:ext uri="{FF2B5EF4-FFF2-40B4-BE49-F238E27FC236}">
+                  <a16:creationId xmlns:a16="http://schemas.microsoft.com/office/drawing/2014/main" id="{EB018D61-A800-0311-954F-C71A7AB8BC6C}"/>
+                </a:ext>
+              </a:extLst>
+            </p:cNvPr>
+            <p:cNvSpPr txBox="1"/>
+            <p:nvPr/>
+          </p:nvSpPr>
+          <p:spPr>
+            <a:xfrm>
+              <a:off x="1879600" y="2743249"/>
+              <a:ext cx="1447800" cy="261610"/>
+            </a:xfrm>
+            <a:prstGeom prst="rect">
+              <a:avLst/>
+            </a:prstGeom>
+            <a:noFill/>
+          </p:spPr>
+          <p:txBody>
+            <a:bodyPr wrap="square" rtlCol="0">
+              <a:spAutoFit/>
+            </a:bodyPr>
+            <a:lstStyle/>
+            <a:p>
+              <a:pPr algn="ctr"/>
+              <a:r>
+                <a:rPr kumimoji="1" lang="en-US" altLang="ja-JP" sz="1100" dirty="0">
+                  <a:latin typeface="BIZ UDPゴシック" panose="020B0400000000000000" pitchFamily="50" charset="-128"/>
+                  <a:ea typeface="BIZ UDPゴシック" panose="020B0400000000000000" pitchFamily="50" charset="-128"/>
+                </a:rPr>
+                <a:t>DIFS</a:t>
+              </a:r>
+              <a:endParaRPr kumimoji="1" lang="ja-JP" altLang="en-US" sz="1100" dirty="0">
                 <a:latin typeface="BIZ UDPゴシック" panose="020B0400000000000000" pitchFamily="50" charset="-128"/>
                 <a:ea typeface="BIZ UDPゴシック" panose="020B0400000000000000" pitchFamily="50" charset="-128"/>
-              </a:rPr>
-              <a:t>Busy</a:t>
-            </a:r>
-            <a:endParaRPr kumimoji="1" lang="ja-JP" altLang="en-US" sz="1100" dirty="0">
-              <a:latin typeface="BIZ UDPゴシック" panose="020B0400000000000000" pitchFamily="50" charset="-128"/>
-              <a:ea typeface="BIZ UDPゴシック" panose="020B0400000000000000" pitchFamily="50" charset="-128"/>
-            </a:endParaRPr>
-          </a:p>
-        </p:txBody>
-      </p:sp>
-      <p:sp>
-        <p:nvSpPr>
-          <p:cNvPr id="16" name="テキスト ボックス 15">
-            <a:extLst>
-              <a:ext uri="{FF2B5EF4-FFF2-40B4-BE49-F238E27FC236}">
-                <a16:creationId xmlns:a16="http://schemas.microsoft.com/office/drawing/2014/main" id="{B68E0F1D-05AE-5439-2B8A-8ACE007036D0}"/>
-              </a:ext>
-            </a:extLst>
-          </p:cNvPr>
-          <p:cNvSpPr txBox="1"/>
-          <p:nvPr/>
-        </p:nvSpPr>
-        <p:spPr>
-          <a:xfrm>
-            <a:off x="1092200" y="4138435"/>
-            <a:ext cx="1447800" cy="261610"/>
-          </a:xfrm>
-          <a:prstGeom prst="rect">
-            <a:avLst/>
-          </a:prstGeom>
-          <a:noFill/>
-        </p:spPr>
-        <p:txBody>
-          <a:bodyPr wrap="square" rtlCol="0">
-            <a:spAutoFit/>
-          </a:bodyPr>
-          <a:lstStyle/>
-          <a:p>
-            <a:pPr algn="ctr"/>
-            <a:r>
-              <a:rPr kumimoji="1" lang="en-US" altLang="ja-JP" sz="1100" dirty="0">
+              </a:endParaRPr>
+            </a:p>
+          </p:txBody>
+        </p:sp>
+        <p:sp>
+          <p:nvSpPr>
+            <p:cNvPr id="20" name="テキスト ボックス 19">
+              <a:extLst>
+                <a:ext uri="{FF2B5EF4-FFF2-40B4-BE49-F238E27FC236}">
+                  <a16:creationId xmlns:a16="http://schemas.microsoft.com/office/drawing/2014/main" id="{3FE99787-7C8C-5765-73BA-539E2FD30235}"/>
+                </a:ext>
+              </a:extLst>
+            </p:cNvPr>
+            <p:cNvSpPr txBox="1"/>
+            <p:nvPr/>
+          </p:nvSpPr>
+          <p:spPr>
+            <a:xfrm>
+              <a:off x="1879600" y="4039380"/>
+              <a:ext cx="1447800" cy="261610"/>
+            </a:xfrm>
+            <a:prstGeom prst="rect">
+              <a:avLst/>
+            </a:prstGeom>
+            <a:noFill/>
+          </p:spPr>
+          <p:txBody>
+            <a:bodyPr wrap="square" rtlCol="0">
+              <a:spAutoFit/>
+            </a:bodyPr>
+            <a:lstStyle/>
+            <a:p>
+              <a:pPr algn="ctr"/>
+              <a:r>
+                <a:rPr kumimoji="1" lang="en-US" altLang="ja-JP" sz="1100" dirty="0">
+                  <a:latin typeface="BIZ UDPゴシック" panose="020B0400000000000000" pitchFamily="50" charset="-128"/>
+                  <a:ea typeface="BIZ UDPゴシック" panose="020B0400000000000000" pitchFamily="50" charset="-128"/>
+                </a:rPr>
+                <a:t>DIFS</a:t>
+              </a:r>
+              <a:endParaRPr kumimoji="1" lang="ja-JP" altLang="en-US" sz="1100" dirty="0">
                 <a:latin typeface="BIZ UDPゴシック" panose="020B0400000000000000" pitchFamily="50" charset="-128"/>
                 <a:ea typeface="BIZ UDPゴシック" panose="020B0400000000000000" pitchFamily="50" charset="-128"/>
-              </a:rPr>
-              <a:t>Busy</a:t>
-            </a:r>
-            <a:endParaRPr kumimoji="1" lang="ja-JP" altLang="en-US" sz="1100" dirty="0">
-              <a:latin typeface="BIZ UDPゴシック" panose="020B0400000000000000" pitchFamily="50" charset="-128"/>
-              <a:ea typeface="BIZ UDPゴシック" panose="020B0400000000000000" pitchFamily="50" charset="-128"/>
-            </a:endParaRPr>
-          </a:p>
-        </p:txBody>
-      </p:sp>
-      <p:sp>
-        <p:nvSpPr>
-          <p:cNvPr id="17" name="テキスト ボックス 16">
-            <a:extLst>
-              <a:ext uri="{FF2B5EF4-FFF2-40B4-BE49-F238E27FC236}">
-                <a16:creationId xmlns:a16="http://schemas.microsoft.com/office/drawing/2014/main" id="{42FD6A24-5D01-FAB8-BCCA-D034226A1441}"/>
-              </a:ext>
-            </a:extLst>
-          </p:cNvPr>
-          <p:cNvSpPr txBox="1"/>
-          <p:nvPr/>
-        </p:nvSpPr>
-        <p:spPr>
-          <a:xfrm>
-            <a:off x="1092200" y="5442705"/>
-            <a:ext cx="1447800" cy="261610"/>
-          </a:xfrm>
-          <a:prstGeom prst="rect">
-            <a:avLst/>
-          </a:prstGeom>
-          <a:noFill/>
-        </p:spPr>
-        <p:txBody>
-          <a:bodyPr wrap="square" rtlCol="0">
-            <a:spAutoFit/>
-          </a:bodyPr>
-          <a:lstStyle/>
-          <a:p>
-            <a:pPr algn="ctr"/>
-            <a:r>
-              <a:rPr kumimoji="1" lang="en-US" altLang="ja-JP" sz="1100" dirty="0">
+              </a:endParaRPr>
+            </a:p>
+          </p:txBody>
+        </p:sp>
+        <p:sp>
+          <p:nvSpPr>
+            <p:cNvPr id="21" name="テキスト ボックス 20">
+              <a:extLst>
+                <a:ext uri="{FF2B5EF4-FFF2-40B4-BE49-F238E27FC236}">
+                  <a16:creationId xmlns:a16="http://schemas.microsoft.com/office/drawing/2014/main" id="{6D9818BC-4E0F-2E59-5972-01CD29523A11}"/>
+                </a:ext>
+              </a:extLst>
+            </p:cNvPr>
+            <p:cNvSpPr txBox="1"/>
+            <p:nvPr/>
+          </p:nvSpPr>
+          <p:spPr>
+            <a:xfrm>
+              <a:off x="1879600" y="5335511"/>
+              <a:ext cx="1447800" cy="261610"/>
+            </a:xfrm>
+            <a:prstGeom prst="rect">
+              <a:avLst/>
+            </a:prstGeom>
+            <a:noFill/>
+          </p:spPr>
+          <p:txBody>
+            <a:bodyPr wrap="square" rtlCol="0">
+              <a:spAutoFit/>
+            </a:bodyPr>
+            <a:lstStyle/>
+            <a:p>
+              <a:pPr algn="ctr"/>
+              <a:r>
+                <a:rPr kumimoji="1" lang="en-US" altLang="ja-JP" sz="1100" dirty="0">
+                  <a:latin typeface="BIZ UDPゴシック" panose="020B0400000000000000" pitchFamily="50" charset="-128"/>
+                  <a:ea typeface="BIZ UDPゴシック" panose="020B0400000000000000" pitchFamily="50" charset="-128"/>
+                </a:rPr>
+                <a:t>DIFS</a:t>
+              </a:r>
+              <a:endParaRPr kumimoji="1" lang="ja-JP" altLang="en-US" sz="1100" dirty="0">
                 <a:latin typeface="BIZ UDPゴシック" panose="020B0400000000000000" pitchFamily="50" charset="-128"/>
                 <a:ea typeface="BIZ UDPゴシック" panose="020B0400000000000000" pitchFamily="50" charset="-128"/>
-              </a:rPr>
-              <a:t>Busy</a:t>
-            </a:r>
-            <a:endParaRPr kumimoji="1" lang="ja-JP" altLang="en-US" sz="1100" dirty="0">
-              <a:latin typeface="BIZ UDPゴシック" panose="020B0400000000000000" pitchFamily="50" charset="-128"/>
-              <a:ea typeface="BIZ UDPゴシック" panose="020B0400000000000000" pitchFamily="50" charset="-128"/>
-            </a:endParaRPr>
-          </a:p>
-        </p:txBody>
-      </p:sp>
-      <p:sp>
-        <p:nvSpPr>
-          <p:cNvPr id="18" name="テキスト ボックス 17">
-            <a:extLst>
-              <a:ext uri="{FF2B5EF4-FFF2-40B4-BE49-F238E27FC236}">
-                <a16:creationId xmlns:a16="http://schemas.microsoft.com/office/drawing/2014/main" id="{734558C9-FB05-4E30-AA01-9E693EEAF719}"/>
-              </a:ext>
-            </a:extLst>
-          </p:cNvPr>
-          <p:cNvSpPr txBox="1"/>
-          <p:nvPr/>
-        </p:nvSpPr>
-        <p:spPr>
-          <a:xfrm>
-            <a:off x="1879600" y="1438979"/>
-            <a:ext cx="1447800" cy="261610"/>
-          </a:xfrm>
-          <a:prstGeom prst="rect">
-            <a:avLst/>
-          </a:prstGeom>
-          <a:noFill/>
-        </p:spPr>
-        <p:txBody>
-          <a:bodyPr wrap="square" rtlCol="0">
-            <a:spAutoFit/>
-          </a:bodyPr>
-          <a:lstStyle/>
-          <a:p>
-            <a:pPr algn="ctr"/>
-            <a:r>
-              <a:rPr kumimoji="1" lang="en-US" altLang="ja-JP" sz="1100" dirty="0">
+              </a:endParaRPr>
+            </a:p>
+          </p:txBody>
+        </p:sp>
+        <p:sp>
+          <p:nvSpPr>
+            <p:cNvPr id="22" name="テキスト ボックス 21">
+              <a:extLst>
+                <a:ext uri="{FF2B5EF4-FFF2-40B4-BE49-F238E27FC236}">
+                  <a16:creationId xmlns:a16="http://schemas.microsoft.com/office/drawing/2014/main" id="{766E8795-2B18-705F-6320-492A4B962999}"/>
+                </a:ext>
+              </a:extLst>
+            </p:cNvPr>
+            <p:cNvSpPr txBox="1"/>
+            <p:nvPr/>
+          </p:nvSpPr>
+          <p:spPr>
+            <a:xfrm>
+              <a:off x="2476500" y="2301569"/>
+              <a:ext cx="1447800" cy="261610"/>
+            </a:xfrm>
+            <a:prstGeom prst="rect">
+              <a:avLst/>
+            </a:prstGeom>
+            <a:noFill/>
+          </p:spPr>
+          <p:txBody>
+            <a:bodyPr wrap="square" rtlCol="0">
+              <a:spAutoFit/>
+            </a:bodyPr>
+            <a:lstStyle/>
+            <a:p>
+              <a:pPr algn="ctr"/>
+              <a:r>
+                <a:rPr kumimoji="1" lang="en-US" altLang="ja-JP" sz="1100" dirty="0">
+                  <a:latin typeface="BIZ UDPゴシック" panose="020B0400000000000000" pitchFamily="50" charset="-128"/>
+                  <a:ea typeface="BIZ UDPゴシック" panose="020B0400000000000000" pitchFamily="50" charset="-128"/>
+                </a:rPr>
+                <a:t>2</a:t>
+              </a:r>
+              <a:endParaRPr kumimoji="1" lang="ja-JP" altLang="en-US" sz="1100" dirty="0">
                 <a:latin typeface="BIZ UDPゴシック" panose="020B0400000000000000" pitchFamily="50" charset="-128"/>
                 <a:ea typeface="BIZ UDPゴシック" panose="020B0400000000000000" pitchFamily="50" charset="-128"/>
-              </a:rPr>
-              <a:t>DIFS</a:t>
-            </a:r>
-            <a:endParaRPr kumimoji="1" lang="ja-JP" altLang="en-US" sz="1100" dirty="0">
-              <a:latin typeface="BIZ UDPゴシック" panose="020B0400000000000000" pitchFamily="50" charset="-128"/>
-              <a:ea typeface="BIZ UDPゴシック" panose="020B0400000000000000" pitchFamily="50" charset="-128"/>
-            </a:endParaRPr>
-          </a:p>
-        </p:txBody>
-      </p:sp>
-      <p:sp>
-        <p:nvSpPr>
-          <p:cNvPr id="19" name="テキスト ボックス 18">
-            <a:extLst>
-              <a:ext uri="{FF2B5EF4-FFF2-40B4-BE49-F238E27FC236}">
-                <a16:creationId xmlns:a16="http://schemas.microsoft.com/office/drawing/2014/main" id="{EB018D61-A800-0311-954F-C71A7AB8BC6C}"/>
-              </a:ext>
-            </a:extLst>
-          </p:cNvPr>
-          <p:cNvSpPr txBox="1"/>
-          <p:nvPr/>
-        </p:nvSpPr>
-        <p:spPr>
-          <a:xfrm>
-            <a:off x="1879600" y="2743249"/>
-            <a:ext cx="1447800" cy="261610"/>
-          </a:xfrm>
-          <a:prstGeom prst="rect">
-            <a:avLst/>
-          </a:prstGeom>
-          <a:noFill/>
-        </p:spPr>
-        <p:txBody>
-          <a:bodyPr wrap="square" rtlCol="0">
-            <a:spAutoFit/>
-          </a:bodyPr>
-          <a:lstStyle/>
-          <a:p>
-            <a:pPr algn="ctr"/>
-            <a:r>
-              <a:rPr kumimoji="1" lang="en-US" altLang="ja-JP" sz="1100" dirty="0">
+              </a:endParaRPr>
+            </a:p>
+          </p:txBody>
+        </p:sp>
+        <p:sp>
+          <p:nvSpPr>
+            <p:cNvPr id="23" name="テキスト ボックス 22">
+              <a:extLst>
+                <a:ext uri="{FF2B5EF4-FFF2-40B4-BE49-F238E27FC236}">
+                  <a16:creationId xmlns:a16="http://schemas.microsoft.com/office/drawing/2014/main" id="{E69BEB2F-9D0A-A873-A83D-0ABB6337D3C1}"/>
+                </a:ext>
+              </a:extLst>
+            </p:cNvPr>
+            <p:cNvSpPr txBox="1"/>
+            <p:nvPr/>
+          </p:nvSpPr>
+          <p:spPr>
+            <a:xfrm>
+              <a:off x="2819400" y="3602310"/>
+              <a:ext cx="1447800" cy="261610"/>
+            </a:xfrm>
+            <a:prstGeom prst="rect">
+              <a:avLst/>
+            </a:prstGeom>
+            <a:noFill/>
+          </p:spPr>
+          <p:txBody>
+            <a:bodyPr wrap="square" rtlCol="0">
+              <a:spAutoFit/>
+            </a:bodyPr>
+            <a:lstStyle/>
+            <a:p>
+              <a:pPr algn="ctr"/>
+              <a:r>
+                <a:rPr kumimoji="1" lang="en-US" altLang="ja-JP" sz="1100" dirty="0">
+                  <a:latin typeface="BIZ UDPゴシック" panose="020B0400000000000000" pitchFamily="50" charset="-128"/>
+                  <a:ea typeface="BIZ UDPゴシック" panose="020B0400000000000000" pitchFamily="50" charset="-128"/>
+                </a:rPr>
+                <a:t>6</a:t>
+              </a:r>
+              <a:endParaRPr kumimoji="1" lang="ja-JP" altLang="en-US" sz="1100" dirty="0">
                 <a:latin typeface="BIZ UDPゴシック" panose="020B0400000000000000" pitchFamily="50" charset="-128"/>
                 <a:ea typeface="BIZ UDPゴシック" panose="020B0400000000000000" pitchFamily="50" charset="-128"/>
-              </a:rPr>
-              <a:t>DIFS</a:t>
-            </a:r>
-            <a:endParaRPr kumimoji="1" lang="ja-JP" altLang="en-US" sz="1100" dirty="0">
-              <a:latin typeface="BIZ UDPゴシック" panose="020B0400000000000000" pitchFamily="50" charset="-128"/>
-              <a:ea typeface="BIZ UDPゴシック" panose="020B0400000000000000" pitchFamily="50" charset="-128"/>
-            </a:endParaRPr>
-          </a:p>
-        </p:txBody>
-      </p:sp>
-      <p:sp>
-        <p:nvSpPr>
-          <p:cNvPr id="20" name="テキスト ボックス 19">
-            <a:extLst>
-              <a:ext uri="{FF2B5EF4-FFF2-40B4-BE49-F238E27FC236}">
-                <a16:creationId xmlns:a16="http://schemas.microsoft.com/office/drawing/2014/main" id="{3FE99787-7C8C-5765-73BA-539E2FD30235}"/>
-              </a:ext>
-            </a:extLst>
-          </p:cNvPr>
-          <p:cNvSpPr txBox="1"/>
-          <p:nvPr/>
-        </p:nvSpPr>
-        <p:spPr>
-          <a:xfrm>
-            <a:off x="1879600" y="4039380"/>
-            <a:ext cx="1447800" cy="261610"/>
-          </a:xfrm>
-          <a:prstGeom prst="rect">
-            <a:avLst/>
-          </a:prstGeom>
-          <a:noFill/>
-        </p:spPr>
-        <p:txBody>
-          <a:bodyPr wrap="square" rtlCol="0">
-            <a:spAutoFit/>
-          </a:bodyPr>
-          <a:lstStyle/>
-          <a:p>
-            <a:pPr algn="ctr"/>
-            <a:r>
-              <a:rPr kumimoji="1" lang="en-US" altLang="ja-JP" sz="1100" dirty="0">
+              </a:endParaRPr>
+            </a:p>
+          </p:txBody>
+        </p:sp>
+        <p:sp>
+          <p:nvSpPr>
+            <p:cNvPr id="25" name="テキスト ボックス 24">
+              <a:extLst>
+                <a:ext uri="{FF2B5EF4-FFF2-40B4-BE49-F238E27FC236}">
+                  <a16:creationId xmlns:a16="http://schemas.microsoft.com/office/drawing/2014/main" id="{1B9108D1-9B90-7E76-1144-6BA45AB318DA}"/>
+                </a:ext>
+              </a:extLst>
+            </p:cNvPr>
+            <p:cNvSpPr txBox="1"/>
+            <p:nvPr/>
+          </p:nvSpPr>
+          <p:spPr>
+            <a:xfrm>
+              <a:off x="2717800" y="4898441"/>
+              <a:ext cx="1447800" cy="261610"/>
+            </a:xfrm>
+            <a:prstGeom prst="rect">
+              <a:avLst/>
+            </a:prstGeom>
+            <a:noFill/>
+          </p:spPr>
+          <p:txBody>
+            <a:bodyPr wrap="square" rtlCol="0">
+              <a:spAutoFit/>
+            </a:bodyPr>
+            <a:lstStyle/>
+            <a:p>
+              <a:pPr algn="ctr"/>
+              <a:r>
+                <a:rPr kumimoji="1" lang="en-US" altLang="ja-JP" sz="1100" dirty="0">
+                  <a:latin typeface="BIZ UDPゴシック" panose="020B0400000000000000" pitchFamily="50" charset="-128"/>
+                  <a:ea typeface="BIZ UDPゴシック" panose="020B0400000000000000" pitchFamily="50" charset="-128"/>
+                </a:rPr>
+                <a:t>5</a:t>
+              </a:r>
+              <a:endParaRPr kumimoji="1" lang="ja-JP" altLang="en-US" sz="1100" dirty="0">
                 <a:latin typeface="BIZ UDPゴシック" panose="020B0400000000000000" pitchFamily="50" charset="-128"/>
                 <a:ea typeface="BIZ UDPゴシック" panose="020B0400000000000000" pitchFamily="50" charset="-128"/>
-              </a:rPr>
-              <a:t>DIFS</a:t>
-            </a:r>
-            <a:endParaRPr kumimoji="1" lang="ja-JP" altLang="en-US" sz="1100" dirty="0">
-              <a:latin typeface="BIZ UDPゴシック" panose="020B0400000000000000" pitchFamily="50" charset="-128"/>
-              <a:ea typeface="BIZ UDPゴシック" panose="020B0400000000000000" pitchFamily="50" charset="-128"/>
-            </a:endParaRPr>
-          </a:p>
-        </p:txBody>
-      </p:sp>
-      <p:sp>
-        <p:nvSpPr>
-          <p:cNvPr id="21" name="テキスト ボックス 20">
-            <a:extLst>
-              <a:ext uri="{FF2B5EF4-FFF2-40B4-BE49-F238E27FC236}">
-                <a16:creationId xmlns:a16="http://schemas.microsoft.com/office/drawing/2014/main" id="{6D9818BC-4E0F-2E59-5972-01CD29523A11}"/>
-              </a:ext>
-            </a:extLst>
-          </p:cNvPr>
-          <p:cNvSpPr txBox="1"/>
-          <p:nvPr/>
-        </p:nvSpPr>
-        <p:spPr>
-          <a:xfrm>
-            <a:off x="1879600" y="5335511"/>
-            <a:ext cx="1447800" cy="261610"/>
-          </a:xfrm>
-          <a:prstGeom prst="rect">
-            <a:avLst/>
-          </a:prstGeom>
-          <a:noFill/>
-        </p:spPr>
-        <p:txBody>
-          <a:bodyPr wrap="square" rtlCol="0">
-            <a:spAutoFit/>
-          </a:bodyPr>
-          <a:lstStyle/>
-          <a:p>
-            <a:pPr algn="ctr"/>
-            <a:r>
-              <a:rPr kumimoji="1" lang="en-US" altLang="ja-JP" sz="1100" dirty="0">
+              </a:endParaRPr>
+            </a:p>
+          </p:txBody>
+        </p:sp>
+        <p:sp>
+          <p:nvSpPr>
+            <p:cNvPr id="26" name="テキスト ボックス 25">
+              <a:extLst>
+                <a:ext uri="{FF2B5EF4-FFF2-40B4-BE49-F238E27FC236}">
+                  <a16:creationId xmlns:a16="http://schemas.microsoft.com/office/drawing/2014/main" id="{D1E46968-D831-5710-59B3-765CD77E514E}"/>
+                </a:ext>
+              </a:extLst>
+            </p:cNvPr>
+            <p:cNvSpPr txBox="1"/>
+            <p:nvPr/>
+          </p:nvSpPr>
+          <p:spPr>
+            <a:xfrm>
+              <a:off x="2492313" y="3375007"/>
+              <a:ext cx="1447800" cy="230832"/>
+            </a:xfrm>
+            <a:prstGeom prst="rect">
+              <a:avLst/>
+            </a:prstGeom>
+            <a:noFill/>
+          </p:spPr>
+          <p:txBody>
+            <a:bodyPr wrap="square" rtlCol="0">
+              <a:spAutoFit/>
+            </a:bodyPr>
+            <a:lstStyle/>
+            <a:p>
+              <a:pPr algn="ctr"/>
+              <a:r>
+                <a:rPr kumimoji="1" lang="ja-JP" altLang="en-US" sz="900" dirty="0">
+                  <a:latin typeface="BIZ UDPゴシック" panose="020B0400000000000000" pitchFamily="50" charset="-128"/>
+                  <a:ea typeface="BIZ UDPゴシック" panose="020B0400000000000000" pitchFamily="50" charset="-128"/>
+                </a:rPr>
+                <a:t>バックオフ</a:t>
+              </a:r>
+            </a:p>
+          </p:txBody>
+        </p:sp>
+        <p:sp>
+          <p:nvSpPr>
+            <p:cNvPr id="27" name="テキスト ボックス 26">
+              <a:extLst>
+                <a:ext uri="{FF2B5EF4-FFF2-40B4-BE49-F238E27FC236}">
+                  <a16:creationId xmlns:a16="http://schemas.microsoft.com/office/drawing/2014/main" id="{798AB434-5098-3D9C-F94F-8E355685D7D7}"/>
+                </a:ext>
+              </a:extLst>
+            </p:cNvPr>
+            <p:cNvSpPr txBox="1"/>
+            <p:nvPr/>
+          </p:nvSpPr>
+          <p:spPr>
+            <a:xfrm>
+              <a:off x="2819400" y="4671221"/>
+              <a:ext cx="1447800" cy="230832"/>
+            </a:xfrm>
+            <a:prstGeom prst="rect">
+              <a:avLst/>
+            </a:prstGeom>
+            <a:noFill/>
+          </p:spPr>
+          <p:txBody>
+            <a:bodyPr wrap="square" rtlCol="0">
+              <a:spAutoFit/>
+            </a:bodyPr>
+            <a:lstStyle/>
+            <a:p>
+              <a:pPr algn="ctr"/>
+              <a:r>
+                <a:rPr kumimoji="1" lang="ja-JP" altLang="en-US" sz="900" dirty="0">
+                  <a:latin typeface="BIZ UDPゴシック" panose="020B0400000000000000" pitchFamily="50" charset="-128"/>
+                  <a:ea typeface="BIZ UDPゴシック" panose="020B0400000000000000" pitchFamily="50" charset="-128"/>
+                </a:rPr>
+                <a:t>バックオフ</a:t>
+              </a:r>
+            </a:p>
+          </p:txBody>
+        </p:sp>
+        <p:sp>
+          <p:nvSpPr>
+            <p:cNvPr id="28" name="テキスト ボックス 27">
+              <a:extLst>
+                <a:ext uri="{FF2B5EF4-FFF2-40B4-BE49-F238E27FC236}">
+                  <a16:creationId xmlns:a16="http://schemas.microsoft.com/office/drawing/2014/main" id="{45415D0C-DA3B-40C8-31B5-FD083C646708}"/>
+                </a:ext>
+              </a:extLst>
+            </p:cNvPr>
+            <p:cNvSpPr txBox="1"/>
+            <p:nvPr/>
+          </p:nvSpPr>
+          <p:spPr>
+            <a:xfrm>
+              <a:off x="2717800" y="5974039"/>
+              <a:ext cx="1447800" cy="230832"/>
+            </a:xfrm>
+            <a:prstGeom prst="rect">
+              <a:avLst/>
+            </a:prstGeom>
+            <a:noFill/>
+          </p:spPr>
+          <p:txBody>
+            <a:bodyPr wrap="square" rtlCol="0">
+              <a:spAutoFit/>
+            </a:bodyPr>
+            <a:lstStyle/>
+            <a:p>
+              <a:pPr algn="ctr"/>
+              <a:r>
+                <a:rPr kumimoji="1" lang="ja-JP" altLang="en-US" sz="900" dirty="0">
+                  <a:latin typeface="BIZ UDPゴシック" panose="020B0400000000000000" pitchFamily="50" charset="-128"/>
+                  <a:ea typeface="BIZ UDPゴシック" panose="020B0400000000000000" pitchFamily="50" charset="-128"/>
+                </a:rPr>
+                <a:t>バックオフ</a:t>
+              </a:r>
+            </a:p>
+          </p:txBody>
+        </p:sp>
+        <p:sp>
+          <p:nvSpPr>
+            <p:cNvPr id="30" name="テキスト ボックス 29">
+              <a:extLst>
+                <a:ext uri="{FF2B5EF4-FFF2-40B4-BE49-F238E27FC236}">
+                  <a16:creationId xmlns:a16="http://schemas.microsoft.com/office/drawing/2014/main" id="{2EA4BE67-17FC-AE91-3D5C-1E221C3E6D5C}"/>
+                </a:ext>
+              </a:extLst>
+            </p:cNvPr>
+            <p:cNvSpPr txBox="1"/>
+            <p:nvPr/>
+          </p:nvSpPr>
+          <p:spPr>
+            <a:xfrm>
+              <a:off x="3695700" y="1438979"/>
+              <a:ext cx="1447800" cy="261610"/>
+            </a:xfrm>
+            <a:prstGeom prst="rect">
+              <a:avLst/>
+            </a:prstGeom>
+            <a:noFill/>
+          </p:spPr>
+          <p:txBody>
+            <a:bodyPr wrap="square" rtlCol="0">
+              <a:spAutoFit/>
+            </a:bodyPr>
+            <a:lstStyle/>
+            <a:p>
+              <a:pPr algn="ctr"/>
+              <a:r>
+                <a:rPr kumimoji="1" lang="en-US" altLang="ja-JP" sz="1100" dirty="0">
+                  <a:latin typeface="BIZ UDPゴシック" panose="020B0400000000000000" pitchFamily="50" charset="-128"/>
+                  <a:ea typeface="BIZ UDPゴシック" panose="020B0400000000000000" pitchFamily="50" charset="-128"/>
+                </a:rPr>
+                <a:t>SIFS</a:t>
+              </a:r>
+              <a:endParaRPr kumimoji="1" lang="ja-JP" altLang="en-US" sz="1100" dirty="0">
                 <a:latin typeface="BIZ UDPゴシック" panose="020B0400000000000000" pitchFamily="50" charset="-128"/>
                 <a:ea typeface="BIZ UDPゴシック" panose="020B0400000000000000" pitchFamily="50" charset="-128"/>
-              </a:rPr>
-              <a:t>DIFS</a:t>
-            </a:r>
-            <a:endParaRPr kumimoji="1" lang="ja-JP" altLang="en-US" sz="1100" dirty="0">
-              <a:latin typeface="BIZ UDPゴシック" panose="020B0400000000000000" pitchFamily="50" charset="-128"/>
-              <a:ea typeface="BIZ UDPゴシック" panose="020B0400000000000000" pitchFamily="50" charset="-128"/>
-            </a:endParaRPr>
-          </a:p>
-        </p:txBody>
-      </p:sp>
-      <p:sp>
-        <p:nvSpPr>
-          <p:cNvPr id="22" name="テキスト ボックス 21">
-            <a:extLst>
-              <a:ext uri="{FF2B5EF4-FFF2-40B4-BE49-F238E27FC236}">
-                <a16:creationId xmlns:a16="http://schemas.microsoft.com/office/drawing/2014/main" id="{766E8795-2B18-705F-6320-492A4B962999}"/>
-              </a:ext>
-            </a:extLst>
-          </p:cNvPr>
-          <p:cNvSpPr txBox="1"/>
-          <p:nvPr/>
-        </p:nvSpPr>
-        <p:spPr>
-          <a:xfrm>
-            <a:off x="2476500" y="2301569"/>
-            <a:ext cx="1447800" cy="261610"/>
-          </a:xfrm>
-          <a:prstGeom prst="rect">
-            <a:avLst/>
-          </a:prstGeom>
-          <a:noFill/>
-        </p:spPr>
-        <p:txBody>
-          <a:bodyPr wrap="square" rtlCol="0">
-            <a:spAutoFit/>
-          </a:bodyPr>
-          <a:lstStyle/>
-          <a:p>
-            <a:pPr algn="ctr"/>
-            <a:r>
-              <a:rPr kumimoji="1" lang="en-US" altLang="ja-JP" sz="1100" dirty="0">
+              </a:endParaRPr>
+            </a:p>
+          </p:txBody>
+        </p:sp>
+        <p:sp>
+          <p:nvSpPr>
+            <p:cNvPr id="31" name="テキスト ボックス 30">
+              <a:extLst>
+                <a:ext uri="{FF2B5EF4-FFF2-40B4-BE49-F238E27FC236}">
+                  <a16:creationId xmlns:a16="http://schemas.microsoft.com/office/drawing/2014/main" id="{2DE09DB4-1DCC-283F-50D9-7D104569E5CA}"/>
+                </a:ext>
+              </a:extLst>
+            </p:cNvPr>
+            <p:cNvSpPr txBox="1"/>
+            <p:nvPr/>
+          </p:nvSpPr>
+          <p:spPr>
+            <a:xfrm>
+              <a:off x="4610099" y="1425926"/>
+              <a:ext cx="1447800" cy="261610"/>
+            </a:xfrm>
+            <a:prstGeom prst="rect">
+              <a:avLst/>
+            </a:prstGeom>
+            <a:noFill/>
+          </p:spPr>
+          <p:txBody>
+            <a:bodyPr wrap="square" rtlCol="0">
+              <a:spAutoFit/>
+            </a:bodyPr>
+            <a:lstStyle/>
+            <a:p>
+              <a:pPr algn="ctr"/>
+              <a:r>
+                <a:rPr kumimoji="1" lang="en-US" altLang="ja-JP" sz="1100" dirty="0">
+                  <a:latin typeface="BIZ UDPゴシック" panose="020B0400000000000000" pitchFamily="50" charset="-128"/>
+                  <a:ea typeface="BIZ UDPゴシック" panose="020B0400000000000000" pitchFamily="50" charset="-128"/>
+                </a:rPr>
+                <a:t>DIFS</a:t>
+              </a:r>
+              <a:endParaRPr kumimoji="1" lang="ja-JP" altLang="en-US" sz="1100" dirty="0">
                 <a:latin typeface="BIZ UDPゴシック" panose="020B0400000000000000" pitchFamily="50" charset="-128"/>
                 <a:ea typeface="BIZ UDPゴシック" panose="020B0400000000000000" pitchFamily="50" charset="-128"/>
-              </a:rPr>
-              <a:t>2</a:t>
-            </a:r>
-            <a:endParaRPr kumimoji="1" lang="ja-JP" altLang="en-US" sz="1100" dirty="0">
-              <a:latin typeface="BIZ UDPゴシック" panose="020B0400000000000000" pitchFamily="50" charset="-128"/>
-              <a:ea typeface="BIZ UDPゴシック" panose="020B0400000000000000" pitchFamily="50" charset="-128"/>
-            </a:endParaRPr>
-          </a:p>
-        </p:txBody>
-      </p:sp>
-      <p:sp>
-        <p:nvSpPr>
-          <p:cNvPr id="23" name="テキスト ボックス 22">
-            <a:extLst>
-              <a:ext uri="{FF2B5EF4-FFF2-40B4-BE49-F238E27FC236}">
-                <a16:creationId xmlns:a16="http://schemas.microsoft.com/office/drawing/2014/main" id="{E69BEB2F-9D0A-A873-A83D-0ABB6337D3C1}"/>
-              </a:ext>
-            </a:extLst>
-          </p:cNvPr>
-          <p:cNvSpPr txBox="1"/>
-          <p:nvPr/>
-        </p:nvSpPr>
-        <p:spPr>
-          <a:xfrm>
-            <a:off x="2819400" y="3602310"/>
-            <a:ext cx="1447800" cy="261610"/>
-          </a:xfrm>
-          <a:prstGeom prst="rect">
-            <a:avLst/>
-          </a:prstGeom>
-          <a:noFill/>
-        </p:spPr>
-        <p:txBody>
-          <a:bodyPr wrap="square" rtlCol="0">
-            <a:spAutoFit/>
-          </a:bodyPr>
-          <a:lstStyle/>
-          <a:p>
-            <a:pPr algn="ctr"/>
-            <a:r>
-              <a:rPr kumimoji="1" lang="en-US" altLang="ja-JP" sz="1100" dirty="0">
+              </a:endParaRPr>
+            </a:p>
+          </p:txBody>
+        </p:sp>
+        <p:sp>
+          <p:nvSpPr>
+            <p:cNvPr id="32" name="テキスト ボックス 31">
+              <a:extLst>
+                <a:ext uri="{FF2B5EF4-FFF2-40B4-BE49-F238E27FC236}">
+                  <a16:creationId xmlns:a16="http://schemas.microsoft.com/office/drawing/2014/main" id="{3E3C839B-2D10-FC97-3DA2-70A17A0D6BBE}"/>
+                </a:ext>
+              </a:extLst>
+            </p:cNvPr>
+            <p:cNvSpPr txBox="1"/>
+            <p:nvPr/>
+          </p:nvSpPr>
+          <p:spPr>
+            <a:xfrm>
+              <a:off x="4610099" y="2727220"/>
+              <a:ext cx="1447800" cy="261610"/>
+            </a:xfrm>
+            <a:prstGeom prst="rect">
+              <a:avLst/>
+            </a:prstGeom>
+            <a:noFill/>
+          </p:spPr>
+          <p:txBody>
+            <a:bodyPr wrap="square" rtlCol="0">
+              <a:spAutoFit/>
+            </a:bodyPr>
+            <a:lstStyle/>
+            <a:p>
+              <a:pPr algn="ctr"/>
+              <a:r>
+                <a:rPr kumimoji="1" lang="en-US" altLang="ja-JP" sz="1100" dirty="0">
+                  <a:latin typeface="BIZ UDPゴシック" panose="020B0400000000000000" pitchFamily="50" charset="-128"/>
+                  <a:ea typeface="BIZ UDPゴシック" panose="020B0400000000000000" pitchFamily="50" charset="-128"/>
+                </a:rPr>
+                <a:t>DIFS</a:t>
+              </a:r>
+              <a:endParaRPr kumimoji="1" lang="ja-JP" altLang="en-US" sz="1100" dirty="0">
                 <a:latin typeface="BIZ UDPゴシック" panose="020B0400000000000000" pitchFamily="50" charset="-128"/>
                 <a:ea typeface="BIZ UDPゴシック" panose="020B0400000000000000" pitchFamily="50" charset="-128"/>
-              </a:rPr>
-              <a:t>6</a:t>
-            </a:r>
-            <a:endParaRPr kumimoji="1" lang="ja-JP" altLang="en-US" sz="1100" dirty="0">
-              <a:latin typeface="BIZ UDPゴシック" panose="020B0400000000000000" pitchFamily="50" charset="-128"/>
-              <a:ea typeface="BIZ UDPゴシック" panose="020B0400000000000000" pitchFamily="50" charset="-128"/>
-            </a:endParaRPr>
-          </a:p>
-        </p:txBody>
-      </p:sp>
-      <p:sp>
-        <p:nvSpPr>
-          <p:cNvPr id="25" name="テキスト ボックス 24">
-            <a:extLst>
-              <a:ext uri="{FF2B5EF4-FFF2-40B4-BE49-F238E27FC236}">
-                <a16:creationId xmlns:a16="http://schemas.microsoft.com/office/drawing/2014/main" id="{1B9108D1-9B90-7E76-1144-6BA45AB318DA}"/>
-              </a:ext>
-            </a:extLst>
-          </p:cNvPr>
-          <p:cNvSpPr txBox="1"/>
-          <p:nvPr/>
-        </p:nvSpPr>
-        <p:spPr>
-          <a:xfrm>
-            <a:off x="2717800" y="4898441"/>
-            <a:ext cx="1447800" cy="261610"/>
-          </a:xfrm>
-          <a:prstGeom prst="rect">
-            <a:avLst/>
-          </a:prstGeom>
-          <a:noFill/>
-        </p:spPr>
-        <p:txBody>
-          <a:bodyPr wrap="square" rtlCol="0">
-            <a:spAutoFit/>
-          </a:bodyPr>
-          <a:lstStyle/>
-          <a:p>
-            <a:pPr algn="ctr"/>
-            <a:r>
-              <a:rPr kumimoji="1" lang="en-US" altLang="ja-JP" sz="1100" dirty="0">
+              </a:endParaRPr>
+            </a:p>
+          </p:txBody>
+        </p:sp>
+        <p:sp>
+          <p:nvSpPr>
+            <p:cNvPr id="33" name="テキスト ボックス 32">
+              <a:extLst>
+                <a:ext uri="{FF2B5EF4-FFF2-40B4-BE49-F238E27FC236}">
+                  <a16:creationId xmlns:a16="http://schemas.microsoft.com/office/drawing/2014/main" id="{9B361A54-0545-F69C-C021-A3D1B27E3885}"/>
+                </a:ext>
+              </a:extLst>
+            </p:cNvPr>
+            <p:cNvSpPr txBox="1"/>
+            <p:nvPr/>
+          </p:nvSpPr>
+          <p:spPr>
+            <a:xfrm>
+              <a:off x="3377572" y="2842304"/>
+              <a:ext cx="869826" cy="261610"/>
+            </a:xfrm>
+            <a:prstGeom prst="rect">
+              <a:avLst/>
+            </a:prstGeom>
+            <a:noFill/>
+          </p:spPr>
+          <p:txBody>
+            <a:bodyPr wrap="square" rtlCol="0">
+              <a:spAutoFit/>
+            </a:bodyPr>
+            <a:lstStyle/>
+            <a:p>
+              <a:pPr algn="ctr"/>
+              <a:r>
+                <a:rPr kumimoji="1" lang="en-US" altLang="ja-JP" sz="1100" dirty="0">
+                  <a:latin typeface="BIZ UDPゴシック" panose="020B0400000000000000" pitchFamily="50" charset="-128"/>
+                  <a:ea typeface="BIZ UDPゴシック" panose="020B0400000000000000" pitchFamily="50" charset="-128"/>
+                </a:rPr>
+                <a:t>Data</a:t>
+              </a:r>
+              <a:endParaRPr kumimoji="1" lang="ja-JP" altLang="en-US" sz="1100" dirty="0">
                 <a:latin typeface="BIZ UDPゴシック" panose="020B0400000000000000" pitchFamily="50" charset="-128"/>
                 <a:ea typeface="BIZ UDPゴシック" panose="020B0400000000000000" pitchFamily="50" charset="-128"/>
-              </a:rPr>
-              <a:t>5</a:t>
-            </a:r>
-            <a:endParaRPr kumimoji="1" lang="ja-JP" altLang="en-US" sz="1100" dirty="0">
-              <a:latin typeface="BIZ UDPゴシック" panose="020B0400000000000000" pitchFamily="50" charset="-128"/>
-              <a:ea typeface="BIZ UDPゴシック" panose="020B0400000000000000" pitchFamily="50" charset="-128"/>
-            </a:endParaRPr>
-          </a:p>
-        </p:txBody>
-      </p:sp>
-      <p:sp>
-        <p:nvSpPr>
-          <p:cNvPr id="26" name="テキスト ボックス 25">
-            <a:extLst>
-              <a:ext uri="{FF2B5EF4-FFF2-40B4-BE49-F238E27FC236}">
-                <a16:creationId xmlns:a16="http://schemas.microsoft.com/office/drawing/2014/main" id="{D1E46968-D831-5710-59B3-765CD77E514E}"/>
-              </a:ext>
-            </a:extLst>
-          </p:cNvPr>
-          <p:cNvSpPr txBox="1"/>
-          <p:nvPr/>
-        </p:nvSpPr>
-        <p:spPr>
-          <a:xfrm>
-            <a:off x="2492313" y="3375007"/>
-            <a:ext cx="1447800" cy="230832"/>
-          </a:xfrm>
-          <a:prstGeom prst="rect">
-            <a:avLst/>
-          </a:prstGeom>
-          <a:noFill/>
-        </p:spPr>
-        <p:txBody>
-          <a:bodyPr wrap="square" rtlCol="0">
-            <a:spAutoFit/>
-          </a:bodyPr>
-          <a:lstStyle/>
-          <a:p>
-            <a:pPr algn="ctr"/>
-            <a:r>
-              <a:rPr kumimoji="1" lang="ja-JP" altLang="en-US" sz="900" dirty="0">
+              </a:endParaRPr>
+            </a:p>
+          </p:txBody>
+        </p:sp>
+        <p:sp>
+          <p:nvSpPr>
+            <p:cNvPr id="34" name="テキスト ボックス 33">
+              <a:extLst>
+                <a:ext uri="{FF2B5EF4-FFF2-40B4-BE49-F238E27FC236}">
+                  <a16:creationId xmlns:a16="http://schemas.microsoft.com/office/drawing/2014/main" id="{D66EDCA8-C430-EE08-2925-ED3F7E6D627D}"/>
+                </a:ext>
+              </a:extLst>
+            </p:cNvPr>
+            <p:cNvSpPr txBox="1"/>
+            <p:nvPr/>
+          </p:nvSpPr>
+          <p:spPr>
+            <a:xfrm>
+              <a:off x="4534186" y="1556731"/>
+              <a:ext cx="571500" cy="246221"/>
+            </a:xfrm>
+            <a:prstGeom prst="rect">
+              <a:avLst/>
+            </a:prstGeom>
+            <a:noFill/>
+          </p:spPr>
+          <p:txBody>
+            <a:bodyPr wrap="square" rtlCol="0">
+              <a:spAutoFit/>
+            </a:bodyPr>
+            <a:lstStyle/>
+            <a:p>
+              <a:pPr algn="ctr"/>
+              <a:r>
+                <a:rPr kumimoji="1" lang="en-US" altLang="ja-JP" sz="1000" dirty="0">
+                  <a:latin typeface="BIZ UDPゴシック" panose="020B0400000000000000" pitchFamily="50" charset="-128"/>
+                  <a:ea typeface="BIZ UDPゴシック" panose="020B0400000000000000" pitchFamily="50" charset="-128"/>
+                </a:rPr>
+                <a:t>ACK</a:t>
+              </a:r>
+              <a:endParaRPr kumimoji="1" lang="ja-JP" altLang="en-US" sz="1000" dirty="0">
                 <a:latin typeface="BIZ UDPゴシック" panose="020B0400000000000000" pitchFamily="50" charset="-128"/>
                 <a:ea typeface="BIZ UDPゴシック" panose="020B0400000000000000" pitchFamily="50" charset="-128"/>
-              </a:rPr>
-              <a:t>バックオフ</a:t>
-            </a:r>
-          </a:p>
-        </p:txBody>
-      </p:sp>
-      <p:sp>
-        <p:nvSpPr>
-          <p:cNvPr id="27" name="テキスト ボックス 26">
-            <a:extLst>
-              <a:ext uri="{FF2B5EF4-FFF2-40B4-BE49-F238E27FC236}">
-                <a16:creationId xmlns:a16="http://schemas.microsoft.com/office/drawing/2014/main" id="{798AB434-5098-3D9C-F94F-8E355685D7D7}"/>
-              </a:ext>
-            </a:extLst>
-          </p:cNvPr>
-          <p:cNvSpPr txBox="1"/>
-          <p:nvPr/>
-        </p:nvSpPr>
-        <p:spPr>
-          <a:xfrm>
-            <a:off x="2819400" y="4671221"/>
-            <a:ext cx="1447800" cy="230832"/>
-          </a:xfrm>
-          <a:prstGeom prst="rect">
-            <a:avLst/>
-          </a:prstGeom>
-          <a:noFill/>
-        </p:spPr>
-        <p:txBody>
-          <a:bodyPr wrap="square" rtlCol="0">
-            <a:spAutoFit/>
-          </a:bodyPr>
-          <a:lstStyle/>
-          <a:p>
-            <a:pPr algn="ctr"/>
-            <a:r>
-              <a:rPr kumimoji="1" lang="ja-JP" altLang="en-US" sz="900" dirty="0">
+              </a:endParaRPr>
+            </a:p>
+          </p:txBody>
+        </p:sp>
+        <p:sp>
+          <p:nvSpPr>
+            <p:cNvPr id="35" name="テキスト ボックス 34">
+              <a:extLst>
+                <a:ext uri="{FF2B5EF4-FFF2-40B4-BE49-F238E27FC236}">
+                  <a16:creationId xmlns:a16="http://schemas.microsoft.com/office/drawing/2014/main" id="{6CBDAC6D-8A35-F0A5-338C-CB488A274F02}"/>
+                </a:ext>
+              </a:extLst>
+            </p:cNvPr>
+            <p:cNvSpPr txBox="1"/>
+            <p:nvPr/>
+          </p:nvSpPr>
+          <p:spPr>
+            <a:xfrm>
+              <a:off x="6275180" y="5446433"/>
+              <a:ext cx="849374" cy="261610"/>
+            </a:xfrm>
+            <a:prstGeom prst="rect">
+              <a:avLst/>
+            </a:prstGeom>
+            <a:noFill/>
+          </p:spPr>
+          <p:txBody>
+            <a:bodyPr wrap="square" rtlCol="0">
+              <a:spAutoFit/>
+            </a:bodyPr>
+            <a:lstStyle/>
+            <a:p>
+              <a:pPr algn="ctr"/>
+              <a:r>
+                <a:rPr kumimoji="1" lang="en-US" altLang="ja-JP" sz="1100" dirty="0">
+                  <a:latin typeface="BIZ UDPゴシック" panose="020B0400000000000000" pitchFamily="50" charset="-128"/>
+                  <a:ea typeface="BIZ UDPゴシック" panose="020B0400000000000000" pitchFamily="50" charset="-128"/>
+                </a:rPr>
+                <a:t>Data</a:t>
+              </a:r>
+              <a:endParaRPr kumimoji="1" lang="ja-JP" altLang="en-US" sz="1100" dirty="0">
                 <a:latin typeface="BIZ UDPゴシック" panose="020B0400000000000000" pitchFamily="50" charset="-128"/>
                 <a:ea typeface="BIZ UDPゴシック" panose="020B0400000000000000" pitchFamily="50" charset="-128"/>
-              </a:rPr>
-              <a:t>バックオフ</a:t>
-            </a:r>
-          </a:p>
-        </p:txBody>
-      </p:sp>
-      <p:sp>
-        <p:nvSpPr>
-          <p:cNvPr id="28" name="テキスト ボックス 27">
-            <a:extLst>
-              <a:ext uri="{FF2B5EF4-FFF2-40B4-BE49-F238E27FC236}">
-                <a16:creationId xmlns:a16="http://schemas.microsoft.com/office/drawing/2014/main" id="{45415D0C-DA3B-40C8-31B5-FD083C646708}"/>
-              </a:ext>
-            </a:extLst>
-          </p:cNvPr>
-          <p:cNvSpPr txBox="1"/>
-          <p:nvPr/>
-        </p:nvSpPr>
-        <p:spPr>
-          <a:xfrm>
-            <a:off x="2717800" y="5974039"/>
-            <a:ext cx="1447800" cy="230832"/>
-          </a:xfrm>
-          <a:prstGeom prst="rect">
-            <a:avLst/>
-          </a:prstGeom>
-          <a:noFill/>
-        </p:spPr>
-        <p:txBody>
-          <a:bodyPr wrap="square" rtlCol="0">
-            <a:spAutoFit/>
-          </a:bodyPr>
-          <a:lstStyle/>
-          <a:p>
-            <a:pPr algn="ctr"/>
-            <a:r>
-              <a:rPr kumimoji="1" lang="ja-JP" altLang="en-US" sz="900" dirty="0">
+              </a:endParaRPr>
+            </a:p>
+          </p:txBody>
+        </p:sp>
+        <p:sp>
+          <p:nvSpPr>
+            <p:cNvPr id="36" name="テキスト ボックス 35">
+              <a:extLst>
+                <a:ext uri="{FF2B5EF4-FFF2-40B4-BE49-F238E27FC236}">
+                  <a16:creationId xmlns:a16="http://schemas.microsoft.com/office/drawing/2014/main" id="{05F79690-BC71-8EC8-38EB-69F787A8E50E}"/>
+                </a:ext>
+              </a:extLst>
+            </p:cNvPr>
+            <p:cNvSpPr txBox="1"/>
+            <p:nvPr/>
+          </p:nvSpPr>
+          <p:spPr>
+            <a:xfrm>
+              <a:off x="6972298" y="1442858"/>
+              <a:ext cx="723900" cy="261610"/>
+            </a:xfrm>
+            <a:prstGeom prst="rect">
+              <a:avLst/>
+            </a:prstGeom>
+            <a:noFill/>
+          </p:spPr>
+          <p:txBody>
+            <a:bodyPr wrap="square" rtlCol="0">
+              <a:spAutoFit/>
+            </a:bodyPr>
+            <a:lstStyle/>
+            <a:p>
+              <a:pPr algn="ctr"/>
+              <a:r>
+                <a:rPr kumimoji="1" lang="en-US" altLang="ja-JP" sz="1100" dirty="0">
+                  <a:latin typeface="BIZ UDPゴシック" panose="020B0400000000000000" pitchFamily="50" charset="-128"/>
+                  <a:ea typeface="BIZ UDPゴシック" panose="020B0400000000000000" pitchFamily="50" charset="-128"/>
+                </a:rPr>
+                <a:t>SIFS</a:t>
+              </a:r>
+              <a:endParaRPr kumimoji="1" lang="ja-JP" altLang="en-US" sz="1100" dirty="0">
                 <a:latin typeface="BIZ UDPゴシック" panose="020B0400000000000000" pitchFamily="50" charset="-128"/>
                 <a:ea typeface="BIZ UDPゴシック" panose="020B0400000000000000" pitchFamily="50" charset="-128"/>
-              </a:rPr>
-              <a:t>バックオフ</a:t>
-            </a:r>
-          </a:p>
-        </p:txBody>
-      </p:sp>
-      <p:sp>
-        <p:nvSpPr>
-          <p:cNvPr id="30" name="テキスト ボックス 29">
-            <a:extLst>
-              <a:ext uri="{FF2B5EF4-FFF2-40B4-BE49-F238E27FC236}">
-                <a16:creationId xmlns:a16="http://schemas.microsoft.com/office/drawing/2014/main" id="{2EA4BE67-17FC-AE91-3D5C-1E221C3E6D5C}"/>
-              </a:ext>
-            </a:extLst>
-          </p:cNvPr>
-          <p:cNvSpPr txBox="1"/>
-          <p:nvPr/>
-        </p:nvSpPr>
-        <p:spPr>
-          <a:xfrm>
-            <a:off x="3695700" y="1438979"/>
-            <a:ext cx="1447800" cy="261610"/>
-          </a:xfrm>
-          <a:prstGeom prst="rect">
-            <a:avLst/>
-          </a:prstGeom>
-          <a:noFill/>
-        </p:spPr>
-        <p:txBody>
-          <a:bodyPr wrap="square" rtlCol="0">
-            <a:spAutoFit/>
-          </a:bodyPr>
-          <a:lstStyle/>
-          <a:p>
-            <a:pPr algn="ctr"/>
-            <a:r>
-              <a:rPr kumimoji="1" lang="en-US" altLang="ja-JP" sz="1100" dirty="0">
+              </a:endParaRPr>
+            </a:p>
+          </p:txBody>
+        </p:sp>
+        <p:sp>
+          <p:nvSpPr>
+            <p:cNvPr id="37" name="テキスト ボックス 36">
+              <a:extLst>
+                <a:ext uri="{FF2B5EF4-FFF2-40B4-BE49-F238E27FC236}">
+                  <a16:creationId xmlns:a16="http://schemas.microsoft.com/office/drawing/2014/main" id="{7885F254-4F22-91D8-E8E1-7B71C61FC216}"/>
+                </a:ext>
+              </a:extLst>
+            </p:cNvPr>
+            <p:cNvSpPr txBox="1"/>
+            <p:nvPr/>
+          </p:nvSpPr>
+          <p:spPr>
+            <a:xfrm>
+              <a:off x="7457155" y="1551704"/>
+              <a:ext cx="571500" cy="246221"/>
+            </a:xfrm>
+            <a:prstGeom prst="rect">
+              <a:avLst/>
+            </a:prstGeom>
+            <a:noFill/>
+          </p:spPr>
+          <p:txBody>
+            <a:bodyPr wrap="square" rtlCol="0">
+              <a:spAutoFit/>
+            </a:bodyPr>
+            <a:lstStyle/>
+            <a:p>
+              <a:pPr algn="ctr"/>
+              <a:r>
+                <a:rPr kumimoji="1" lang="en-US" altLang="ja-JP" sz="1000" dirty="0">
+                  <a:latin typeface="BIZ UDPゴシック" panose="020B0400000000000000" pitchFamily="50" charset="-128"/>
+                  <a:ea typeface="BIZ UDPゴシック" panose="020B0400000000000000" pitchFamily="50" charset="-128"/>
+                </a:rPr>
+                <a:t>ACK</a:t>
+              </a:r>
+              <a:endParaRPr kumimoji="1" lang="ja-JP" altLang="en-US" sz="1000" dirty="0">
                 <a:latin typeface="BIZ UDPゴシック" panose="020B0400000000000000" pitchFamily="50" charset="-128"/>
                 <a:ea typeface="BIZ UDPゴシック" panose="020B0400000000000000" pitchFamily="50" charset="-128"/>
-              </a:rPr>
-              <a:t>SIFS</a:t>
-            </a:r>
-            <a:endParaRPr kumimoji="1" lang="ja-JP" altLang="en-US" sz="1100" dirty="0">
-              <a:latin typeface="BIZ UDPゴシック" panose="020B0400000000000000" pitchFamily="50" charset="-128"/>
-              <a:ea typeface="BIZ UDPゴシック" panose="020B0400000000000000" pitchFamily="50" charset="-128"/>
-            </a:endParaRPr>
-          </a:p>
-        </p:txBody>
-      </p:sp>
-      <p:sp>
-        <p:nvSpPr>
-          <p:cNvPr id="31" name="テキスト ボックス 30">
-            <a:extLst>
-              <a:ext uri="{FF2B5EF4-FFF2-40B4-BE49-F238E27FC236}">
-                <a16:creationId xmlns:a16="http://schemas.microsoft.com/office/drawing/2014/main" id="{2DE09DB4-1DCC-283F-50D9-7D104569E5CA}"/>
-              </a:ext>
-            </a:extLst>
-          </p:cNvPr>
-          <p:cNvSpPr txBox="1"/>
-          <p:nvPr/>
-        </p:nvSpPr>
-        <p:spPr>
-          <a:xfrm>
-            <a:off x="4610099" y="1425926"/>
-            <a:ext cx="1447800" cy="261610"/>
-          </a:xfrm>
-          <a:prstGeom prst="rect">
-            <a:avLst/>
-          </a:prstGeom>
-          <a:noFill/>
-        </p:spPr>
-        <p:txBody>
-          <a:bodyPr wrap="square" rtlCol="0">
-            <a:spAutoFit/>
-          </a:bodyPr>
-          <a:lstStyle/>
-          <a:p>
-            <a:pPr algn="ctr"/>
-            <a:r>
-              <a:rPr kumimoji="1" lang="en-US" altLang="ja-JP" sz="1100" dirty="0">
+              </a:endParaRPr>
+            </a:p>
+          </p:txBody>
+        </p:sp>
+        <p:sp>
+          <p:nvSpPr>
+            <p:cNvPr id="38" name="テキスト ボックス 37">
+              <a:extLst>
+                <a:ext uri="{FF2B5EF4-FFF2-40B4-BE49-F238E27FC236}">
+                  <a16:creationId xmlns:a16="http://schemas.microsoft.com/office/drawing/2014/main" id="{A2AD5D84-8C4B-43CC-D483-C617B0E8F5C5}"/>
+                </a:ext>
+              </a:extLst>
+            </p:cNvPr>
+            <p:cNvSpPr txBox="1"/>
+            <p:nvPr/>
+          </p:nvSpPr>
+          <p:spPr>
+            <a:xfrm>
+              <a:off x="7529541" y="1438978"/>
+              <a:ext cx="1447800" cy="261610"/>
+            </a:xfrm>
+            <a:prstGeom prst="rect">
+              <a:avLst/>
+            </a:prstGeom>
+            <a:noFill/>
+          </p:spPr>
+          <p:txBody>
+            <a:bodyPr wrap="square" rtlCol="0">
+              <a:spAutoFit/>
+            </a:bodyPr>
+            <a:lstStyle/>
+            <a:p>
+              <a:pPr algn="ctr"/>
+              <a:r>
+                <a:rPr kumimoji="1" lang="en-US" altLang="ja-JP" sz="1100" dirty="0">
+                  <a:latin typeface="BIZ UDPゴシック" panose="020B0400000000000000" pitchFamily="50" charset="-128"/>
+                  <a:ea typeface="BIZ UDPゴシック" panose="020B0400000000000000" pitchFamily="50" charset="-128"/>
+                </a:rPr>
+                <a:t>DIFS</a:t>
+              </a:r>
+              <a:endParaRPr kumimoji="1" lang="ja-JP" altLang="en-US" sz="1100" dirty="0">
                 <a:latin typeface="BIZ UDPゴシック" panose="020B0400000000000000" pitchFamily="50" charset="-128"/>
                 <a:ea typeface="BIZ UDPゴシック" panose="020B0400000000000000" pitchFamily="50" charset="-128"/>
-              </a:rPr>
-              <a:t>DIFS</a:t>
-            </a:r>
-            <a:endParaRPr kumimoji="1" lang="ja-JP" altLang="en-US" sz="1100" dirty="0">
-              <a:latin typeface="BIZ UDPゴシック" panose="020B0400000000000000" pitchFamily="50" charset="-128"/>
-              <a:ea typeface="BIZ UDPゴシック" panose="020B0400000000000000" pitchFamily="50" charset="-128"/>
-            </a:endParaRPr>
-          </a:p>
-        </p:txBody>
-      </p:sp>
-      <p:sp>
-        <p:nvSpPr>
-          <p:cNvPr id="32" name="テキスト ボックス 31">
-            <a:extLst>
-              <a:ext uri="{FF2B5EF4-FFF2-40B4-BE49-F238E27FC236}">
-                <a16:creationId xmlns:a16="http://schemas.microsoft.com/office/drawing/2014/main" id="{3E3C839B-2D10-FC97-3DA2-70A17A0D6BBE}"/>
-              </a:ext>
-            </a:extLst>
-          </p:cNvPr>
-          <p:cNvSpPr txBox="1"/>
-          <p:nvPr/>
-        </p:nvSpPr>
-        <p:spPr>
-          <a:xfrm>
-            <a:off x="4610099" y="2727220"/>
-            <a:ext cx="1447800" cy="261610"/>
-          </a:xfrm>
-          <a:prstGeom prst="rect">
-            <a:avLst/>
-          </a:prstGeom>
-          <a:noFill/>
-        </p:spPr>
-        <p:txBody>
-          <a:bodyPr wrap="square" rtlCol="0">
-            <a:spAutoFit/>
-          </a:bodyPr>
-          <a:lstStyle/>
-          <a:p>
-            <a:pPr algn="ctr"/>
-            <a:r>
-              <a:rPr kumimoji="1" lang="en-US" altLang="ja-JP" sz="1100" dirty="0">
+              </a:endParaRPr>
+            </a:p>
+          </p:txBody>
+        </p:sp>
+        <p:sp>
+          <p:nvSpPr>
+            <p:cNvPr id="40" name="テキスト ボックス 39">
+              <a:extLst>
+                <a:ext uri="{FF2B5EF4-FFF2-40B4-BE49-F238E27FC236}">
+                  <a16:creationId xmlns:a16="http://schemas.microsoft.com/office/drawing/2014/main" id="{730D6AD7-7BEE-D654-F7E6-345C7F699DD6}"/>
+                </a:ext>
+              </a:extLst>
+            </p:cNvPr>
+            <p:cNvSpPr txBox="1"/>
+            <p:nvPr/>
+          </p:nvSpPr>
+          <p:spPr>
+            <a:xfrm>
+              <a:off x="10047667" y="1556710"/>
+              <a:ext cx="571500" cy="246221"/>
+            </a:xfrm>
+            <a:prstGeom prst="rect">
+              <a:avLst/>
+            </a:prstGeom>
+            <a:noFill/>
+          </p:spPr>
+          <p:txBody>
+            <a:bodyPr wrap="square" rtlCol="0">
+              <a:spAutoFit/>
+            </a:bodyPr>
+            <a:lstStyle/>
+            <a:p>
+              <a:pPr algn="ctr"/>
+              <a:r>
+                <a:rPr kumimoji="1" lang="en-US" altLang="ja-JP" sz="1000" dirty="0">
+                  <a:latin typeface="BIZ UDPゴシック" panose="020B0400000000000000" pitchFamily="50" charset="-128"/>
+                  <a:ea typeface="BIZ UDPゴシック" panose="020B0400000000000000" pitchFamily="50" charset="-128"/>
+                </a:rPr>
+                <a:t>ACK</a:t>
+              </a:r>
+              <a:endParaRPr kumimoji="1" lang="ja-JP" altLang="en-US" sz="1000" dirty="0">
                 <a:latin typeface="BIZ UDPゴシック" panose="020B0400000000000000" pitchFamily="50" charset="-128"/>
                 <a:ea typeface="BIZ UDPゴシック" panose="020B0400000000000000" pitchFamily="50" charset="-128"/>
-              </a:rPr>
-              <a:t>DIFS</a:t>
-            </a:r>
-            <a:endParaRPr kumimoji="1" lang="ja-JP" altLang="en-US" sz="1100" dirty="0">
-              <a:latin typeface="BIZ UDPゴシック" panose="020B0400000000000000" pitchFamily="50" charset="-128"/>
-              <a:ea typeface="BIZ UDPゴシック" panose="020B0400000000000000" pitchFamily="50" charset="-128"/>
-            </a:endParaRPr>
-          </a:p>
-        </p:txBody>
-      </p:sp>
-      <p:sp>
-        <p:nvSpPr>
-          <p:cNvPr id="33" name="テキスト ボックス 32">
-            <a:extLst>
-              <a:ext uri="{FF2B5EF4-FFF2-40B4-BE49-F238E27FC236}">
-                <a16:creationId xmlns:a16="http://schemas.microsoft.com/office/drawing/2014/main" id="{9B361A54-0545-F69C-C021-A3D1B27E3885}"/>
-              </a:ext>
-            </a:extLst>
-          </p:cNvPr>
-          <p:cNvSpPr txBox="1"/>
-          <p:nvPr/>
-        </p:nvSpPr>
-        <p:spPr>
-          <a:xfrm>
-            <a:off x="3377572" y="2842304"/>
-            <a:ext cx="869826" cy="261610"/>
-          </a:xfrm>
-          <a:prstGeom prst="rect">
-            <a:avLst/>
-          </a:prstGeom>
-          <a:noFill/>
-        </p:spPr>
-        <p:txBody>
-          <a:bodyPr wrap="square" rtlCol="0">
-            <a:spAutoFit/>
-          </a:bodyPr>
-          <a:lstStyle/>
-          <a:p>
-            <a:pPr algn="ctr"/>
-            <a:r>
-              <a:rPr kumimoji="1" lang="en-US" altLang="ja-JP" sz="1100" dirty="0">
+              </a:endParaRPr>
+            </a:p>
+          </p:txBody>
+        </p:sp>
+        <p:sp>
+          <p:nvSpPr>
+            <p:cNvPr id="41" name="テキスト ボックス 40">
+              <a:extLst>
+                <a:ext uri="{FF2B5EF4-FFF2-40B4-BE49-F238E27FC236}">
+                  <a16:creationId xmlns:a16="http://schemas.microsoft.com/office/drawing/2014/main" id="{6BF9FA22-5435-FE84-6D29-5A87289B12AA}"/>
+                </a:ext>
+              </a:extLst>
+            </p:cNvPr>
+            <p:cNvSpPr txBox="1"/>
+            <p:nvPr/>
+          </p:nvSpPr>
+          <p:spPr>
+            <a:xfrm>
+              <a:off x="9534584" y="1445619"/>
+              <a:ext cx="723900" cy="261610"/>
+            </a:xfrm>
+            <a:prstGeom prst="rect">
+              <a:avLst/>
+            </a:prstGeom>
+            <a:noFill/>
+          </p:spPr>
+          <p:txBody>
+            <a:bodyPr wrap="square" rtlCol="0">
+              <a:spAutoFit/>
+            </a:bodyPr>
+            <a:lstStyle/>
+            <a:p>
+              <a:pPr algn="ctr"/>
+              <a:r>
+                <a:rPr kumimoji="1" lang="en-US" altLang="ja-JP" sz="1100" dirty="0">
+                  <a:latin typeface="BIZ UDPゴシック" panose="020B0400000000000000" pitchFamily="50" charset="-128"/>
+                  <a:ea typeface="BIZ UDPゴシック" panose="020B0400000000000000" pitchFamily="50" charset="-128"/>
+                </a:rPr>
+                <a:t>SIFS</a:t>
+              </a:r>
+              <a:endParaRPr kumimoji="1" lang="ja-JP" altLang="en-US" sz="1100" dirty="0">
                 <a:latin typeface="BIZ UDPゴシック" panose="020B0400000000000000" pitchFamily="50" charset="-128"/>
                 <a:ea typeface="BIZ UDPゴシック" panose="020B0400000000000000" pitchFamily="50" charset="-128"/>
-              </a:rPr>
-              <a:t>Data</a:t>
-            </a:r>
-            <a:endParaRPr kumimoji="1" lang="ja-JP" altLang="en-US" sz="1100" dirty="0">
-              <a:latin typeface="BIZ UDPゴシック" panose="020B0400000000000000" pitchFamily="50" charset="-128"/>
-              <a:ea typeface="BIZ UDPゴシック" panose="020B0400000000000000" pitchFamily="50" charset="-128"/>
-            </a:endParaRPr>
-          </a:p>
-        </p:txBody>
-      </p:sp>
-      <p:sp>
-        <p:nvSpPr>
-          <p:cNvPr id="34" name="テキスト ボックス 33">
-            <a:extLst>
-              <a:ext uri="{FF2B5EF4-FFF2-40B4-BE49-F238E27FC236}">
-                <a16:creationId xmlns:a16="http://schemas.microsoft.com/office/drawing/2014/main" id="{D66EDCA8-C430-EE08-2925-ED3F7E6D627D}"/>
-              </a:ext>
-            </a:extLst>
-          </p:cNvPr>
-          <p:cNvSpPr txBox="1"/>
-          <p:nvPr/>
-        </p:nvSpPr>
-        <p:spPr>
-          <a:xfrm>
-            <a:off x="4534186" y="1556731"/>
-            <a:ext cx="571500" cy="246221"/>
-          </a:xfrm>
-          <a:prstGeom prst="rect">
-            <a:avLst/>
-          </a:prstGeom>
-          <a:noFill/>
-        </p:spPr>
-        <p:txBody>
-          <a:bodyPr wrap="square" rtlCol="0">
-            <a:spAutoFit/>
-          </a:bodyPr>
-          <a:lstStyle/>
-          <a:p>
-            <a:pPr algn="ctr"/>
-            <a:r>
-              <a:rPr kumimoji="1" lang="en-US" altLang="ja-JP" sz="1000" dirty="0">
+              </a:endParaRPr>
+            </a:p>
+          </p:txBody>
+        </p:sp>
+        <p:sp>
+          <p:nvSpPr>
+            <p:cNvPr id="42" name="テキスト ボックス 41">
+              <a:extLst>
+                <a:ext uri="{FF2B5EF4-FFF2-40B4-BE49-F238E27FC236}">
+                  <a16:creationId xmlns:a16="http://schemas.microsoft.com/office/drawing/2014/main" id="{FF9B44CB-F0EC-890E-B91F-5B71D8510B49}"/>
+                </a:ext>
+              </a:extLst>
+            </p:cNvPr>
+            <p:cNvSpPr txBox="1"/>
+            <p:nvPr/>
+          </p:nvSpPr>
+          <p:spPr>
+            <a:xfrm>
+              <a:off x="10093794" y="1445619"/>
+              <a:ext cx="1447800" cy="261610"/>
+            </a:xfrm>
+            <a:prstGeom prst="rect">
+              <a:avLst/>
+            </a:prstGeom>
+            <a:noFill/>
+          </p:spPr>
+          <p:txBody>
+            <a:bodyPr wrap="square" rtlCol="0">
+              <a:spAutoFit/>
+            </a:bodyPr>
+            <a:lstStyle/>
+            <a:p>
+              <a:pPr algn="ctr"/>
+              <a:r>
+                <a:rPr kumimoji="1" lang="en-US" altLang="ja-JP" sz="1100" dirty="0">
+                  <a:latin typeface="BIZ UDPゴシック" panose="020B0400000000000000" pitchFamily="50" charset="-128"/>
+                  <a:ea typeface="BIZ UDPゴシック" panose="020B0400000000000000" pitchFamily="50" charset="-128"/>
+                </a:rPr>
+                <a:t>DIFS</a:t>
+              </a:r>
+              <a:endParaRPr kumimoji="1" lang="ja-JP" altLang="en-US" sz="1100" dirty="0">
                 <a:latin typeface="BIZ UDPゴシック" panose="020B0400000000000000" pitchFamily="50" charset="-128"/>
                 <a:ea typeface="BIZ UDPゴシック" panose="020B0400000000000000" pitchFamily="50" charset="-128"/>
-              </a:rPr>
-              <a:t>ACK</a:t>
-            </a:r>
-            <a:endParaRPr kumimoji="1" lang="ja-JP" altLang="en-US" sz="1000" dirty="0">
-              <a:latin typeface="BIZ UDPゴシック" panose="020B0400000000000000" pitchFamily="50" charset="-128"/>
-              <a:ea typeface="BIZ UDPゴシック" panose="020B0400000000000000" pitchFamily="50" charset="-128"/>
-            </a:endParaRPr>
-          </a:p>
-        </p:txBody>
-      </p:sp>
-      <p:sp>
-        <p:nvSpPr>
-          <p:cNvPr id="35" name="テキスト ボックス 34">
-            <a:extLst>
-              <a:ext uri="{FF2B5EF4-FFF2-40B4-BE49-F238E27FC236}">
-                <a16:creationId xmlns:a16="http://schemas.microsoft.com/office/drawing/2014/main" id="{6CBDAC6D-8A35-F0A5-338C-CB488A274F02}"/>
-              </a:ext>
-            </a:extLst>
-          </p:cNvPr>
-          <p:cNvSpPr txBox="1"/>
-          <p:nvPr/>
-        </p:nvSpPr>
-        <p:spPr>
-          <a:xfrm>
-            <a:off x="6275180" y="5446433"/>
-            <a:ext cx="849374" cy="261610"/>
-          </a:xfrm>
-          <a:prstGeom prst="rect">
-            <a:avLst/>
-          </a:prstGeom>
-          <a:noFill/>
-        </p:spPr>
-        <p:txBody>
-          <a:bodyPr wrap="square" rtlCol="0">
-            <a:spAutoFit/>
-          </a:bodyPr>
-          <a:lstStyle/>
-          <a:p>
-            <a:pPr algn="ctr"/>
-            <a:r>
-              <a:rPr kumimoji="1" lang="en-US" altLang="ja-JP" sz="1100" dirty="0">
+              </a:endParaRPr>
+            </a:p>
+          </p:txBody>
+        </p:sp>
+        <p:sp>
+          <p:nvSpPr>
+            <p:cNvPr id="43" name="テキスト ボックス 42">
+              <a:extLst>
+                <a:ext uri="{FF2B5EF4-FFF2-40B4-BE49-F238E27FC236}">
+                  <a16:creationId xmlns:a16="http://schemas.microsoft.com/office/drawing/2014/main" id="{F9FBD8EA-0E5E-0000-771F-531B948EB19F}"/>
+                </a:ext>
+              </a:extLst>
+            </p:cNvPr>
+            <p:cNvSpPr txBox="1"/>
+            <p:nvPr/>
+          </p:nvSpPr>
+          <p:spPr>
+            <a:xfrm>
+              <a:off x="5490815" y="2301569"/>
+              <a:ext cx="1447800" cy="261610"/>
+            </a:xfrm>
+            <a:prstGeom prst="rect">
+              <a:avLst/>
+            </a:prstGeom>
+            <a:noFill/>
+          </p:spPr>
+          <p:txBody>
+            <a:bodyPr wrap="square" rtlCol="0">
+              <a:spAutoFit/>
+            </a:bodyPr>
+            <a:lstStyle/>
+            <a:p>
+              <a:pPr algn="ctr"/>
+              <a:r>
+                <a:rPr lang="en-US" altLang="ja-JP" sz="1100" dirty="0">
+                  <a:latin typeface="BIZ UDPゴシック" panose="020B0400000000000000" pitchFamily="50" charset="-128"/>
+                  <a:ea typeface="BIZ UDPゴシック" panose="020B0400000000000000" pitchFamily="50" charset="-128"/>
+                </a:rPr>
+                <a:t>5</a:t>
+              </a:r>
+              <a:endParaRPr kumimoji="1" lang="ja-JP" altLang="en-US" sz="1100" dirty="0">
                 <a:latin typeface="BIZ UDPゴシック" panose="020B0400000000000000" pitchFamily="50" charset="-128"/>
                 <a:ea typeface="BIZ UDPゴシック" panose="020B0400000000000000" pitchFamily="50" charset="-128"/>
-              </a:rPr>
-              <a:t>Data</a:t>
-            </a:r>
-            <a:endParaRPr kumimoji="1" lang="ja-JP" altLang="en-US" sz="1100" dirty="0">
-              <a:latin typeface="BIZ UDPゴシック" panose="020B0400000000000000" pitchFamily="50" charset="-128"/>
-              <a:ea typeface="BIZ UDPゴシック" panose="020B0400000000000000" pitchFamily="50" charset="-128"/>
-            </a:endParaRPr>
-          </a:p>
-        </p:txBody>
-      </p:sp>
-      <p:sp>
-        <p:nvSpPr>
-          <p:cNvPr id="36" name="テキスト ボックス 35">
-            <a:extLst>
-              <a:ext uri="{FF2B5EF4-FFF2-40B4-BE49-F238E27FC236}">
-                <a16:creationId xmlns:a16="http://schemas.microsoft.com/office/drawing/2014/main" id="{05F79690-BC71-8EC8-38EB-69F787A8E50E}"/>
-              </a:ext>
-            </a:extLst>
-          </p:cNvPr>
-          <p:cNvSpPr txBox="1"/>
-          <p:nvPr/>
-        </p:nvSpPr>
-        <p:spPr>
-          <a:xfrm>
-            <a:off x="6972298" y="1442858"/>
-            <a:ext cx="723900" cy="261610"/>
-          </a:xfrm>
-          <a:prstGeom prst="rect">
-            <a:avLst/>
-          </a:prstGeom>
-          <a:noFill/>
-        </p:spPr>
-        <p:txBody>
-          <a:bodyPr wrap="square" rtlCol="0">
-            <a:spAutoFit/>
-          </a:bodyPr>
-          <a:lstStyle/>
-          <a:p>
-            <a:pPr algn="ctr"/>
-            <a:r>
-              <a:rPr kumimoji="1" lang="en-US" altLang="ja-JP" sz="1100" dirty="0">
+              </a:endParaRPr>
+            </a:p>
+          </p:txBody>
+        </p:sp>
+        <p:sp>
+          <p:nvSpPr>
+            <p:cNvPr id="44" name="テキスト ボックス 43">
+              <a:extLst>
+                <a:ext uri="{FF2B5EF4-FFF2-40B4-BE49-F238E27FC236}">
+                  <a16:creationId xmlns:a16="http://schemas.microsoft.com/office/drawing/2014/main" id="{26F883DD-DEDF-5FFC-181C-3C0A6CFB3BFD}"/>
+                </a:ext>
+              </a:extLst>
+            </p:cNvPr>
+            <p:cNvSpPr txBox="1"/>
+            <p:nvPr/>
+          </p:nvSpPr>
+          <p:spPr>
+            <a:xfrm>
+              <a:off x="5372099" y="3602310"/>
+              <a:ext cx="1447800" cy="261610"/>
+            </a:xfrm>
+            <a:prstGeom prst="rect">
+              <a:avLst/>
+            </a:prstGeom>
+            <a:noFill/>
+          </p:spPr>
+          <p:txBody>
+            <a:bodyPr wrap="square" rtlCol="0">
+              <a:spAutoFit/>
+            </a:bodyPr>
+            <a:lstStyle/>
+            <a:p>
+              <a:pPr algn="ctr"/>
+              <a:r>
+                <a:rPr kumimoji="1" lang="en-US" altLang="ja-JP" sz="1100" dirty="0">
+                  <a:latin typeface="BIZ UDPゴシック" panose="020B0400000000000000" pitchFamily="50" charset="-128"/>
+                  <a:ea typeface="BIZ UDPゴシック" panose="020B0400000000000000" pitchFamily="50" charset="-128"/>
+                </a:rPr>
+                <a:t>4</a:t>
+              </a:r>
+              <a:endParaRPr kumimoji="1" lang="ja-JP" altLang="en-US" sz="1100" dirty="0">
                 <a:latin typeface="BIZ UDPゴシック" panose="020B0400000000000000" pitchFamily="50" charset="-128"/>
                 <a:ea typeface="BIZ UDPゴシック" panose="020B0400000000000000" pitchFamily="50" charset="-128"/>
-              </a:rPr>
-              <a:t>SIFS</a:t>
-            </a:r>
-            <a:endParaRPr kumimoji="1" lang="ja-JP" altLang="en-US" sz="1100" dirty="0">
-              <a:latin typeface="BIZ UDPゴシック" panose="020B0400000000000000" pitchFamily="50" charset="-128"/>
-              <a:ea typeface="BIZ UDPゴシック" panose="020B0400000000000000" pitchFamily="50" charset="-128"/>
-            </a:endParaRPr>
-          </a:p>
-        </p:txBody>
-      </p:sp>
-      <p:sp>
-        <p:nvSpPr>
-          <p:cNvPr id="37" name="テキスト ボックス 36">
-            <a:extLst>
-              <a:ext uri="{FF2B5EF4-FFF2-40B4-BE49-F238E27FC236}">
-                <a16:creationId xmlns:a16="http://schemas.microsoft.com/office/drawing/2014/main" id="{7885F254-4F22-91D8-E8E1-7B71C61FC216}"/>
-              </a:ext>
-            </a:extLst>
-          </p:cNvPr>
-          <p:cNvSpPr txBox="1"/>
-          <p:nvPr/>
-        </p:nvSpPr>
-        <p:spPr>
-          <a:xfrm>
-            <a:off x="7457155" y="1551704"/>
-            <a:ext cx="571500" cy="246221"/>
-          </a:xfrm>
-          <a:prstGeom prst="rect">
-            <a:avLst/>
-          </a:prstGeom>
-          <a:noFill/>
-        </p:spPr>
-        <p:txBody>
-          <a:bodyPr wrap="square" rtlCol="0">
-            <a:spAutoFit/>
-          </a:bodyPr>
-          <a:lstStyle/>
-          <a:p>
-            <a:pPr algn="ctr"/>
-            <a:r>
-              <a:rPr kumimoji="1" lang="en-US" altLang="ja-JP" sz="1000" dirty="0">
+              </a:endParaRPr>
+            </a:p>
+          </p:txBody>
+        </p:sp>
+        <p:sp>
+          <p:nvSpPr>
+            <p:cNvPr id="45" name="テキスト ボックス 44">
+              <a:extLst>
+                <a:ext uri="{FF2B5EF4-FFF2-40B4-BE49-F238E27FC236}">
+                  <a16:creationId xmlns:a16="http://schemas.microsoft.com/office/drawing/2014/main" id="{0171F33D-1C6D-4F8D-3848-19B7BA12420E}"/>
+                </a:ext>
+              </a:extLst>
+            </p:cNvPr>
+            <p:cNvSpPr txBox="1"/>
+            <p:nvPr/>
+          </p:nvSpPr>
+          <p:spPr>
+            <a:xfrm>
+              <a:off x="5333999" y="4897003"/>
+              <a:ext cx="1447800" cy="261610"/>
+            </a:xfrm>
+            <a:prstGeom prst="rect">
+              <a:avLst/>
+            </a:prstGeom>
+            <a:noFill/>
+          </p:spPr>
+          <p:txBody>
+            <a:bodyPr wrap="square" rtlCol="0">
+              <a:spAutoFit/>
+            </a:bodyPr>
+            <a:lstStyle/>
+            <a:p>
+              <a:pPr algn="ctr"/>
+              <a:r>
+                <a:rPr kumimoji="1" lang="en-US" altLang="ja-JP" sz="1100" dirty="0">
+                  <a:latin typeface="BIZ UDPゴシック" panose="020B0400000000000000" pitchFamily="50" charset="-128"/>
+                  <a:ea typeface="BIZ UDPゴシック" panose="020B0400000000000000" pitchFamily="50" charset="-128"/>
+                </a:rPr>
+                <a:t>3</a:t>
+              </a:r>
+              <a:endParaRPr kumimoji="1" lang="ja-JP" altLang="en-US" sz="1100" dirty="0">
                 <a:latin typeface="BIZ UDPゴシック" panose="020B0400000000000000" pitchFamily="50" charset="-128"/>
                 <a:ea typeface="BIZ UDPゴシック" panose="020B0400000000000000" pitchFamily="50" charset="-128"/>
-              </a:rPr>
-              <a:t>ACK</a:t>
-            </a:r>
-            <a:endParaRPr kumimoji="1" lang="ja-JP" altLang="en-US" sz="1000" dirty="0">
-              <a:latin typeface="BIZ UDPゴシック" panose="020B0400000000000000" pitchFamily="50" charset="-128"/>
-              <a:ea typeface="BIZ UDPゴシック" panose="020B0400000000000000" pitchFamily="50" charset="-128"/>
-            </a:endParaRPr>
-          </a:p>
-        </p:txBody>
-      </p:sp>
-      <p:sp>
-        <p:nvSpPr>
-          <p:cNvPr id="38" name="テキスト ボックス 37">
-            <a:extLst>
-              <a:ext uri="{FF2B5EF4-FFF2-40B4-BE49-F238E27FC236}">
-                <a16:creationId xmlns:a16="http://schemas.microsoft.com/office/drawing/2014/main" id="{A2AD5D84-8C4B-43CC-D483-C617B0E8F5C5}"/>
-              </a:ext>
-            </a:extLst>
-          </p:cNvPr>
-          <p:cNvSpPr txBox="1"/>
-          <p:nvPr/>
-        </p:nvSpPr>
-        <p:spPr>
-          <a:xfrm>
-            <a:off x="7529541" y="1438978"/>
-            <a:ext cx="1447800" cy="261610"/>
-          </a:xfrm>
-          <a:prstGeom prst="rect">
-            <a:avLst/>
-          </a:prstGeom>
-          <a:noFill/>
-        </p:spPr>
-        <p:txBody>
-          <a:bodyPr wrap="square" rtlCol="0">
-            <a:spAutoFit/>
-          </a:bodyPr>
-          <a:lstStyle/>
-          <a:p>
-            <a:pPr algn="ctr"/>
-            <a:r>
-              <a:rPr kumimoji="1" lang="en-US" altLang="ja-JP" sz="1100" dirty="0">
+              </a:endParaRPr>
+            </a:p>
+          </p:txBody>
+        </p:sp>
+        <p:sp>
+          <p:nvSpPr>
+            <p:cNvPr id="46" name="テキスト ボックス 45">
+              <a:extLst>
+                <a:ext uri="{FF2B5EF4-FFF2-40B4-BE49-F238E27FC236}">
+                  <a16:creationId xmlns:a16="http://schemas.microsoft.com/office/drawing/2014/main" id="{6821531D-35ED-6FA8-6026-37ACCFF37E1B}"/>
+                </a:ext>
+              </a:extLst>
+            </p:cNvPr>
+            <p:cNvSpPr txBox="1"/>
+            <p:nvPr/>
+          </p:nvSpPr>
+          <p:spPr>
+            <a:xfrm>
+              <a:off x="8153399" y="2301569"/>
+              <a:ext cx="1447800" cy="261610"/>
+            </a:xfrm>
+            <a:prstGeom prst="rect">
+              <a:avLst/>
+            </a:prstGeom>
+            <a:noFill/>
+          </p:spPr>
+          <p:txBody>
+            <a:bodyPr wrap="square" rtlCol="0">
+              <a:spAutoFit/>
+            </a:bodyPr>
+            <a:lstStyle/>
+            <a:p>
+              <a:pPr algn="ctr"/>
+              <a:r>
+                <a:rPr kumimoji="1" lang="en-US" altLang="ja-JP" sz="1100" dirty="0">
+                  <a:latin typeface="BIZ UDPゴシック" panose="020B0400000000000000" pitchFamily="50" charset="-128"/>
+                  <a:ea typeface="BIZ UDPゴシック" panose="020B0400000000000000" pitchFamily="50" charset="-128"/>
+                </a:rPr>
+                <a:t>2</a:t>
+              </a:r>
+              <a:endParaRPr kumimoji="1" lang="ja-JP" altLang="en-US" sz="1100" dirty="0">
                 <a:latin typeface="BIZ UDPゴシック" panose="020B0400000000000000" pitchFamily="50" charset="-128"/>
                 <a:ea typeface="BIZ UDPゴシック" panose="020B0400000000000000" pitchFamily="50" charset="-128"/>
-              </a:rPr>
-              <a:t>DIFS</a:t>
-            </a:r>
-            <a:endParaRPr kumimoji="1" lang="ja-JP" altLang="en-US" sz="1100" dirty="0">
-              <a:latin typeface="BIZ UDPゴシック" panose="020B0400000000000000" pitchFamily="50" charset="-128"/>
-              <a:ea typeface="BIZ UDPゴシック" panose="020B0400000000000000" pitchFamily="50" charset="-128"/>
-            </a:endParaRPr>
-          </a:p>
-        </p:txBody>
-      </p:sp>
-      <p:sp>
-        <p:nvSpPr>
-          <p:cNvPr id="40" name="テキスト ボックス 39">
-            <a:extLst>
-              <a:ext uri="{FF2B5EF4-FFF2-40B4-BE49-F238E27FC236}">
-                <a16:creationId xmlns:a16="http://schemas.microsoft.com/office/drawing/2014/main" id="{730D6AD7-7BEE-D654-F7E6-345C7F699DD6}"/>
-              </a:ext>
-            </a:extLst>
-          </p:cNvPr>
-          <p:cNvSpPr txBox="1"/>
-          <p:nvPr/>
-        </p:nvSpPr>
-        <p:spPr>
-          <a:xfrm>
-            <a:off x="10047667" y="1556710"/>
-            <a:ext cx="571500" cy="246221"/>
-          </a:xfrm>
-          <a:prstGeom prst="rect">
-            <a:avLst/>
-          </a:prstGeom>
-          <a:noFill/>
-        </p:spPr>
-        <p:txBody>
-          <a:bodyPr wrap="square" rtlCol="0">
-            <a:spAutoFit/>
-          </a:bodyPr>
-          <a:lstStyle/>
-          <a:p>
-            <a:pPr algn="ctr"/>
-            <a:r>
-              <a:rPr kumimoji="1" lang="en-US" altLang="ja-JP" sz="1000" dirty="0">
+              </a:endParaRPr>
+            </a:p>
+          </p:txBody>
+        </p:sp>
+        <p:sp>
+          <p:nvSpPr>
+            <p:cNvPr id="47" name="テキスト ボックス 46">
+              <a:extLst>
+                <a:ext uri="{FF2B5EF4-FFF2-40B4-BE49-F238E27FC236}">
+                  <a16:creationId xmlns:a16="http://schemas.microsoft.com/office/drawing/2014/main" id="{D3AC208D-5F7A-27BE-ACFA-73456E1494E3}"/>
+                </a:ext>
+              </a:extLst>
+            </p:cNvPr>
+            <p:cNvSpPr txBox="1"/>
+            <p:nvPr/>
+          </p:nvSpPr>
+          <p:spPr>
+            <a:xfrm>
+              <a:off x="8063642" y="3596111"/>
+              <a:ext cx="1447800" cy="261610"/>
+            </a:xfrm>
+            <a:prstGeom prst="rect">
+              <a:avLst/>
+            </a:prstGeom>
+            <a:noFill/>
+          </p:spPr>
+          <p:txBody>
+            <a:bodyPr wrap="square" rtlCol="0">
+              <a:spAutoFit/>
+            </a:bodyPr>
+            <a:lstStyle/>
+            <a:p>
+              <a:pPr algn="ctr"/>
+              <a:r>
+                <a:rPr kumimoji="1" lang="en-US" altLang="ja-JP" sz="1100" dirty="0">
+                  <a:latin typeface="BIZ UDPゴシック" panose="020B0400000000000000" pitchFamily="50" charset="-128"/>
+                  <a:ea typeface="BIZ UDPゴシック" panose="020B0400000000000000" pitchFamily="50" charset="-128"/>
+                </a:rPr>
+                <a:t>1</a:t>
+              </a:r>
+              <a:endParaRPr kumimoji="1" lang="ja-JP" altLang="en-US" sz="1100" dirty="0">
                 <a:latin typeface="BIZ UDPゴシック" panose="020B0400000000000000" pitchFamily="50" charset="-128"/>
                 <a:ea typeface="BIZ UDPゴシック" panose="020B0400000000000000" pitchFamily="50" charset="-128"/>
-              </a:rPr>
-              <a:t>ACK</a:t>
-            </a:r>
-            <a:endParaRPr kumimoji="1" lang="ja-JP" altLang="en-US" sz="1000" dirty="0">
-              <a:latin typeface="BIZ UDPゴシック" panose="020B0400000000000000" pitchFamily="50" charset="-128"/>
-              <a:ea typeface="BIZ UDPゴシック" panose="020B0400000000000000" pitchFamily="50" charset="-128"/>
-            </a:endParaRPr>
-          </a:p>
-        </p:txBody>
-      </p:sp>
-      <p:sp>
-        <p:nvSpPr>
-          <p:cNvPr id="41" name="テキスト ボックス 40">
-            <a:extLst>
-              <a:ext uri="{FF2B5EF4-FFF2-40B4-BE49-F238E27FC236}">
-                <a16:creationId xmlns:a16="http://schemas.microsoft.com/office/drawing/2014/main" id="{6BF9FA22-5435-FE84-6D29-5A87289B12AA}"/>
-              </a:ext>
-            </a:extLst>
-          </p:cNvPr>
-          <p:cNvSpPr txBox="1"/>
-          <p:nvPr/>
-        </p:nvSpPr>
-        <p:spPr>
-          <a:xfrm>
-            <a:off x="9534584" y="1445619"/>
-            <a:ext cx="723900" cy="261610"/>
-          </a:xfrm>
-          <a:prstGeom prst="rect">
-            <a:avLst/>
-          </a:prstGeom>
-          <a:noFill/>
-        </p:spPr>
-        <p:txBody>
-          <a:bodyPr wrap="square" rtlCol="0">
-            <a:spAutoFit/>
-          </a:bodyPr>
-          <a:lstStyle/>
-          <a:p>
-            <a:pPr algn="ctr"/>
-            <a:r>
-              <a:rPr kumimoji="1" lang="en-US" altLang="ja-JP" sz="1100" dirty="0">
+              </a:endParaRPr>
+            </a:p>
+          </p:txBody>
+        </p:sp>
+        <p:sp>
+          <p:nvSpPr>
+            <p:cNvPr id="48" name="テキスト ボックス 47">
+              <a:extLst>
+                <a:ext uri="{FF2B5EF4-FFF2-40B4-BE49-F238E27FC236}">
+                  <a16:creationId xmlns:a16="http://schemas.microsoft.com/office/drawing/2014/main" id="{0F54C0FC-CD53-FD3B-A298-FE79AA80BC73}"/>
+                </a:ext>
+              </a:extLst>
+            </p:cNvPr>
+            <p:cNvSpPr txBox="1"/>
+            <p:nvPr/>
+          </p:nvSpPr>
+          <p:spPr>
+            <a:xfrm>
+              <a:off x="8544984" y="4903066"/>
+              <a:ext cx="1447800" cy="261610"/>
+            </a:xfrm>
+            <a:prstGeom prst="rect">
+              <a:avLst/>
+            </a:prstGeom>
+            <a:noFill/>
+          </p:spPr>
+          <p:txBody>
+            <a:bodyPr wrap="square" rtlCol="0">
+              <a:spAutoFit/>
+            </a:bodyPr>
+            <a:lstStyle/>
+            <a:p>
+              <a:pPr algn="ctr"/>
+              <a:r>
+                <a:rPr kumimoji="1" lang="en-US" altLang="ja-JP" sz="1100" dirty="0">
+                  <a:latin typeface="BIZ UDPゴシック" panose="020B0400000000000000" pitchFamily="50" charset="-128"/>
+                  <a:ea typeface="BIZ UDPゴシック" panose="020B0400000000000000" pitchFamily="50" charset="-128"/>
+                </a:rPr>
+                <a:t>6</a:t>
+              </a:r>
+              <a:endParaRPr kumimoji="1" lang="ja-JP" altLang="en-US" sz="1100" dirty="0">
                 <a:latin typeface="BIZ UDPゴシック" panose="020B0400000000000000" pitchFamily="50" charset="-128"/>
                 <a:ea typeface="BIZ UDPゴシック" panose="020B0400000000000000" pitchFamily="50" charset="-128"/>
-              </a:rPr>
-              <a:t>SIFS</a:t>
-            </a:r>
-            <a:endParaRPr kumimoji="1" lang="ja-JP" altLang="en-US" sz="1100" dirty="0">
-              <a:latin typeface="BIZ UDPゴシック" panose="020B0400000000000000" pitchFamily="50" charset="-128"/>
-              <a:ea typeface="BIZ UDPゴシック" panose="020B0400000000000000" pitchFamily="50" charset="-128"/>
-            </a:endParaRPr>
-          </a:p>
-        </p:txBody>
-      </p:sp>
-      <p:sp>
-        <p:nvSpPr>
-          <p:cNvPr id="42" name="テキスト ボックス 41">
-            <a:extLst>
-              <a:ext uri="{FF2B5EF4-FFF2-40B4-BE49-F238E27FC236}">
-                <a16:creationId xmlns:a16="http://schemas.microsoft.com/office/drawing/2014/main" id="{FF9B44CB-F0EC-890E-B91F-5B71D8510B49}"/>
-              </a:ext>
-            </a:extLst>
-          </p:cNvPr>
-          <p:cNvSpPr txBox="1"/>
-          <p:nvPr/>
-        </p:nvSpPr>
-        <p:spPr>
-          <a:xfrm>
-            <a:off x="10093794" y="1445619"/>
-            <a:ext cx="1447800" cy="261610"/>
-          </a:xfrm>
-          <a:prstGeom prst="rect">
-            <a:avLst/>
-          </a:prstGeom>
-          <a:noFill/>
-        </p:spPr>
-        <p:txBody>
-          <a:bodyPr wrap="square" rtlCol="0">
-            <a:spAutoFit/>
-          </a:bodyPr>
-          <a:lstStyle/>
-          <a:p>
-            <a:pPr algn="ctr"/>
-            <a:r>
-              <a:rPr kumimoji="1" lang="en-US" altLang="ja-JP" sz="1100" dirty="0">
+              </a:endParaRPr>
+            </a:p>
+          </p:txBody>
+        </p:sp>
+        <p:sp>
+          <p:nvSpPr>
+            <p:cNvPr id="50" name="テキスト ボックス 49">
+              <a:extLst>
+                <a:ext uri="{FF2B5EF4-FFF2-40B4-BE49-F238E27FC236}">
+                  <a16:creationId xmlns:a16="http://schemas.microsoft.com/office/drawing/2014/main" id="{FC4575F1-DCA8-A4B7-1120-157BFA6540B4}"/>
+                </a:ext>
+              </a:extLst>
+            </p:cNvPr>
+            <p:cNvSpPr txBox="1"/>
+            <p:nvPr/>
+          </p:nvSpPr>
+          <p:spPr>
+            <a:xfrm>
+              <a:off x="11296649" y="1950444"/>
+              <a:ext cx="746123" cy="261610"/>
+            </a:xfrm>
+            <a:prstGeom prst="rect">
+              <a:avLst/>
+            </a:prstGeom>
+            <a:noFill/>
+          </p:spPr>
+          <p:txBody>
+            <a:bodyPr wrap="square" rtlCol="0">
+              <a:spAutoFit/>
+            </a:bodyPr>
+            <a:lstStyle/>
+            <a:p>
+              <a:pPr algn="ctr"/>
+              <a:r>
+                <a:rPr kumimoji="1" lang="ja-JP" altLang="en-US" sz="1100" dirty="0">
+                  <a:latin typeface="BIZ UDPゴシック" panose="020B0400000000000000" pitchFamily="50" charset="-128"/>
+                  <a:ea typeface="BIZ UDPゴシック" panose="020B0400000000000000" pitchFamily="50" charset="-128"/>
+                </a:rPr>
+                <a:t>時間</a:t>
+              </a:r>
+              <a:r>
+                <a:rPr kumimoji="1" lang="en-US" altLang="ja-JP" sz="1100" dirty="0">
+                  <a:latin typeface="BIZ UDPゴシック" panose="020B0400000000000000" pitchFamily="50" charset="-128"/>
+                  <a:ea typeface="BIZ UDPゴシック" panose="020B0400000000000000" pitchFamily="50" charset="-128"/>
+                </a:rPr>
+                <a:t>(t)</a:t>
+              </a:r>
+              <a:endParaRPr kumimoji="1" lang="ja-JP" altLang="en-US" sz="1100" dirty="0">
                 <a:latin typeface="BIZ UDPゴシック" panose="020B0400000000000000" pitchFamily="50" charset="-128"/>
                 <a:ea typeface="BIZ UDPゴシック" panose="020B0400000000000000" pitchFamily="50" charset="-128"/>
-              </a:rPr>
-              <a:t>DIFS</a:t>
-            </a:r>
-            <a:endParaRPr kumimoji="1" lang="ja-JP" altLang="en-US" sz="1100" dirty="0">
-              <a:latin typeface="BIZ UDPゴシック" panose="020B0400000000000000" pitchFamily="50" charset="-128"/>
-              <a:ea typeface="BIZ UDPゴシック" panose="020B0400000000000000" pitchFamily="50" charset="-128"/>
-            </a:endParaRPr>
-          </a:p>
-        </p:txBody>
-      </p:sp>
-      <p:sp>
-        <p:nvSpPr>
-          <p:cNvPr id="43" name="テキスト ボックス 42">
-            <a:extLst>
-              <a:ext uri="{FF2B5EF4-FFF2-40B4-BE49-F238E27FC236}">
-                <a16:creationId xmlns:a16="http://schemas.microsoft.com/office/drawing/2014/main" id="{F9FBD8EA-0E5E-0000-771F-531B948EB19F}"/>
-              </a:ext>
-            </a:extLst>
-          </p:cNvPr>
-          <p:cNvSpPr txBox="1"/>
-          <p:nvPr/>
-        </p:nvSpPr>
-        <p:spPr>
-          <a:xfrm>
-            <a:off x="5615940" y="2301569"/>
-            <a:ext cx="1447800" cy="261610"/>
-          </a:xfrm>
-          <a:prstGeom prst="rect">
-            <a:avLst/>
-          </a:prstGeom>
-          <a:noFill/>
-        </p:spPr>
-        <p:txBody>
-          <a:bodyPr wrap="square" rtlCol="0">
-            <a:spAutoFit/>
-          </a:bodyPr>
-          <a:lstStyle/>
-          <a:p>
-            <a:pPr algn="ctr"/>
-            <a:r>
-              <a:rPr kumimoji="1" lang="en-US" altLang="ja-JP" sz="1100" dirty="0">
+              </a:endParaRPr>
+            </a:p>
+          </p:txBody>
+        </p:sp>
+        <p:sp>
+          <p:nvSpPr>
+            <p:cNvPr id="51" name="テキスト ボックス 50">
+              <a:extLst>
+                <a:ext uri="{FF2B5EF4-FFF2-40B4-BE49-F238E27FC236}">
+                  <a16:creationId xmlns:a16="http://schemas.microsoft.com/office/drawing/2014/main" id="{6D12C2BC-F705-DA69-34F4-B2EFD4144667}"/>
+                </a:ext>
+              </a:extLst>
+            </p:cNvPr>
+            <p:cNvSpPr txBox="1"/>
+            <p:nvPr/>
+          </p:nvSpPr>
+          <p:spPr>
+            <a:xfrm>
+              <a:off x="11296649" y="3244202"/>
+              <a:ext cx="746123" cy="261610"/>
+            </a:xfrm>
+            <a:prstGeom prst="rect">
+              <a:avLst/>
+            </a:prstGeom>
+            <a:noFill/>
+          </p:spPr>
+          <p:txBody>
+            <a:bodyPr wrap="square" rtlCol="0">
+              <a:spAutoFit/>
+            </a:bodyPr>
+            <a:lstStyle/>
+            <a:p>
+              <a:pPr algn="ctr"/>
+              <a:r>
+                <a:rPr kumimoji="1" lang="ja-JP" altLang="en-US" sz="1100" dirty="0">
+                  <a:latin typeface="BIZ UDPゴシック" panose="020B0400000000000000" pitchFamily="50" charset="-128"/>
+                  <a:ea typeface="BIZ UDPゴシック" panose="020B0400000000000000" pitchFamily="50" charset="-128"/>
+                </a:rPr>
+                <a:t>時間</a:t>
+              </a:r>
+              <a:r>
+                <a:rPr kumimoji="1" lang="en-US" altLang="ja-JP" sz="1100" dirty="0">
+                  <a:latin typeface="BIZ UDPゴシック" panose="020B0400000000000000" pitchFamily="50" charset="-128"/>
+                  <a:ea typeface="BIZ UDPゴシック" panose="020B0400000000000000" pitchFamily="50" charset="-128"/>
+                </a:rPr>
+                <a:t>(t)</a:t>
+              </a:r>
+              <a:endParaRPr kumimoji="1" lang="ja-JP" altLang="en-US" sz="1100" dirty="0">
                 <a:latin typeface="BIZ UDPゴシック" panose="020B0400000000000000" pitchFamily="50" charset="-128"/>
                 <a:ea typeface="BIZ UDPゴシック" panose="020B0400000000000000" pitchFamily="50" charset="-128"/>
-              </a:rPr>
-              <a:t>6</a:t>
-            </a:r>
-            <a:endParaRPr kumimoji="1" lang="ja-JP" altLang="en-US" sz="1100" dirty="0">
-              <a:latin typeface="BIZ UDPゴシック" panose="020B0400000000000000" pitchFamily="50" charset="-128"/>
-              <a:ea typeface="BIZ UDPゴシック" panose="020B0400000000000000" pitchFamily="50" charset="-128"/>
-            </a:endParaRPr>
-          </a:p>
-        </p:txBody>
-      </p:sp>
-      <p:sp>
-        <p:nvSpPr>
-          <p:cNvPr id="44" name="テキスト ボックス 43">
-            <a:extLst>
-              <a:ext uri="{FF2B5EF4-FFF2-40B4-BE49-F238E27FC236}">
-                <a16:creationId xmlns:a16="http://schemas.microsoft.com/office/drawing/2014/main" id="{26F883DD-DEDF-5FFC-181C-3C0A6CFB3BFD}"/>
-              </a:ext>
-            </a:extLst>
-          </p:cNvPr>
-          <p:cNvSpPr txBox="1"/>
-          <p:nvPr/>
-        </p:nvSpPr>
-        <p:spPr>
-          <a:xfrm>
-            <a:off x="5372099" y="3602310"/>
-            <a:ext cx="1447800" cy="261610"/>
-          </a:xfrm>
-          <a:prstGeom prst="rect">
-            <a:avLst/>
-          </a:prstGeom>
-          <a:noFill/>
-        </p:spPr>
-        <p:txBody>
-          <a:bodyPr wrap="square" rtlCol="0">
-            <a:spAutoFit/>
-          </a:bodyPr>
-          <a:lstStyle/>
-          <a:p>
-            <a:pPr algn="ctr"/>
-            <a:r>
-              <a:rPr kumimoji="1" lang="en-US" altLang="ja-JP" sz="1100" dirty="0">
+              </a:endParaRPr>
+            </a:p>
+          </p:txBody>
+        </p:sp>
+        <p:sp>
+          <p:nvSpPr>
+            <p:cNvPr id="52" name="テキスト ボックス 51">
+              <a:extLst>
+                <a:ext uri="{FF2B5EF4-FFF2-40B4-BE49-F238E27FC236}">
+                  <a16:creationId xmlns:a16="http://schemas.microsoft.com/office/drawing/2014/main" id="{2E335442-CCCD-B620-62DA-C32BDBF74F9C}"/>
+                </a:ext>
+              </a:extLst>
+            </p:cNvPr>
+            <p:cNvSpPr txBox="1"/>
+            <p:nvPr/>
+          </p:nvSpPr>
+          <p:spPr>
+            <a:xfrm>
+              <a:off x="11296648" y="4540416"/>
+              <a:ext cx="746123" cy="261610"/>
+            </a:xfrm>
+            <a:prstGeom prst="rect">
+              <a:avLst/>
+            </a:prstGeom>
+            <a:noFill/>
+          </p:spPr>
+          <p:txBody>
+            <a:bodyPr wrap="square" rtlCol="0">
+              <a:spAutoFit/>
+            </a:bodyPr>
+            <a:lstStyle/>
+            <a:p>
+              <a:pPr algn="ctr"/>
+              <a:r>
+                <a:rPr kumimoji="1" lang="ja-JP" altLang="en-US" sz="1100" dirty="0">
+                  <a:latin typeface="BIZ UDPゴシック" panose="020B0400000000000000" pitchFamily="50" charset="-128"/>
+                  <a:ea typeface="BIZ UDPゴシック" panose="020B0400000000000000" pitchFamily="50" charset="-128"/>
+                </a:rPr>
+                <a:t>時間</a:t>
+              </a:r>
+              <a:r>
+                <a:rPr kumimoji="1" lang="en-US" altLang="ja-JP" sz="1100" dirty="0">
+                  <a:latin typeface="BIZ UDPゴシック" panose="020B0400000000000000" pitchFamily="50" charset="-128"/>
+                  <a:ea typeface="BIZ UDPゴシック" panose="020B0400000000000000" pitchFamily="50" charset="-128"/>
+                </a:rPr>
+                <a:t>(t)</a:t>
+              </a:r>
+              <a:endParaRPr kumimoji="1" lang="ja-JP" altLang="en-US" sz="1100" dirty="0">
                 <a:latin typeface="BIZ UDPゴシック" panose="020B0400000000000000" pitchFamily="50" charset="-128"/>
                 <a:ea typeface="BIZ UDPゴシック" panose="020B0400000000000000" pitchFamily="50" charset="-128"/>
-              </a:rPr>
-              <a:t>4</a:t>
-            </a:r>
-            <a:endParaRPr kumimoji="1" lang="ja-JP" altLang="en-US" sz="1100" dirty="0">
-              <a:latin typeface="BIZ UDPゴシック" panose="020B0400000000000000" pitchFamily="50" charset="-128"/>
-              <a:ea typeface="BIZ UDPゴシック" panose="020B0400000000000000" pitchFamily="50" charset="-128"/>
-            </a:endParaRPr>
-          </a:p>
-        </p:txBody>
-      </p:sp>
-      <p:sp>
-        <p:nvSpPr>
-          <p:cNvPr id="45" name="テキスト ボックス 44">
-            <a:extLst>
-              <a:ext uri="{FF2B5EF4-FFF2-40B4-BE49-F238E27FC236}">
-                <a16:creationId xmlns:a16="http://schemas.microsoft.com/office/drawing/2014/main" id="{0171F33D-1C6D-4F8D-3848-19B7BA12420E}"/>
-              </a:ext>
-            </a:extLst>
-          </p:cNvPr>
-          <p:cNvSpPr txBox="1"/>
-          <p:nvPr/>
-        </p:nvSpPr>
-        <p:spPr>
-          <a:xfrm>
-            <a:off x="5333999" y="4897003"/>
-            <a:ext cx="1447800" cy="261610"/>
-          </a:xfrm>
-          <a:prstGeom prst="rect">
-            <a:avLst/>
-          </a:prstGeom>
-          <a:noFill/>
-        </p:spPr>
-        <p:txBody>
-          <a:bodyPr wrap="square" rtlCol="0">
-            <a:spAutoFit/>
-          </a:bodyPr>
-          <a:lstStyle/>
-          <a:p>
-            <a:pPr algn="ctr"/>
-            <a:r>
-              <a:rPr kumimoji="1" lang="en-US" altLang="ja-JP" sz="1100" dirty="0">
+              </a:endParaRPr>
+            </a:p>
+          </p:txBody>
+        </p:sp>
+        <p:sp>
+          <p:nvSpPr>
+            <p:cNvPr id="53" name="テキスト ボックス 52">
+              <a:extLst>
+                <a:ext uri="{FF2B5EF4-FFF2-40B4-BE49-F238E27FC236}">
+                  <a16:creationId xmlns:a16="http://schemas.microsoft.com/office/drawing/2014/main" id="{355AFE18-CD81-7528-230F-ABAD93645F9C}"/>
+                </a:ext>
+              </a:extLst>
+            </p:cNvPr>
+            <p:cNvSpPr txBox="1"/>
+            <p:nvPr/>
+          </p:nvSpPr>
+          <p:spPr>
+            <a:xfrm>
+              <a:off x="11296647" y="5827845"/>
+              <a:ext cx="746123" cy="261610"/>
+            </a:xfrm>
+            <a:prstGeom prst="rect">
+              <a:avLst/>
+            </a:prstGeom>
+            <a:noFill/>
+          </p:spPr>
+          <p:txBody>
+            <a:bodyPr wrap="square" rtlCol="0">
+              <a:spAutoFit/>
+            </a:bodyPr>
+            <a:lstStyle/>
+            <a:p>
+              <a:pPr algn="ctr"/>
+              <a:r>
+                <a:rPr kumimoji="1" lang="ja-JP" altLang="en-US" sz="1100" dirty="0">
+                  <a:latin typeface="BIZ UDPゴシック" panose="020B0400000000000000" pitchFamily="50" charset="-128"/>
+                  <a:ea typeface="BIZ UDPゴシック" panose="020B0400000000000000" pitchFamily="50" charset="-128"/>
+                </a:rPr>
+                <a:t>時間</a:t>
+              </a:r>
+              <a:r>
+                <a:rPr kumimoji="1" lang="en-US" altLang="ja-JP" sz="1100" dirty="0">
+                  <a:latin typeface="BIZ UDPゴシック" panose="020B0400000000000000" pitchFamily="50" charset="-128"/>
+                  <a:ea typeface="BIZ UDPゴシック" panose="020B0400000000000000" pitchFamily="50" charset="-128"/>
+                </a:rPr>
+                <a:t>(t)</a:t>
+              </a:r>
+              <a:endParaRPr kumimoji="1" lang="ja-JP" altLang="en-US" sz="1100" dirty="0">
                 <a:latin typeface="BIZ UDPゴシック" panose="020B0400000000000000" pitchFamily="50" charset="-128"/>
                 <a:ea typeface="BIZ UDPゴシック" panose="020B0400000000000000" pitchFamily="50" charset="-128"/>
-              </a:rPr>
-              <a:t>3</a:t>
-            </a:r>
-            <a:endParaRPr kumimoji="1" lang="ja-JP" altLang="en-US" sz="1100" dirty="0">
-              <a:latin typeface="BIZ UDPゴシック" panose="020B0400000000000000" pitchFamily="50" charset="-128"/>
-              <a:ea typeface="BIZ UDPゴシック" panose="020B0400000000000000" pitchFamily="50" charset="-128"/>
-            </a:endParaRPr>
-          </a:p>
-        </p:txBody>
-      </p:sp>
-      <p:sp>
-        <p:nvSpPr>
-          <p:cNvPr id="46" name="テキスト ボックス 45">
-            <a:extLst>
-              <a:ext uri="{FF2B5EF4-FFF2-40B4-BE49-F238E27FC236}">
-                <a16:creationId xmlns:a16="http://schemas.microsoft.com/office/drawing/2014/main" id="{6821531D-35ED-6FA8-6026-37ACCFF37E1B}"/>
-              </a:ext>
-            </a:extLst>
-          </p:cNvPr>
-          <p:cNvSpPr txBox="1"/>
-          <p:nvPr/>
-        </p:nvSpPr>
-        <p:spPr>
-          <a:xfrm>
-            <a:off x="8153399" y="2301569"/>
-            <a:ext cx="1447800" cy="261610"/>
-          </a:xfrm>
-          <a:prstGeom prst="rect">
-            <a:avLst/>
-          </a:prstGeom>
-          <a:noFill/>
-        </p:spPr>
-        <p:txBody>
-          <a:bodyPr wrap="square" rtlCol="0">
-            <a:spAutoFit/>
-          </a:bodyPr>
-          <a:lstStyle/>
-          <a:p>
-            <a:pPr algn="ctr"/>
-            <a:r>
-              <a:rPr kumimoji="1" lang="en-US" altLang="ja-JP" sz="1100" dirty="0">
+              </a:endParaRPr>
+            </a:p>
+          </p:txBody>
+        </p:sp>
+        <p:sp>
+          <p:nvSpPr>
+            <p:cNvPr id="56" name="テキスト ボックス 55">
+              <a:extLst>
+                <a:ext uri="{FF2B5EF4-FFF2-40B4-BE49-F238E27FC236}">
+                  <a16:creationId xmlns:a16="http://schemas.microsoft.com/office/drawing/2014/main" id="{A43FDA4D-19A5-6887-EE90-048F3C5984D7}"/>
+                </a:ext>
+              </a:extLst>
+            </p:cNvPr>
+            <p:cNvSpPr txBox="1"/>
+            <p:nvPr/>
+          </p:nvSpPr>
+          <p:spPr>
+            <a:xfrm>
+              <a:off x="3377572" y="1487581"/>
+              <a:ext cx="869826" cy="430887"/>
+            </a:xfrm>
+            <a:prstGeom prst="rect">
+              <a:avLst/>
+            </a:prstGeom>
+            <a:noFill/>
+          </p:spPr>
+          <p:txBody>
+            <a:bodyPr wrap="square" rtlCol="0">
+              <a:spAutoFit/>
+            </a:bodyPr>
+            <a:lstStyle/>
+            <a:p>
+              <a:pPr algn="ctr"/>
+              <a:r>
+                <a:rPr kumimoji="1" lang="en-US" altLang="ja-JP" sz="1100" dirty="0">
+                  <a:latin typeface="BIZ UDPゴシック" panose="020B0400000000000000" pitchFamily="50" charset="-128"/>
+                  <a:ea typeface="BIZ UDPゴシック" panose="020B0400000000000000" pitchFamily="50" charset="-128"/>
+                </a:rPr>
+                <a:t>Sent</a:t>
+              </a:r>
+            </a:p>
+            <a:p>
+              <a:pPr algn="ctr"/>
+              <a:r>
+                <a:rPr kumimoji="1" lang="en-US" altLang="ja-JP" sz="1100" dirty="0">
+                  <a:latin typeface="BIZ UDPゴシック" panose="020B0400000000000000" pitchFamily="50" charset="-128"/>
+                  <a:ea typeface="BIZ UDPゴシック" panose="020B0400000000000000" pitchFamily="50" charset="-128"/>
+                </a:rPr>
+                <a:t>Data</a:t>
+              </a:r>
+              <a:endParaRPr kumimoji="1" lang="ja-JP" altLang="en-US" sz="1100" dirty="0">
                 <a:latin typeface="BIZ UDPゴシック" panose="020B0400000000000000" pitchFamily="50" charset="-128"/>
                 <a:ea typeface="BIZ UDPゴシック" panose="020B0400000000000000" pitchFamily="50" charset="-128"/>
-              </a:rPr>
-              <a:t>2</a:t>
-            </a:r>
-            <a:endParaRPr kumimoji="1" lang="ja-JP" altLang="en-US" sz="1100" dirty="0">
-              <a:latin typeface="BIZ UDPゴシック" panose="020B0400000000000000" pitchFamily="50" charset="-128"/>
-              <a:ea typeface="BIZ UDPゴシック" panose="020B0400000000000000" pitchFamily="50" charset="-128"/>
-            </a:endParaRPr>
-          </a:p>
-        </p:txBody>
-      </p:sp>
-      <p:sp>
-        <p:nvSpPr>
-          <p:cNvPr id="47" name="テキスト ボックス 46">
-            <a:extLst>
-              <a:ext uri="{FF2B5EF4-FFF2-40B4-BE49-F238E27FC236}">
-                <a16:creationId xmlns:a16="http://schemas.microsoft.com/office/drawing/2014/main" id="{D3AC208D-5F7A-27BE-ACFA-73456E1494E3}"/>
-              </a:ext>
-            </a:extLst>
-          </p:cNvPr>
-          <p:cNvSpPr txBox="1"/>
-          <p:nvPr/>
-        </p:nvSpPr>
-        <p:spPr>
-          <a:xfrm>
-            <a:off x="8063642" y="3596111"/>
-            <a:ext cx="1447800" cy="261610"/>
-          </a:xfrm>
-          <a:prstGeom prst="rect">
-            <a:avLst/>
-          </a:prstGeom>
-          <a:noFill/>
-        </p:spPr>
-        <p:txBody>
-          <a:bodyPr wrap="square" rtlCol="0">
-            <a:spAutoFit/>
-          </a:bodyPr>
-          <a:lstStyle/>
-          <a:p>
-            <a:pPr algn="ctr"/>
-            <a:r>
-              <a:rPr kumimoji="1" lang="en-US" altLang="ja-JP" sz="1100" dirty="0">
+              </a:endParaRPr>
+            </a:p>
+          </p:txBody>
+        </p:sp>
+        <p:sp>
+          <p:nvSpPr>
+            <p:cNvPr id="57" name="テキスト ボックス 56">
+              <a:extLst>
+                <a:ext uri="{FF2B5EF4-FFF2-40B4-BE49-F238E27FC236}">
+                  <a16:creationId xmlns:a16="http://schemas.microsoft.com/office/drawing/2014/main" id="{60D37AE5-9FD4-94F3-64C5-DE0C62191F26}"/>
+                </a:ext>
+              </a:extLst>
+            </p:cNvPr>
+            <p:cNvSpPr txBox="1"/>
+            <p:nvPr/>
+          </p:nvSpPr>
+          <p:spPr>
+            <a:xfrm>
+              <a:off x="4534186" y="2842304"/>
+              <a:ext cx="571500" cy="246221"/>
+            </a:xfrm>
+            <a:prstGeom prst="rect">
+              <a:avLst/>
+            </a:prstGeom>
+            <a:noFill/>
+          </p:spPr>
+          <p:txBody>
+            <a:bodyPr wrap="square" rtlCol="0">
+              <a:spAutoFit/>
+            </a:bodyPr>
+            <a:lstStyle/>
+            <a:p>
+              <a:pPr algn="ctr"/>
+              <a:r>
+                <a:rPr kumimoji="1" lang="en-US" altLang="ja-JP" sz="1000" dirty="0">
+                  <a:latin typeface="BIZ UDPゴシック" panose="020B0400000000000000" pitchFamily="50" charset="-128"/>
+                  <a:ea typeface="BIZ UDPゴシック" panose="020B0400000000000000" pitchFamily="50" charset="-128"/>
+                </a:rPr>
+                <a:t>ACK</a:t>
+              </a:r>
+              <a:endParaRPr kumimoji="1" lang="ja-JP" altLang="en-US" sz="1000" dirty="0">
                 <a:latin typeface="BIZ UDPゴシック" panose="020B0400000000000000" pitchFamily="50" charset="-128"/>
                 <a:ea typeface="BIZ UDPゴシック" panose="020B0400000000000000" pitchFamily="50" charset="-128"/>
-              </a:rPr>
-              <a:t>1</a:t>
-            </a:r>
-            <a:endParaRPr kumimoji="1" lang="ja-JP" altLang="en-US" sz="1100" dirty="0">
-              <a:latin typeface="BIZ UDPゴシック" panose="020B0400000000000000" pitchFamily="50" charset="-128"/>
-              <a:ea typeface="BIZ UDPゴシック" panose="020B0400000000000000" pitchFamily="50" charset="-128"/>
-            </a:endParaRPr>
-          </a:p>
-        </p:txBody>
-      </p:sp>
-      <p:sp>
-        <p:nvSpPr>
-          <p:cNvPr id="48" name="テキスト ボックス 47">
-            <a:extLst>
-              <a:ext uri="{FF2B5EF4-FFF2-40B4-BE49-F238E27FC236}">
-                <a16:creationId xmlns:a16="http://schemas.microsoft.com/office/drawing/2014/main" id="{0F54C0FC-CD53-FD3B-A298-FE79AA80BC73}"/>
-              </a:ext>
-            </a:extLst>
-          </p:cNvPr>
-          <p:cNvSpPr txBox="1"/>
-          <p:nvPr/>
-        </p:nvSpPr>
-        <p:spPr>
-          <a:xfrm>
-            <a:off x="8448734" y="4903066"/>
-            <a:ext cx="1447800" cy="261610"/>
-          </a:xfrm>
-          <a:prstGeom prst="rect">
-            <a:avLst/>
-          </a:prstGeom>
-          <a:noFill/>
-        </p:spPr>
-        <p:txBody>
-          <a:bodyPr wrap="square" rtlCol="0">
-            <a:spAutoFit/>
-          </a:bodyPr>
-          <a:lstStyle/>
-          <a:p>
-            <a:pPr algn="ctr"/>
-            <a:r>
-              <a:rPr kumimoji="1" lang="en-US" altLang="ja-JP" sz="1100" dirty="0">
+              </a:endParaRPr>
+            </a:p>
+          </p:txBody>
+        </p:sp>
+        <p:sp>
+          <p:nvSpPr>
+            <p:cNvPr id="58" name="テキスト ボックス 57">
+              <a:extLst>
+                <a:ext uri="{FF2B5EF4-FFF2-40B4-BE49-F238E27FC236}">
+                  <a16:creationId xmlns:a16="http://schemas.microsoft.com/office/drawing/2014/main" id="{58F84A58-D737-63ED-6EF9-B8FDB77F4112}"/>
+                </a:ext>
+              </a:extLst>
+            </p:cNvPr>
+            <p:cNvSpPr txBox="1"/>
+            <p:nvPr/>
+          </p:nvSpPr>
+          <p:spPr>
+            <a:xfrm>
+              <a:off x="6291070" y="1469718"/>
+              <a:ext cx="849374" cy="430887"/>
+            </a:xfrm>
+            <a:prstGeom prst="rect">
+              <a:avLst/>
+            </a:prstGeom>
+            <a:noFill/>
+          </p:spPr>
+          <p:txBody>
+            <a:bodyPr wrap="square" rtlCol="0">
+              <a:spAutoFit/>
+            </a:bodyPr>
+            <a:lstStyle/>
+            <a:p>
+              <a:pPr algn="ctr"/>
+              <a:r>
+                <a:rPr kumimoji="1" lang="en-US" altLang="ja-JP" sz="1100" dirty="0">
+                  <a:latin typeface="BIZ UDPゴシック" panose="020B0400000000000000" pitchFamily="50" charset="-128"/>
+                  <a:ea typeface="BIZ UDPゴシック" panose="020B0400000000000000" pitchFamily="50" charset="-128"/>
+                </a:rPr>
+                <a:t>Sent</a:t>
+              </a:r>
+            </a:p>
+            <a:p>
+              <a:pPr algn="ctr"/>
+              <a:r>
+                <a:rPr kumimoji="1" lang="en-US" altLang="ja-JP" sz="1100" dirty="0">
+                  <a:latin typeface="BIZ UDPゴシック" panose="020B0400000000000000" pitchFamily="50" charset="-128"/>
+                  <a:ea typeface="BIZ UDPゴシック" panose="020B0400000000000000" pitchFamily="50" charset="-128"/>
+                </a:rPr>
+                <a:t>Data</a:t>
+              </a:r>
+              <a:endParaRPr kumimoji="1" lang="ja-JP" altLang="en-US" sz="1100" dirty="0">
                 <a:latin typeface="BIZ UDPゴシック" panose="020B0400000000000000" pitchFamily="50" charset="-128"/>
                 <a:ea typeface="BIZ UDPゴシック" panose="020B0400000000000000" pitchFamily="50" charset="-128"/>
-              </a:rPr>
-              <a:t>6</a:t>
-            </a:r>
-            <a:endParaRPr kumimoji="1" lang="ja-JP" altLang="en-US" sz="1100" dirty="0">
-              <a:latin typeface="BIZ UDPゴシック" panose="020B0400000000000000" pitchFamily="50" charset="-128"/>
-              <a:ea typeface="BIZ UDPゴシック" panose="020B0400000000000000" pitchFamily="50" charset="-128"/>
-            </a:endParaRPr>
-          </a:p>
-        </p:txBody>
-      </p:sp>
-      <p:sp>
-        <p:nvSpPr>
-          <p:cNvPr id="50" name="テキスト ボックス 49">
-            <a:extLst>
-              <a:ext uri="{FF2B5EF4-FFF2-40B4-BE49-F238E27FC236}">
-                <a16:creationId xmlns:a16="http://schemas.microsoft.com/office/drawing/2014/main" id="{FC4575F1-DCA8-A4B7-1120-157BFA6540B4}"/>
-              </a:ext>
-            </a:extLst>
-          </p:cNvPr>
-          <p:cNvSpPr txBox="1"/>
-          <p:nvPr/>
-        </p:nvSpPr>
-        <p:spPr>
-          <a:xfrm>
-            <a:off x="11296649" y="1950444"/>
-            <a:ext cx="746123" cy="261610"/>
-          </a:xfrm>
-          <a:prstGeom prst="rect">
-            <a:avLst/>
-          </a:prstGeom>
-          <a:noFill/>
-        </p:spPr>
-        <p:txBody>
-          <a:bodyPr wrap="square" rtlCol="0">
-            <a:spAutoFit/>
-          </a:bodyPr>
-          <a:lstStyle/>
-          <a:p>
-            <a:pPr algn="ctr"/>
-            <a:r>
-              <a:rPr kumimoji="1" lang="ja-JP" altLang="en-US" sz="1100" dirty="0">
+              </a:endParaRPr>
+            </a:p>
+          </p:txBody>
+        </p:sp>
+        <p:sp>
+          <p:nvSpPr>
+            <p:cNvPr id="59" name="テキスト ボックス 58">
+              <a:extLst>
+                <a:ext uri="{FF2B5EF4-FFF2-40B4-BE49-F238E27FC236}">
+                  <a16:creationId xmlns:a16="http://schemas.microsoft.com/office/drawing/2014/main" id="{054E8220-0179-79D7-0BE2-791F094DBC83}"/>
+                </a:ext>
+              </a:extLst>
+            </p:cNvPr>
+            <p:cNvSpPr txBox="1"/>
+            <p:nvPr/>
+          </p:nvSpPr>
+          <p:spPr>
+            <a:xfrm>
+              <a:off x="7452390" y="5458094"/>
+              <a:ext cx="571500" cy="246221"/>
+            </a:xfrm>
+            <a:prstGeom prst="rect">
+              <a:avLst/>
+            </a:prstGeom>
+            <a:noFill/>
+          </p:spPr>
+          <p:txBody>
+            <a:bodyPr wrap="square" rtlCol="0">
+              <a:spAutoFit/>
+            </a:bodyPr>
+            <a:lstStyle/>
+            <a:p>
+              <a:pPr algn="ctr"/>
+              <a:r>
+                <a:rPr kumimoji="1" lang="en-US" altLang="ja-JP" sz="1000" dirty="0">
+                  <a:latin typeface="BIZ UDPゴシック" panose="020B0400000000000000" pitchFamily="50" charset="-128"/>
+                  <a:ea typeface="BIZ UDPゴシック" panose="020B0400000000000000" pitchFamily="50" charset="-128"/>
+                </a:rPr>
+                <a:t>ACK</a:t>
+              </a:r>
+              <a:endParaRPr kumimoji="1" lang="ja-JP" altLang="en-US" sz="1000" dirty="0">
                 <a:latin typeface="BIZ UDPゴシック" panose="020B0400000000000000" pitchFamily="50" charset="-128"/>
                 <a:ea typeface="BIZ UDPゴシック" panose="020B0400000000000000" pitchFamily="50" charset="-128"/>
-              </a:rPr>
-              <a:t>時間</a:t>
-            </a:r>
-            <a:r>
-              <a:rPr kumimoji="1" lang="en-US" altLang="ja-JP" sz="1100" dirty="0">
+              </a:endParaRPr>
+            </a:p>
+          </p:txBody>
+        </p:sp>
+        <p:sp>
+          <p:nvSpPr>
+            <p:cNvPr id="60" name="テキスト ボックス 59">
+              <a:extLst>
+                <a:ext uri="{FF2B5EF4-FFF2-40B4-BE49-F238E27FC236}">
+                  <a16:creationId xmlns:a16="http://schemas.microsoft.com/office/drawing/2014/main" id="{67319F4D-F062-A5E2-DA36-F652C26A5E52}"/>
+                </a:ext>
+              </a:extLst>
+            </p:cNvPr>
+            <p:cNvSpPr txBox="1"/>
+            <p:nvPr/>
+          </p:nvSpPr>
+          <p:spPr>
+            <a:xfrm>
+              <a:off x="8877299" y="4141105"/>
+              <a:ext cx="849374" cy="261610"/>
+            </a:xfrm>
+            <a:prstGeom prst="rect">
+              <a:avLst/>
+            </a:prstGeom>
+            <a:noFill/>
+          </p:spPr>
+          <p:txBody>
+            <a:bodyPr wrap="square" rtlCol="0">
+              <a:spAutoFit/>
+            </a:bodyPr>
+            <a:lstStyle/>
+            <a:p>
+              <a:pPr algn="ctr"/>
+              <a:r>
+                <a:rPr kumimoji="1" lang="en-US" altLang="ja-JP" sz="1100" dirty="0">
+                  <a:latin typeface="BIZ UDPゴシック" panose="020B0400000000000000" pitchFamily="50" charset="-128"/>
+                  <a:ea typeface="BIZ UDPゴシック" panose="020B0400000000000000" pitchFamily="50" charset="-128"/>
+                </a:rPr>
+                <a:t>Data</a:t>
+              </a:r>
+              <a:endParaRPr kumimoji="1" lang="ja-JP" altLang="en-US" sz="1100" dirty="0">
                 <a:latin typeface="BIZ UDPゴシック" panose="020B0400000000000000" pitchFamily="50" charset="-128"/>
                 <a:ea typeface="BIZ UDPゴシック" panose="020B0400000000000000" pitchFamily="50" charset="-128"/>
-              </a:rPr>
-              <a:t>(t)</a:t>
-            </a:r>
-            <a:endParaRPr kumimoji="1" lang="ja-JP" altLang="en-US" sz="1100" dirty="0">
-              <a:latin typeface="BIZ UDPゴシック" panose="020B0400000000000000" pitchFamily="50" charset="-128"/>
-              <a:ea typeface="BIZ UDPゴシック" panose="020B0400000000000000" pitchFamily="50" charset="-128"/>
-            </a:endParaRPr>
-          </a:p>
-        </p:txBody>
-      </p:sp>
-      <p:sp>
-        <p:nvSpPr>
-          <p:cNvPr id="51" name="テキスト ボックス 50">
-            <a:extLst>
-              <a:ext uri="{FF2B5EF4-FFF2-40B4-BE49-F238E27FC236}">
-                <a16:creationId xmlns:a16="http://schemas.microsoft.com/office/drawing/2014/main" id="{6D12C2BC-F705-DA69-34F4-B2EFD4144667}"/>
-              </a:ext>
-            </a:extLst>
-          </p:cNvPr>
-          <p:cNvSpPr txBox="1"/>
-          <p:nvPr/>
-        </p:nvSpPr>
-        <p:spPr>
-          <a:xfrm>
-            <a:off x="11296649" y="3244202"/>
-            <a:ext cx="746123" cy="261610"/>
-          </a:xfrm>
-          <a:prstGeom prst="rect">
-            <a:avLst/>
-          </a:prstGeom>
-          <a:noFill/>
-        </p:spPr>
-        <p:txBody>
-          <a:bodyPr wrap="square" rtlCol="0">
-            <a:spAutoFit/>
-          </a:bodyPr>
-          <a:lstStyle/>
-          <a:p>
-            <a:pPr algn="ctr"/>
-            <a:r>
-              <a:rPr kumimoji="1" lang="ja-JP" altLang="en-US" sz="1100" dirty="0">
+              </a:endParaRPr>
+            </a:p>
+          </p:txBody>
+        </p:sp>
+        <p:sp>
+          <p:nvSpPr>
+            <p:cNvPr id="61" name="テキスト ボックス 60">
+              <a:extLst>
+                <a:ext uri="{FF2B5EF4-FFF2-40B4-BE49-F238E27FC236}">
+                  <a16:creationId xmlns:a16="http://schemas.microsoft.com/office/drawing/2014/main" id="{43C3A92C-16EB-0A45-9EE7-684C9B521B5E}"/>
+                </a:ext>
+              </a:extLst>
+            </p:cNvPr>
+            <p:cNvSpPr txBox="1"/>
+            <p:nvPr/>
+          </p:nvSpPr>
+          <p:spPr>
+            <a:xfrm>
+              <a:off x="8883737" y="1445726"/>
+              <a:ext cx="849374" cy="430887"/>
+            </a:xfrm>
+            <a:prstGeom prst="rect">
+              <a:avLst/>
+            </a:prstGeom>
+            <a:noFill/>
+          </p:spPr>
+          <p:txBody>
+            <a:bodyPr wrap="square" rtlCol="0">
+              <a:spAutoFit/>
+            </a:bodyPr>
+            <a:lstStyle/>
+            <a:p>
+              <a:pPr algn="ctr"/>
+              <a:r>
+                <a:rPr kumimoji="1" lang="en-US" altLang="ja-JP" sz="1100" dirty="0">
+                  <a:latin typeface="BIZ UDPゴシック" panose="020B0400000000000000" pitchFamily="50" charset="-128"/>
+                  <a:ea typeface="BIZ UDPゴシック" panose="020B0400000000000000" pitchFamily="50" charset="-128"/>
+                </a:rPr>
+                <a:t>Sent</a:t>
+              </a:r>
+            </a:p>
+            <a:p>
+              <a:pPr algn="ctr"/>
+              <a:r>
+                <a:rPr kumimoji="1" lang="en-US" altLang="ja-JP" sz="1100" dirty="0">
+                  <a:latin typeface="BIZ UDPゴシック" panose="020B0400000000000000" pitchFamily="50" charset="-128"/>
+                  <a:ea typeface="BIZ UDPゴシック" panose="020B0400000000000000" pitchFamily="50" charset="-128"/>
+                </a:rPr>
+                <a:t>Data</a:t>
+              </a:r>
+              <a:endParaRPr kumimoji="1" lang="ja-JP" altLang="en-US" sz="1100" dirty="0">
                 <a:latin typeface="BIZ UDPゴシック" panose="020B0400000000000000" pitchFamily="50" charset="-128"/>
                 <a:ea typeface="BIZ UDPゴシック" panose="020B0400000000000000" pitchFamily="50" charset="-128"/>
-              </a:rPr>
-              <a:t>時間</a:t>
-            </a:r>
-            <a:r>
-              <a:rPr kumimoji="1" lang="en-US" altLang="ja-JP" sz="1100" dirty="0">
+              </a:endParaRPr>
+            </a:p>
+          </p:txBody>
+        </p:sp>
+        <p:sp>
+          <p:nvSpPr>
+            <p:cNvPr id="62" name="テキスト ボックス 61">
+              <a:extLst>
+                <a:ext uri="{FF2B5EF4-FFF2-40B4-BE49-F238E27FC236}">
+                  <a16:creationId xmlns:a16="http://schemas.microsoft.com/office/drawing/2014/main" id="{68C68892-67FA-365F-0A71-81C869AE4463}"/>
+                </a:ext>
+              </a:extLst>
+            </p:cNvPr>
+            <p:cNvSpPr txBox="1"/>
+            <p:nvPr/>
+          </p:nvSpPr>
+          <p:spPr>
+            <a:xfrm>
+              <a:off x="10039350" y="4153824"/>
+              <a:ext cx="571500" cy="246221"/>
+            </a:xfrm>
+            <a:prstGeom prst="rect">
+              <a:avLst/>
+            </a:prstGeom>
+            <a:noFill/>
+          </p:spPr>
+          <p:txBody>
+            <a:bodyPr wrap="square" rtlCol="0">
+              <a:spAutoFit/>
+            </a:bodyPr>
+            <a:lstStyle/>
+            <a:p>
+              <a:pPr algn="ctr"/>
+              <a:r>
+                <a:rPr kumimoji="1" lang="en-US" altLang="ja-JP" sz="1000" dirty="0">
+                  <a:latin typeface="BIZ UDPゴシック" panose="020B0400000000000000" pitchFamily="50" charset="-128"/>
+                  <a:ea typeface="BIZ UDPゴシック" panose="020B0400000000000000" pitchFamily="50" charset="-128"/>
+                </a:rPr>
+                <a:t>ACK</a:t>
+              </a:r>
+              <a:endParaRPr kumimoji="1" lang="ja-JP" altLang="en-US" sz="1000" dirty="0">
                 <a:latin typeface="BIZ UDPゴシック" panose="020B0400000000000000" pitchFamily="50" charset="-128"/>
                 <a:ea typeface="BIZ UDPゴシック" panose="020B0400000000000000" pitchFamily="50" charset="-128"/>
-              </a:rPr>
-              <a:t>(t)</a:t>
-            </a:r>
-            <a:endParaRPr kumimoji="1" lang="ja-JP" altLang="en-US" sz="1100" dirty="0">
-              <a:latin typeface="BIZ UDPゴシック" panose="020B0400000000000000" pitchFamily="50" charset="-128"/>
-              <a:ea typeface="BIZ UDPゴシック" panose="020B0400000000000000" pitchFamily="50" charset="-128"/>
-            </a:endParaRPr>
-          </a:p>
-        </p:txBody>
-      </p:sp>
-      <p:sp>
-        <p:nvSpPr>
-          <p:cNvPr id="52" name="テキスト ボックス 51">
-            <a:extLst>
-              <a:ext uri="{FF2B5EF4-FFF2-40B4-BE49-F238E27FC236}">
-                <a16:creationId xmlns:a16="http://schemas.microsoft.com/office/drawing/2014/main" id="{2E335442-CCCD-B620-62DA-C32BDBF74F9C}"/>
-              </a:ext>
-            </a:extLst>
-          </p:cNvPr>
-          <p:cNvSpPr txBox="1"/>
-          <p:nvPr/>
-        </p:nvSpPr>
-        <p:spPr>
-          <a:xfrm>
-            <a:off x="11296648" y="4540416"/>
-            <a:ext cx="746123" cy="261610"/>
-          </a:xfrm>
-          <a:prstGeom prst="rect">
-            <a:avLst/>
-          </a:prstGeom>
-          <a:noFill/>
-        </p:spPr>
-        <p:txBody>
-          <a:bodyPr wrap="square" rtlCol="0">
-            <a:spAutoFit/>
-          </a:bodyPr>
-          <a:lstStyle/>
-          <a:p>
-            <a:pPr algn="ctr"/>
-            <a:r>
-              <a:rPr kumimoji="1" lang="ja-JP" altLang="en-US" sz="1100" dirty="0">
-                <a:latin typeface="BIZ UDPゴシック" panose="020B0400000000000000" pitchFamily="50" charset="-128"/>
-                <a:ea typeface="BIZ UDPゴシック" panose="020B0400000000000000" pitchFamily="50" charset="-128"/>
-              </a:rPr>
-              <a:t>時間</a:t>
-            </a:r>
-            <a:r>
-              <a:rPr kumimoji="1" lang="en-US" altLang="ja-JP" sz="1100" dirty="0">
-                <a:latin typeface="BIZ UDPゴシック" panose="020B0400000000000000" pitchFamily="50" charset="-128"/>
-                <a:ea typeface="BIZ UDPゴシック" panose="020B0400000000000000" pitchFamily="50" charset="-128"/>
-              </a:rPr>
-              <a:t>(t)</a:t>
-            </a:r>
-            <a:endParaRPr kumimoji="1" lang="ja-JP" altLang="en-US" sz="1100" dirty="0">
-              <a:latin typeface="BIZ UDPゴシック" panose="020B0400000000000000" pitchFamily="50" charset="-128"/>
-              <a:ea typeface="BIZ UDPゴシック" panose="020B0400000000000000" pitchFamily="50" charset="-128"/>
-            </a:endParaRPr>
-          </a:p>
-        </p:txBody>
-      </p:sp>
-      <p:sp>
-        <p:nvSpPr>
-          <p:cNvPr id="53" name="テキスト ボックス 52">
-            <a:extLst>
-              <a:ext uri="{FF2B5EF4-FFF2-40B4-BE49-F238E27FC236}">
-                <a16:creationId xmlns:a16="http://schemas.microsoft.com/office/drawing/2014/main" id="{355AFE18-CD81-7528-230F-ABAD93645F9C}"/>
-              </a:ext>
-            </a:extLst>
-          </p:cNvPr>
-          <p:cNvSpPr txBox="1"/>
-          <p:nvPr/>
-        </p:nvSpPr>
-        <p:spPr>
-          <a:xfrm>
-            <a:off x="11296647" y="5827845"/>
-            <a:ext cx="746123" cy="261610"/>
-          </a:xfrm>
-          <a:prstGeom prst="rect">
-            <a:avLst/>
-          </a:prstGeom>
-          <a:noFill/>
-        </p:spPr>
-        <p:txBody>
-          <a:bodyPr wrap="square" rtlCol="0">
-            <a:spAutoFit/>
-          </a:bodyPr>
-          <a:lstStyle/>
-          <a:p>
-            <a:pPr algn="ctr"/>
-            <a:r>
-              <a:rPr kumimoji="1" lang="ja-JP" altLang="en-US" sz="1100" dirty="0">
-                <a:latin typeface="BIZ UDPゴシック" panose="020B0400000000000000" pitchFamily="50" charset="-128"/>
-                <a:ea typeface="BIZ UDPゴシック" panose="020B0400000000000000" pitchFamily="50" charset="-128"/>
-              </a:rPr>
-              <a:t>時間</a:t>
-            </a:r>
-            <a:r>
-              <a:rPr kumimoji="1" lang="en-US" altLang="ja-JP" sz="1100" dirty="0">
-                <a:latin typeface="BIZ UDPゴシック" panose="020B0400000000000000" pitchFamily="50" charset="-128"/>
-                <a:ea typeface="BIZ UDPゴシック" panose="020B0400000000000000" pitchFamily="50" charset="-128"/>
-              </a:rPr>
-              <a:t>(t)</a:t>
-            </a:r>
-            <a:endParaRPr kumimoji="1" lang="ja-JP" altLang="en-US" sz="1100" dirty="0">
-              <a:latin typeface="BIZ UDPゴシック" panose="020B0400000000000000" pitchFamily="50" charset="-128"/>
-              <a:ea typeface="BIZ UDPゴシック" panose="020B0400000000000000" pitchFamily="50" charset="-128"/>
-            </a:endParaRPr>
-          </a:p>
-        </p:txBody>
-      </p:sp>
-      <p:sp>
-        <p:nvSpPr>
-          <p:cNvPr id="56" name="テキスト ボックス 55">
-            <a:extLst>
-              <a:ext uri="{FF2B5EF4-FFF2-40B4-BE49-F238E27FC236}">
-                <a16:creationId xmlns:a16="http://schemas.microsoft.com/office/drawing/2014/main" id="{A43FDA4D-19A5-6887-EE90-048F3C5984D7}"/>
-              </a:ext>
-            </a:extLst>
-          </p:cNvPr>
-          <p:cNvSpPr txBox="1"/>
-          <p:nvPr/>
-        </p:nvSpPr>
-        <p:spPr>
-          <a:xfrm>
-            <a:off x="3377572" y="1487581"/>
-            <a:ext cx="869826" cy="430887"/>
-          </a:xfrm>
-          <a:prstGeom prst="rect">
-            <a:avLst/>
-          </a:prstGeom>
-          <a:noFill/>
-        </p:spPr>
-        <p:txBody>
-          <a:bodyPr wrap="square" rtlCol="0">
-            <a:spAutoFit/>
-          </a:bodyPr>
-          <a:lstStyle/>
-          <a:p>
-            <a:pPr algn="ctr"/>
-            <a:r>
-              <a:rPr kumimoji="1" lang="en-US" altLang="ja-JP" sz="1100" dirty="0">
-                <a:latin typeface="BIZ UDPゴシック" panose="020B0400000000000000" pitchFamily="50" charset="-128"/>
-                <a:ea typeface="BIZ UDPゴシック" panose="020B0400000000000000" pitchFamily="50" charset="-128"/>
-              </a:rPr>
-              <a:t>Sent</a:t>
-            </a:r>
-          </a:p>
-          <a:p>
-            <a:pPr algn="ctr"/>
-            <a:r>
-              <a:rPr kumimoji="1" lang="en-US" altLang="ja-JP" sz="1100" dirty="0">
-                <a:latin typeface="BIZ UDPゴシック" panose="020B0400000000000000" pitchFamily="50" charset="-128"/>
-                <a:ea typeface="BIZ UDPゴシック" panose="020B0400000000000000" pitchFamily="50" charset="-128"/>
-              </a:rPr>
-              <a:t>Data</a:t>
-            </a:r>
-            <a:endParaRPr kumimoji="1" lang="ja-JP" altLang="en-US" sz="1100" dirty="0">
-              <a:latin typeface="BIZ UDPゴシック" panose="020B0400000000000000" pitchFamily="50" charset="-128"/>
-              <a:ea typeface="BIZ UDPゴシック" panose="020B0400000000000000" pitchFamily="50" charset="-128"/>
-            </a:endParaRPr>
-          </a:p>
-        </p:txBody>
-      </p:sp>
-      <p:sp>
-        <p:nvSpPr>
-          <p:cNvPr id="57" name="テキスト ボックス 56">
-            <a:extLst>
-              <a:ext uri="{FF2B5EF4-FFF2-40B4-BE49-F238E27FC236}">
-                <a16:creationId xmlns:a16="http://schemas.microsoft.com/office/drawing/2014/main" id="{60D37AE5-9FD4-94F3-64C5-DE0C62191F26}"/>
-              </a:ext>
-            </a:extLst>
-          </p:cNvPr>
-          <p:cNvSpPr txBox="1"/>
-          <p:nvPr/>
-        </p:nvSpPr>
-        <p:spPr>
-          <a:xfrm>
-            <a:off x="4534186" y="2842304"/>
-            <a:ext cx="571500" cy="246221"/>
-          </a:xfrm>
-          <a:prstGeom prst="rect">
-            <a:avLst/>
-          </a:prstGeom>
-          <a:noFill/>
-        </p:spPr>
-        <p:txBody>
-          <a:bodyPr wrap="square" rtlCol="0">
-            <a:spAutoFit/>
-          </a:bodyPr>
-          <a:lstStyle/>
-          <a:p>
-            <a:pPr algn="ctr"/>
-            <a:r>
-              <a:rPr kumimoji="1" lang="en-US" altLang="ja-JP" sz="1000" dirty="0">
-                <a:latin typeface="BIZ UDPゴシック" panose="020B0400000000000000" pitchFamily="50" charset="-128"/>
-                <a:ea typeface="BIZ UDPゴシック" panose="020B0400000000000000" pitchFamily="50" charset="-128"/>
-              </a:rPr>
-              <a:t>ACK</a:t>
-            </a:r>
-            <a:endParaRPr kumimoji="1" lang="ja-JP" altLang="en-US" sz="1000" dirty="0">
-              <a:latin typeface="BIZ UDPゴシック" panose="020B0400000000000000" pitchFamily="50" charset="-128"/>
-              <a:ea typeface="BIZ UDPゴシック" panose="020B0400000000000000" pitchFamily="50" charset="-128"/>
-            </a:endParaRPr>
-          </a:p>
-        </p:txBody>
-      </p:sp>
-      <p:sp>
-        <p:nvSpPr>
-          <p:cNvPr id="58" name="テキスト ボックス 57">
-            <a:extLst>
-              <a:ext uri="{FF2B5EF4-FFF2-40B4-BE49-F238E27FC236}">
-                <a16:creationId xmlns:a16="http://schemas.microsoft.com/office/drawing/2014/main" id="{58F84A58-D737-63ED-6EF9-B8FDB77F4112}"/>
-              </a:ext>
-            </a:extLst>
-          </p:cNvPr>
-          <p:cNvSpPr txBox="1"/>
-          <p:nvPr/>
-        </p:nvSpPr>
-        <p:spPr>
-          <a:xfrm>
-            <a:off x="6291070" y="1469718"/>
-            <a:ext cx="849374" cy="430887"/>
-          </a:xfrm>
-          <a:prstGeom prst="rect">
-            <a:avLst/>
-          </a:prstGeom>
-          <a:noFill/>
-        </p:spPr>
-        <p:txBody>
-          <a:bodyPr wrap="square" rtlCol="0">
-            <a:spAutoFit/>
-          </a:bodyPr>
-          <a:lstStyle/>
-          <a:p>
-            <a:pPr algn="ctr"/>
-            <a:r>
-              <a:rPr kumimoji="1" lang="en-US" altLang="ja-JP" sz="1100" dirty="0">
-                <a:latin typeface="BIZ UDPゴシック" panose="020B0400000000000000" pitchFamily="50" charset="-128"/>
-                <a:ea typeface="BIZ UDPゴシック" panose="020B0400000000000000" pitchFamily="50" charset="-128"/>
-              </a:rPr>
-              <a:t>Sent</a:t>
-            </a:r>
-          </a:p>
-          <a:p>
-            <a:pPr algn="ctr"/>
-            <a:r>
-              <a:rPr kumimoji="1" lang="en-US" altLang="ja-JP" sz="1100" dirty="0">
-                <a:latin typeface="BIZ UDPゴシック" panose="020B0400000000000000" pitchFamily="50" charset="-128"/>
-                <a:ea typeface="BIZ UDPゴシック" panose="020B0400000000000000" pitchFamily="50" charset="-128"/>
-              </a:rPr>
-              <a:t>Data</a:t>
-            </a:r>
-            <a:endParaRPr kumimoji="1" lang="ja-JP" altLang="en-US" sz="1100" dirty="0">
-              <a:latin typeface="BIZ UDPゴシック" panose="020B0400000000000000" pitchFamily="50" charset="-128"/>
-              <a:ea typeface="BIZ UDPゴシック" panose="020B0400000000000000" pitchFamily="50" charset="-128"/>
-            </a:endParaRPr>
-          </a:p>
-        </p:txBody>
-      </p:sp>
-      <p:sp>
-        <p:nvSpPr>
-          <p:cNvPr id="59" name="テキスト ボックス 58">
-            <a:extLst>
-              <a:ext uri="{FF2B5EF4-FFF2-40B4-BE49-F238E27FC236}">
-                <a16:creationId xmlns:a16="http://schemas.microsoft.com/office/drawing/2014/main" id="{054E8220-0179-79D7-0BE2-791F094DBC83}"/>
-              </a:ext>
-            </a:extLst>
-          </p:cNvPr>
-          <p:cNvSpPr txBox="1"/>
-          <p:nvPr/>
-        </p:nvSpPr>
-        <p:spPr>
-          <a:xfrm>
-            <a:off x="7452390" y="5458094"/>
-            <a:ext cx="571500" cy="246221"/>
-          </a:xfrm>
-          <a:prstGeom prst="rect">
-            <a:avLst/>
-          </a:prstGeom>
-          <a:noFill/>
-        </p:spPr>
-        <p:txBody>
-          <a:bodyPr wrap="square" rtlCol="0">
-            <a:spAutoFit/>
-          </a:bodyPr>
-          <a:lstStyle/>
-          <a:p>
-            <a:pPr algn="ctr"/>
-            <a:r>
-              <a:rPr kumimoji="1" lang="en-US" altLang="ja-JP" sz="1000" dirty="0">
-                <a:latin typeface="BIZ UDPゴシック" panose="020B0400000000000000" pitchFamily="50" charset="-128"/>
-                <a:ea typeface="BIZ UDPゴシック" panose="020B0400000000000000" pitchFamily="50" charset="-128"/>
-              </a:rPr>
-              <a:t>ACK</a:t>
-            </a:r>
-            <a:endParaRPr kumimoji="1" lang="ja-JP" altLang="en-US" sz="1000" dirty="0">
-              <a:latin typeface="BIZ UDPゴシック" panose="020B0400000000000000" pitchFamily="50" charset="-128"/>
-              <a:ea typeface="BIZ UDPゴシック" panose="020B0400000000000000" pitchFamily="50" charset="-128"/>
-            </a:endParaRPr>
-          </a:p>
-        </p:txBody>
-      </p:sp>
-      <p:sp>
-        <p:nvSpPr>
-          <p:cNvPr id="60" name="テキスト ボックス 59">
-            <a:extLst>
-              <a:ext uri="{FF2B5EF4-FFF2-40B4-BE49-F238E27FC236}">
-                <a16:creationId xmlns:a16="http://schemas.microsoft.com/office/drawing/2014/main" id="{67319F4D-F062-A5E2-DA36-F652C26A5E52}"/>
-              </a:ext>
-            </a:extLst>
-          </p:cNvPr>
-          <p:cNvSpPr txBox="1"/>
-          <p:nvPr/>
-        </p:nvSpPr>
-        <p:spPr>
-          <a:xfrm>
-            <a:off x="8877299" y="4141105"/>
-            <a:ext cx="849374" cy="261610"/>
-          </a:xfrm>
-          <a:prstGeom prst="rect">
-            <a:avLst/>
-          </a:prstGeom>
-          <a:noFill/>
-        </p:spPr>
-        <p:txBody>
-          <a:bodyPr wrap="square" rtlCol="0">
-            <a:spAutoFit/>
-          </a:bodyPr>
-          <a:lstStyle/>
-          <a:p>
-            <a:pPr algn="ctr"/>
-            <a:r>
-              <a:rPr kumimoji="1" lang="en-US" altLang="ja-JP" sz="1100" dirty="0">
-                <a:latin typeface="BIZ UDPゴシック" panose="020B0400000000000000" pitchFamily="50" charset="-128"/>
-                <a:ea typeface="BIZ UDPゴシック" panose="020B0400000000000000" pitchFamily="50" charset="-128"/>
-              </a:rPr>
-              <a:t>Data</a:t>
-            </a:r>
-            <a:endParaRPr kumimoji="1" lang="ja-JP" altLang="en-US" sz="1100" dirty="0">
-              <a:latin typeface="BIZ UDPゴシック" panose="020B0400000000000000" pitchFamily="50" charset="-128"/>
-              <a:ea typeface="BIZ UDPゴシック" panose="020B0400000000000000" pitchFamily="50" charset="-128"/>
-            </a:endParaRPr>
-          </a:p>
-        </p:txBody>
-      </p:sp>
-      <p:sp>
-        <p:nvSpPr>
-          <p:cNvPr id="61" name="テキスト ボックス 60">
-            <a:extLst>
-              <a:ext uri="{FF2B5EF4-FFF2-40B4-BE49-F238E27FC236}">
-                <a16:creationId xmlns:a16="http://schemas.microsoft.com/office/drawing/2014/main" id="{43C3A92C-16EB-0A45-9EE7-684C9B521B5E}"/>
-              </a:ext>
-            </a:extLst>
-          </p:cNvPr>
-          <p:cNvSpPr txBox="1"/>
-          <p:nvPr/>
-        </p:nvSpPr>
-        <p:spPr>
-          <a:xfrm>
-            <a:off x="8883737" y="1445726"/>
-            <a:ext cx="849374" cy="430887"/>
-          </a:xfrm>
-          <a:prstGeom prst="rect">
-            <a:avLst/>
-          </a:prstGeom>
-          <a:noFill/>
-        </p:spPr>
-        <p:txBody>
-          <a:bodyPr wrap="square" rtlCol="0">
-            <a:spAutoFit/>
-          </a:bodyPr>
-          <a:lstStyle/>
-          <a:p>
-            <a:pPr algn="ctr"/>
-            <a:r>
-              <a:rPr kumimoji="1" lang="en-US" altLang="ja-JP" sz="1100" dirty="0">
-                <a:latin typeface="BIZ UDPゴシック" panose="020B0400000000000000" pitchFamily="50" charset="-128"/>
-                <a:ea typeface="BIZ UDPゴシック" panose="020B0400000000000000" pitchFamily="50" charset="-128"/>
-              </a:rPr>
-              <a:t>Sent</a:t>
-            </a:r>
-          </a:p>
-          <a:p>
-            <a:pPr algn="ctr"/>
-            <a:r>
-              <a:rPr kumimoji="1" lang="en-US" altLang="ja-JP" sz="1100" dirty="0">
-                <a:latin typeface="BIZ UDPゴシック" panose="020B0400000000000000" pitchFamily="50" charset="-128"/>
-                <a:ea typeface="BIZ UDPゴシック" panose="020B0400000000000000" pitchFamily="50" charset="-128"/>
-              </a:rPr>
-              <a:t>Data</a:t>
-            </a:r>
-            <a:endParaRPr kumimoji="1" lang="ja-JP" altLang="en-US" sz="1100" dirty="0">
-              <a:latin typeface="BIZ UDPゴシック" panose="020B0400000000000000" pitchFamily="50" charset="-128"/>
-              <a:ea typeface="BIZ UDPゴシック" panose="020B0400000000000000" pitchFamily="50" charset="-128"/>
-            </a:endParaRPr>
-          </a:p>
-        </p:txBody>
-      </p:sp>
-      <p:sp>
-        <p:nvSpPr>
-          <p:cNvPr id="62" name="テキスト ボックス 61">
-            <a:extLst>
-              <a:ext uri="{FF2B5EF4-FFF2-40B4-BE49-F238E27FC236}">
-                <a16:creationId xmlns:a16="http://schemas.microsoft.com/office/drawing/2014/main" id="{68C68892-67FA-365F-0A71-81C869AE4463}"/>
-              </a:ext>
-            </a:extLst>
-          </p:cNvPr>
-          <p:cNvSpPr txBox="1"/>
-          <p:nvPr/>
-        </p:nvSpPr>
-        <p:spPr>
-          <a:xfrm>
-            <a:off x="10039350" y="4153824"/>
-            <a:ext cx="571500" cy="246221"/>
-          </a:xfrm>
-          <a:prstGeom prst="rect">
-            <a:avLst/>
-          </a:prstGeom>
-          <a:noFill/>
-        </p:spPr>
-        <p:txBody>
-          <a:bodyPr wrap="square" rtlCol="0">
-            <a:spAutoFit/>
-          </a:bodyPr>
-          <a:lstStyle/>
-          <a:p>
-            <a:pPr algn="ctr"/>
-            <a:r>
-              <a:rPr kumimoji="1" lang="en-US" altLang="ja-JP" sz="1000" dirty="0">
-                <a:latin typeface="BIZ UDPゴシック" panose="020B0400000000000000" pitchFamily="50" charset="-128"/>
-                <a:ea typeface="BIZ UDPゴシック" panose="020B0400000000000000" pitchFamily="50" charset="-128"/>
-              </a:rPr>
-              <a:t>ACK</a:t>
-            </a:r>
-            <a:endParaRPr kumimoji="1" lang="ja-JP" altLang="en-US" sz="1000" dirty="0">
-              <a:latin typeface="BIZ UDPゴシック" panose="020B0400000000000000" pitchFamily="50" charset="-128"/>
-              <a:ea typeface="BIZ UDPゴシック" panose="020B0400000000000000" pitchFamily="50" charset="-128"/>
-            </a:endParaRPr>
-          </a:p>
-        </p:txBody>
-      </p:sp>
+              </a:endParaRPr>
+            </a:p>
+          </p:txBody>
+        </p:sp>
+      </p:grpSp>
     </p:spTree>
     <p:extLst>
       <p:ext uri="{BB962C8B-B14F-4D97-AF65-F5344CB8AC3E}">
